--- a/Meeting/Presentation_0830.pptx
+++ b/Meeting/Presentation_0830.pptx
@@ -5,7 +5,7 @@
     <p:sldMasterId id="2147483648" r:id="rId1"/>
   </p:sldMasterIdLst>
   <p:notesMasterIdLst>
-    <p:notesMasterId r:id="rId18"/>
+    <p:notesMasterId r:id="rId21"/>
   </p:notesMasterIdLst>
   <p:sldIdLst>
     <p:sldId id="256" r:id="rId2"/>
@@ -14,16 +14,19 @@
     <p:sldId id="342" r:id="rId5"/>
     <p:sldId id="355" r:id="rId6"/>
     <p:sldId id="357" r:id="rId7"/>
-    <p:sldId id="358" r:id="rId8"/>
-    <p:sldId id="359" r:id="rId9"/>
-    <p:sldId id="356" r:id="rId10"/>
-    <p:sldId id="312" r:id="rId11"/>
-    <p:sldId id="320" r:id="rId12"/>
-    <p:sldId id="353" r:id="rId13"/>
-    <p:sldId id="324" r:id="rId14"/>
-    <p:sldId id="309" r:id="rId15"/>
-    <p:sldId id="311" r:id="rId16"/>
-    <p:sldId id="339" r:id="rId17"/>
+    <p:sldId id="360" r:id="rId8"/>
+    <p:sldId id="362" r:id="rId9"/>
+    <p:sldId id="364" r:id="rId10"/>
+    <p:sldId id="358" r:id="rId11"/>
+    <p:sldId id="359" r:id="rId12"/>
+    <p:sldId id="361" r:id="rId13"/>
+    <p:sldId id="356" r:id="rId14"/>
+    <p:sldId id="312" r:id="rId15"/>
+    <p:sldId id="320" r:id="rId16"/>
+    <p:sldId id="363" r:id="rId17"/>
+    <p:sldId id="353" r:id="rId18"/>
+    <p:sldId id="324" r:id="rId19"/>
+    <p:sldId id="339" r:id="rId20"/>
   </p:sldIdLst>
   <p:sldSz cx="12192000" cy="6858000"/>
   <p:notesSz cx="6858000" cy="9144000"/>
@@ -212,7 +215,7 @@
           <a:p>
             <a:fld id="{FD5F46E7-AC74-B24A-8D7A-61E847F3340B}" type="datetimeFigureOut">
               <a:rPr lang="en-TW" smtClean="0"/>
-              <a:t>2023/8/24</a:t>
+              <a:t>2023/8/29</a:t>
             </a:fld>
             <a:endParaRPr lang="en-TW"/>
           </a:p>
@@ -525,494 +528,9 @@
           <a:lstStyle/>
           <a:p>
             <a:r>
-              <a:rPr lang="zh-TW" altLang="en-US" b="0" i="0" dirty="0">
-                <a:solidFill>
-                  <a:srgbClr val="374151"/>
-                </a:solidFill>
-                <a:effectLst/>
-                <a:latin typeface="Söhne"/>
-              </a:rPr>
-              <a:t>你定義了一個基於 </a:t>
-            </a:r>
-            <a:r>
-              <a:rPr lang="en-US" b="0" i="0" dirty="0">
-                <a:solidFill>
-                  <a:srgbClr val="374151"/>
-                </a:solidFill>
-                <a:effectLst/>
-                <a:latin typeface="Söhne"/>
-              </a:rPr>
-              <a:t>GAT (Graph Attention Network) </a:t>
-            </a:r>
-            <a:r>
-              <a:rPr lang="zh-TW" altLang="en-US" b="0" i="0" dirty="0">
-                <a:solidFill>
-                  <a:srgbClr val="374151"/>
-                </a:solidFill>
-                <a:effectLst/>
-                <a:latin typeface="Söhne"/>
-              </a:rPr>
-              <a:t>的神經網路模型。</a:t>
-            </a:r>
-            <a:r>
-              <a:rPr lang="en-US" b="0" i="0" dirty="0">
-                <a:solidFill>
-                  <a:srgbClr val="374151"/>
-                </a:solidFill>
-                <a:effectLst/>
-                <a:latin typeface="Söhne"/>
-              </a:rPr>
-              <a:t>GAT </a:t>
-            </a:r>
-            <a:r>
-              <a:rPr lang="zh-TW" altLang="en-US" b="0" i="0" dirty="0">
-                <a:solidFill>
-                  <a:srgbClr val="374151"/>
-                </a:solidFill>
-                <a:effectLst/>
-                <a:latin typeface="Söhne"/>
-              </a:rPr>
-              <a:t>是一種圖卷積神經網路，其中每個節點通過 </a:t>
-            </a:r>
-            <a:r>
-              <a:rPr lang="en-US" b="0" i="0" dirty="0">
-                <a:solidFill>
-                  <a:srgbClr val="374151"/>
-                </a:solidFill>
-                <a:effectLst/>
-                <a:latin typeface="Söhne"/>
-              </a:rPr>
-              <a:t>attention mechanism </a:t>
-            </a:r>
-            <a:r>
-              <a:rPr lang="zh-TW" altLang="en-US" b="0" i="0" dirty="0">
-                <a:solidFill>
-                  <a:srgbClr val="374151"/>
-                </a:solidFill>
-                <a:effectLst/>
-                <a:latin typeface="Söhne"/>
-              </a:rPr>
-              <a:t>而不僅僅是平均鄰居特徵來更新其特徵。</a:t>
-            </a:r>
-            <a:endParaRPr lang="en-US" altLang="zh-TW" b="0" i="0" dirty="0">
-              <a:solidFill>
-                <a:srgbClr val="374151"/>
-              </a:solidFill>
-              <a:effectLst/>
-              <a:latin typeface="Söhne"/>
-            </a:endParaRPr>
-          </a:p>
-          <a:p>
-            <a:endParaRPr lang="en-US" altLang="zh-TW" dirty="0"/>
-          </a:p>
-          <a:p>
-            <a:pPr algn="l"/>
-            <a:r>
-              <a:rPr lang="zh-TW" altLang="en-US" b="1" i="0" dirty="0">
-                <a:solidFill>
-                  <a:srgbClr val="374151"/>
-                </a:solidFill>
-                <a:effectLst/>
-                <a:latin typeface="Söhne"/>
-              </a:rPr>
-              <a:t>前向方法 </a:t>
-            </a:r>
-            <a:r>
-              <a:rPr lang="en-US" altLang="zh-TW" b="1" i="0" dirty="0">
-                <a:solidFill>
-                  <a:srgbClr val="374151"/>
-                </a:solidFill>
-                <a:effectLst/>
-                <a:latin typeface="Söhne"/>
-              </a:rPr>
-              <a:t>(</a:t>
-            </a:r>
-            <a:r>
-              <a:rPr lang="en-US" b="1" i="0" dirty="0">
-                <a:solidFill>
-                  <a:srgbClr val="374151"/>
-                </a:solidFill>
-                <a:effectLst/>
-                <a:latin typeface="Söhne"/>
-              </a:rPr>
-              <a:t>forward)</a:t>
-            </a:r>
-            <a:r>
-              <a:rPr lang="en-US" b="0" i="0" dirty="0">
-                <a:solidFill>
-                  <a:srgbClr val="374151"/>
-                </a:solidFill>
-                <a:effectLst/>
-                <a:latin typeface="Söhne"/>
-              </a:rPr>
-              <a:t>:</a:t>
-            </a:r>
-          </a:p>
-          <a:p>
-            <a:pPr algn="l">
-              <a:buFont typeface="Arial" panose="020B0604020202020204" pitchFamily="34" charset="0"/>
-              <a:buChar char="•"/>
-            </a:pPr>
-            <a:r>
-              <a:rPr lang="zh-TW" altLang="en-US" b="0" i="0" dirty="0">
-                <a:solidFill>
-                  <a:srgbClr val="374151"/>
-                </a:solidFill>
-                <a:effectLst/>
-                <a:latin typeface="Söhne"/>
-              </a:rPr>
-              <a:t>首先，它通過第一個 </a:t>
-            </a:r>
-            <a:r>
-              <a:rPr lang="en-US" b="0" i="0" dirty="0">
-                <a:solidFill>
-                  <a:srgbClr val="374151"/>
-                </a:solidFill>
-                <a:effectLst/>
-                <a:latin typeface="Söhne"/>
-              </a:rPr>
-              <a:t>GAT </a:t>
-            </a:r>
-            <a:r>
-              <a:rPr lang="zh-TW" altLang="en-US" b="0" i="0" dirty="0">
-                <a:solidFill>
-                  <a:srgbClr val="374151"/>
-                </a:solidFill>
-                <a:effectLst/>
-                <a:latin typeface="Söhne"/>
-              </a:rPr>
-              <a:t>層將輸入特徵 </a:t>
-            </a:r>
-            <a:r>
-              <a:rPr lang="en-US" b="0" i="0" dirty="0">
-                <a:solidFill>
-                  <a:srgbClr val="374151"/>
-                </a:solidFill>
-                <a:effectLst/>
-                <a:latin typeface="Söhne"/>
-              </a:rPr>
-              <a:t>h </a:t>
-            </a:r>
-            <a:r>
-              <a:rPr lang="zh-TW" altLang="en-US" b="0" i="0" dirty="0">
-                <a:solidFill>
-                  <a:srgbClr val="374151"/>
-                </a:solidFill>
-                <a:effectLst/>
-                <a:latin typeface="Söhne"/>
-              </a:rPr>
-              <a:t>轉換成新的特徵。</a:t>
-            </a:r>
-          </a:p>
-          <a:p>
-            <a:pPr algn="l">
-              <a:buFont typeface="Arial" panose="020B0604020202020204" pitchFamily="34" charset="0"/>
-              <a:buChar char="•"/>
-            </a:pPr>
-            <a:r>
-              <a:rPr lang="zh-TW" altLang="en-US" b="0" i="0" dirty="0">
-                <a:solidFill>
-                  <a:srgbClr val="374151"/>
-                </a:solidFill>
-                <a:effectLst/>
-                <a:latin typeface="Söhne"/>
-              </a:rPr>
-              <a:t>使用 </a:t>
-            </a:r>
-            <a:r>
-              <a:rPr lang="en-US" b="0" i="0" dirty="0">
-                <a:solidFill>
-                  <a:srgbClr val="374151"/>
-                </a:solidFill>
-                <a:effectLst/>
-                <a:latin typeface="Söhne"/>
-              </a:rPr>
-              <a:t>view </a:t>
-            </a:r>
-            <a:r>
-              <a:rPr lang="zh-TW" altLang="en-US" b="0" i="0" dirty="0">
-                <a:solidFill>
-                  <a:srgbClr val="374151"/>
-                </a:solidFill>
-                <a:effectLst/>
-                <a:latin typeface="Söhne"/>
-              </a:rPr>
-              <a:t>方法來重塑特徵 </a:t>
-            </a:r>
-            <a:r>
-              <a:rPr lang="en-US" b="0" i="0" dirty="0">
-                <a:solidFill>
-                  <a:srgbClr val="374151"/>
-                </a:solidFill>
-                <a:effectLst/>
-                <a:latin typeface="Söhne"/>
-              </a:rPr>
-              <a:t>tensor，</a:t>
-            </a:r>
-            <a:r>
-              <a:rPr lang="zh-TW" altLang="en-US" b="0" i="0" dirty="0">
-                <a:solidFill>
-                  <a:srgbClr val="374151"/>
-                </a:solidFill>
-                <a:effectLst/>
-                <a:latin typeface="Söhne"/>
-              </a:rPr>
-              <a:t>使其維度適應多頭注意力的輸出。</a:t>
-            </a:r>
-            <a:endParaRPr lang="en-US" altLang="zh-TW" b="0" i="0" dirty="0">
-              <a:solidFill>
-                <a:srgbClr val="374151"/>
-              </a:solidFill>
-              <a:effectLst/>
-              <a:latin typeface="Söhne"/>
-            </a:endParaRPr>
-          </a:p>
-          <a:p>
-            <a:pPr algn="l">
-              <a:buFont typeface="Arial" panose="020B0604020202020204" pitchFamily="34" charset="0"/>
-              <a:buChar char="•"/>
-            </a:pPr>
-            <a:r>
-              <a:rPr lang="zh-TW" altLang="en-US" b="0" i="0" dirty="0">
-                <a:solidFill>
-                  <a:srgbClr val="374151"/>
-                </a:solidFill>
-                <a:effectLst/>
-                <a:latin typeface="Söhne"/>
-              </a:rPr>
-              <a:t>使用 </a:t>
-            </a:r>
-            <a:r>
-              <a:rPr lang="en-US" b="0" i="0" dirty="0">
-                <a:solidFill>
-                  <a:srgbClr val="374151"/>
-                </a:solidFill>
-                <a:effectLst/>
-                <a:latin typeface="Söhne"/>
-              </a:rPr>
-              <a:t>dropout </a:t>
-            </a:r>
-            <a:r>
-              <a:rPr lang="zh-TW" altLang="en-US" b="0" i="0" dirty="0">
-                <a:solidFill>
-                  <a:srgbClr val="374151"/>
-                </a:solidFill>
-                <a:effectLst/>
-                <a:latin typeface="Söhne"/>
-              </a:rPr>
-              <a:t>進行正則化。</a:t>
-            </a:r>
-          </a:p>
-          <a:p>
-            <a:pPr algn="l">
-              <a:buFont typeface="Arial" panose="020B0604020202020204" pitchFamily="34" charset="0"/>
-              <a:buChar char="•"/>
-            </a:pPr>
-            <a:r>
-              <a:rPr lang="zh-TW" altLang="en-US" b="0" i="0" dirty="0">
-                <a:solidFill>
-                  <a:srgbClr val="374151"/>
-                </a:solidFill>
-                <a:effectLst/>
-                <a:latin typeface="Söhne"/>
-              </a:rPr>
-              <a:t>通過第二個 </a:t>
-            </a:r>
-            <a:r>
-              <a:rPr lang="en-US" b="0" i="0" dirty="0">
-                <a:solidFill>
-                  <a:srgbClr val="374151"/>
-                </a:solidFill>
-                <a:effectLst/>
-                <a:latin typeface="Söhne"/>
-              </a:rPr>
-              <a:t>GAT </a:t>
-            </a:r>
-            <a:r>
-              <a:rPr lang="zh-TW" altLang="en-US" b="0" i="0" dirty="0">
-                <a:solidFill>
-                  <a:srgbClr val="374151"/>
-                </a:solidFill>
-                <a:effectLst/>
-                <a:latin typeface="Söhne"/>
-              </a:rPr>
-              <a:t>層進行另一次特徵轉換。</a:t>
-            </a:r>
-          </a:p>
-          <a:p>
-            <a:pPr algn="l">
-              <a:buFont typeface="Arial" panose="020B0604020202020204" pitchFamily="34" charset="0"/>
-              <a:buChar char="•"/>
-            </a:pPr>
-            <a:r>
-              <a:rPr lang="zh-TW" altLang="en-US" b="0" i="0" dirty="0">
-                <a:solidFill>
-                  <a:srgbClr val="374151"/>
-                </a:solidFill>
-                <a:effectLst/>
-                <a:latin typeface="Söhne"/>
-              </a:rPr>
-              <a:t>將這些輸出特徵存儲為新的節點特徵 </a:t>
-            </a:r>
-            <a:r>
-              <a:rPr lang="en-US" b="0" i="0" dirty="0" err="1">
-                <a:solidFill>
-                  <a:srgbClr val="374151"/>
-                </a:solidFill>
-                <a:effectLst/>
-                <a:latin typeface="Söhne"/>
-              </a:rPr>
-              <a:t>h_out</a:t>
-            </a:r>
-            <a:r>
-              <a:rPr lang="en-US" b="0" i="0" dirty="0">
-                <a:solidFill>
-                  <a:srgbClr val="374151"/>
-                </a:solidFill>
-                <a:effectLst/>
-                <a:latin typeface="Söhne"/>
-              </a:rPr>
-              <a:t>。</a:t>
-            </a:r>
-          </a:p>
-          <a:p>
-            <a:pPr algn="l">
-              <a:buFont typeface="Arial" panose="020B0604020202020204" pitchFamily="34" charset="0"/>
-              <a:buChar char="•"/>
-            </a:pPr>
-            <a:r>
-              <a:rPr lang="zh-TW" altLang="en-US" b="0" i="0" dirty="0">
-                <a:solidFill>
-                  <a:srgbClr val="374151"/>
-                </a:solidFill>
-                <a:effectLst/>
-                <a:latin typeface="Söhne"/>
-              </a:rPr>
-              <a:t>最後，使用平均池化來彙總整個圖的節點特徵，得到一個圖級別的輸出特徵。</a:t>
-            </a:r>
-            <a:endParaRPr lang="en-US" altLang="zh-TW" b="0" i="0" dirty="0">
-              <a:solidFill>
-                <a:srgbClr val="374151"/>
-              </a:solidFill>
-              <a:effectLst/>
-              <a:latin typeface="Söhne"/>
-            </a:endParaRPr>
-          </a:p>
-          <a:p>
-            <a:pPr algn="l">
-              <a:buFont typeface="Arial" panose="020B0604020202020204" pitchFamily="34" charset="0"/>
-              <a:buChar char="•"/>
-            </a:pPr>
-            <a:endParaRPr lang="en-US" altLang="zh-TW" b="0" i="0" dirty="0">
-              <a:solidFill>
-                <a:srgbClr val="374151"/>
-              </a:solidFill>
-              <a:effectLst/>
-              <a:latin typeface="Söhne"/>
-            </a:endParaRPr>
-          </a:p>
-          <a:p>
-            <a:pPr algn="l">
-              <a:buFont typeface="Arial" panose="020B0604020202020204" pitchFamily="34" charset="0"/>
-              <a:buChar char="•"/>
-            </a:pPr>
-            <a:r>
-              <a:rPr lang="en-US" dirty="0"/>
-              <a:t>view</a:t>
-            </a:r>
-            <a:r>
-              <a:rPr lang="en-US" b="0" i="0" dirty="0">
-                <a:solidFill>
-                  <a:srgbClr val="374151"/>
-                </a:solidFill>
-                <a:effectLst/>
-                <a:latin typeface="Söhne"/>
-              </a:rPr>
-              <a:t> </a:t>
-            </a:r>
-            <a:r>
-              <a:rPr lang="zh-TW" altLang="en-US" b="0" i="0" dirty="0">
-                <a:solidFill>
-                  <a:srgbClr val="374151"/>
-                </a:solidFill>
-                <a:effectLst/>
-                <a:latin typeface="Söhne"/>
-              </a:rPr>
-              <a:t>是 </a:t>
-            </a:r>
-            <a:r>
-              <a:rPr lang="en-US" b="0" i="0" dirty="0" err="1">
-                <a:solidFill>
-                  <a:srgbClr val="374151"/>
-                </a:solidFill>
-                <a:effectLst/>
-                <a:latin typeface="Söhne"/>
-              </a:rPr>
-              <a:t>PyTorch</a:t>
-            </a:r>
-            <a:r>
-              <a:rPr lang="en-US" b="0" i="0" dirty="0">
-                <a:solidFill>
-                  <a:srgbClr val="374151"/>
-                </a:solidFill>
-                <a:effectLst/>
-                <a:latin typeface="Söhne"/>
-              </a:rPr>
-              <a:t> tensor </a:t>
-            </a:r>
-            <a:r>
-              <a:rPr lang="zh-TW" altLang="en-US" b="0" i="0" dirty="0">
-                <a:solidFill>
-                  <a:srgbClr val="374151"/>
-                </a:solidFill>
-                <a:effectLst/>
-                <a:latin typeface="Söhne"/>
-              </a:rPr>
-              <a:t>中的一個方法，它允許您重塑 </a:t>
-            </a:r>
-            <a:r>
-              <a:rPr lang="en-US" b="0" i="0" dirty="0">
-                <a:solidFill>
-                  <a:srgbClr val="374151"/>
-                </a:solidFill>
-                <a:effectLst/>
-                <a:latin typeface="Söhne"/>
-              </a:rPr>
-              <a:t>tensor。</a:t>
-            </a:r>
-            <a:r>
-              <a:rPr lang="zh-TW" altLang="en-US" b="0" i="0" dirty="0">
-                <a:solidFill>
-                  <a:srgbClr val="374151"/>
-                </a:solidFill>
-                <a:effectLst/>
-                <a:latin typeface="Söhne"/>
-              </a:rPr>
-              <a:t>換句話說，您可以使用它來改變 </a:t>
-            </a:r>
-            <a:r>
-              <a:rPr lang="en-US" b="0" i="0" dirty="0">
-                <a:solidFill>
-                  <a:srgbClr val="374151"/>
-                </a:solidFill>
-                <a:effectLst/>
-                <a:latin typeface="Söhne"/>
-              </a:rPr>
-              <a:t>tensor </a:t>
-            </a:r>
-            <a:r>
-              <a:rPr lang="zh-TW" altLang="en-US" b="0" i="0" dirty="0">
-                <a:solidFill>
-                  <a:srgbClr val="374151"/>
-                </a:solidFill>
-                <a:effectLst/>
-                <a:latin typeface="Söhne"/>
-              </a:rPr>
-              <a:t>的維度和大小，但是內容和數據順序保持不變。</a:t>
-            </a:r>
-          </a:p>
-          <a:p>
-            <a:endParaRPr lang="en-US" altLang="zh-TW" dirty="0"/>
+              <a:rPr lang="en-TW" dirty="0"/>
+              <a:t>hello</a:t>
+            </a:r>
           </a:p>
         </p:txBody>
       </p:sp>
@@ -1031,9 +549,9 @@
           <a:bodyPr/>
           <a:lstStyle/>
           <a:p>
-            <a:fld id="{50B9CB7D-C514-3544-A72A-E200086B53CC}" type="slidenum">
+            <a:fld id="{53C6F491-1A87-C04E-B10B-064C4551D64B}" type="slidenum">
               <a:rPr lang="en-TW" smtClean="0"/>
-              <a:t>4</a:t>
+              <a:t>1</a:t>
             </a:fld>
             <a:endParaRPr lang="en-TW"/>
           </a:p>
@@ -1042,7 +560,175 @@
     </p:spTree>
     <p:extLst>
       <p:ext uri="{BB962C8B-B14F-4D97-AF65-F5344CB8AC3E}">
-        <p14:creationId xmlns:p14="http://schemas.microsoft.com/office/powerpoint/2010/main" val="3259011780"/>
+        <p14:creationId xmlns:p14="http://schemas.microsoft.com/office/powerpoint/2010/main" val="381870155"/>
+      </p:ext>
+    </p:extLst>
+  </p:cSld>
+  <p:clrMapOvr>
+    <a:masterClrMapping/>
+  </p:clrMapOvr>
+</p:notes>
+</file>
+
+<file path=ppt/notesSlides/notesSlide10.xml><?xml version="1.0" encoding="utf-8"?>
+<p:notes xmlns:a="http://schemas.openxmlformats.org/drawingml/2006/main" xmlns:r="http://schemas.openxmlformats.org/officeDocument/2006/relationships" xmlns:p="http://schemas.openxmlformats.org/presentationml/2006/main">
+  <p:cSld>
+    <p:spTree>
+      <p:nvGrpSpPr>
+        <p:cNvPr id="1" name=""/>
+        <p:cNvGrpSpPr/>
+        <p:nvPr/>
+      </p:nvGrpSpPr>
+      <p:grpSpPr>
+        <a:xfrm>
+          <a:off x="0" y="0"/>
+          <a:ext cx="0" cy="0"/>
+          <a:chOff x="0" y="0"/>
+          <a:chExt cx="0" cy="0"/>
+        </a:xfrm>
+      </p:grpSpPr>
+      <p:sp>
+        <p:nvSpPr>
+          <p:cNvPr id="2" name="Slide Image Placeholder 1"/>
+          <p:cNvSpPr>
+            <a:spLocks noGrp="1" noRot="1" noChangeAspect="1"/>
+          </p:cNvSpPr>
+          <p:nvPr>
+            <p:ph type="sldImg"/>
+          </p:nvPr>
+        </p:nvSpPr>
+        <p:spPr/>
+      </p:sp>
+      <p:sp>
+        <p:nvSpPr>
+          <p:cNvPr id="3" name="Notes Placeholder 2"/>
+          <p:cNvSpPr>
+            <a:spLocks noGrp="1"/>
+          </p:cNvSpPr>
+          <p:nvPr>
+            <p:ph type="body" idx="1"/>
+          </p:nvPr>
+        </p:nvSpPr>
+        <p:spPr/>
+        <p:txBody>
+          <a:bodyPr/>
+          <a:lstStyle/>
+          <a:p>
+            <a:endParaRPr lang="en-US" altLang="zh-TW" dirty="0"/>
+          </a:p>
+        </p:txBody>
+      </p:sp>
+      <p:sp>
+        <p:nvSpPr>
+          <p:cNvPr id="4" name="Slide Number Placeholder 3"/>
+          <p:cNvSpPr>
+            <a:spLocks noGrp="1"/>
+          </p:cNvSpPr>
+          <p:nvPr>
+            <p:ph type="sldNum" sz="quarter" idx="5"/>
+          </p:nvPr>
+        </p:nvSpPr>
+        <p:spPr/>
+        <p:txBody>
+          <a:bodyPr/>
+          <a:lstStyle/>
+          <a:p>
+            <a:fld id="{50B9CB7D-C514-3544-A72A-E200086B53CC}" type="slidenum">
+              <a:rPr lang="en-TW" smtClean="0"/>
+              <a:t>14</a:t>
+            </a:fld>
+            <a:endParaRPr lang="en-TW"/>
+          </a:p>
+        </p:txBody>
+      </p:sp>
+    </p:spTree>
+    <p:extLst>
+      <p:ext uri="{BB962C8B-B14F-4D97-AF65-F5344CB8AC3E}">
+        <p14:creationId xmlns:p14="http://schemas.microsoft.com/office/powerpoint/2010/main" val="905481662"/>
+      </p:ext>
+    </p:extLst>
+  </p:cSld>
+  <p:clrMapOvr>
+    <a:masterClrMapping/>
+  </p:clrMapOvr>
+</p:notes>
+</file>
+
+<file path=ppt/notesSlides/notesSlide11.xml><?xml version="1.0" encoding="utf-8"?>
+<p:notes xmlns:a="http://schemas.openxmlformats.org/drawingml/2006/main" xmlns:r="http://schemas.openxmlformats.org/officeDocument/2006/relationships" xmlns:p="http://schemas.openxmlformats.org/presentationml/2006/main">
+  <p:cSld>
+    <p:spTree>
+      <p:nvGrpSpPr>
+        <p:cNvPr id="1" name=""/>
+        <p:cNvGrpSpPr/>
+        <p:nvPr/>
+      </p:nvGrpSpPr>
+      <p:grpSpPr>
+        <a:xfrm>
+          <a:off x="0" y="0"/>
+          <a:ext cx="0" cy="0"/>
+          <a:chOff x="0" y="0"/>
+          <a:chExt cx="0" cy="0"/>
+        </a:xfrm>
+      </p:grpSpPr>
+      <p:sp>
+        <p:nvSpPr>
+          <p:cNvPr id="2" name="Slide Image Placeholder 1"/>
+          <p:cNvSpPr>
+            <a:spLocks noGrp="1" noRot="1" noChangeAspect="1"/>
+          </p:cNvSpPr>
+          <p:nvPr>
+            <p:ph type="sldImg"/>
+          </p:nvPr>
+        </p:nvSpPr>
+        <p:spPr/>
+      </p:sp>
+      <p:sp>
+        <p:nvSpPr>
+          <p:cNvPr id="3" name="Notes Placeholder 2"/>
+          <p:cNvSpPr>
+            <a:spLocks noGrp="1"/>
+          </p:cNvSpPr>
+          <p:nvPr>
+            <p:ph type="body" idx="1"/>
+          </p:nvPr>
+        </p:nvSpPr>
+        <p:spPr/>
+        <p:txBody>
+          <a:bodyPr/>
+          <a:lstStyle/>
+          <a:p>
+            <a:endParaRPr lang="en-US" altLang="zh-TW" dirty="0"/>
+          </a:p>
+        </p:txBody>
+      </p:sp>
+      <p:sp>
+        <p:nvSpPr>
+          <p:cNvPr id="4" name="Slide Number Placeholder 3"/>
+          <p:cNvSpPr>
+            <a:spLocks noGrp="1"/>
+          </p:cNvSpPr>
+          <p:nvPr>
+            <p:ph type="sldNum" sz="quarter" idx="5"/>
+          </p:nvPr>
+        </p:nvSpPr>
+        <p:spPr/>
+        <p:txBody>
+          <a:bodyPr/>
+          <a:lstStyle/>
+          <a:p>
+            <a:fld id="{50B9CB7D-C514-3544-A72A-E200086B53CC}" type="slidenum">
+              <a:rPr lang="en-TW" smtClean="0"/>
+              <a:t>18</a:t>
+            </a:fld>
+            <a:endParaRPr lang="en-TW"/>
+          </a:p>
+        </p:txBody>
+      </p:sp>
+    </p:spTree>
+    <p:extLst>
+      <p:ext uri="{BB962C8B-B14F-4D97-AF65-F5344CB8AC3E}">
+        <p14:creationId xmlns:p14="http://schemas.microsoft.com/office/powerpoint/2010/main" val="4114714957"/>
       </p:ext>
     </p:extLst>
   </p:cSld>
@@ -1096,6 +782,494 @@
           <a:bodyPr/>
           <a:lstStyle/>
           <a:p>
+            <a:r>
+              <a:rPr lang="zh-TW" altLang="en-US" b="0" i="0" dirty="0">
+                <a:solidFill>
+                  <a:srgbClr val="374151"/>
+                </a:solidFill>
+                <a:effectLst/>
+                <a:latin typeface="Söhne"/>
+              </a:rPr>
+              <a:t>你定義了一個基於 </a:t>
+            </a:r>
+            <a:r>
+              <a:rPr lang="en-US" b="0" i="0" dirty="0">
+                <a:solidFill>
+                  <a:srgbClr val="374151"/>
+                </a:solidFill>
+                <a:effectLst/>
+                <a:latin typeface="Söhne"/>
+              </a:rPr>
+              <a:t>GAT (Graph Attention Network) </a:t>
+            </a:r>
+            <a:r>
+              <a:rPr lang="zh-TW" altLang="en-US" b="0" i="0" dirty="0">
+                <a:solidFill>
+                  <a:srgbClr val="374151"/>
+                </a:solidFill>
+                <a:effectLst/>
+                <a:latin typeface="Söhne"/>
+              </a:rPr>
+              <a:t>的神經網路模型。</a:t>
+            </a:r>
+            <a:r>
+              <a:rPr lang="en-US" b="0" i="0" dirty="0">
+                <a:solidFill>
+                  <a:srgbClr val="374151"/>
+                </a:solidFill>
+                <a:effectLst/>
+                <a:latin typeface="Söhne"/>
+              </a:rPr>
+              <a:t>GAT </a:t>
+            </a:r>
+            <a:r>
+              <a:rPr lang="zh-TW" altLang="en-US" b="0" i="0" dirty="0">
+                <a:solidFill>
+                  <a:srgbClr val="374151"/>
+                </a:solidFill>
+                <a:effectLst/>
+                <a:latin typeface="Söhne"/>
+              </a:rPr>
+              <a:t>是一種圖卷積神經網路，其中每個節點通過 </a:t>
+            </a:r>
+            <a:r>
+              <a:rPr lang="en-US" b="0" i="0" dirty="0">
+                <a:solidFill>
+                  <a:srgbClr val="374151"/>
+                </a:solidFill>
+                <a:effectLst/>
+                <a:latin typeface="Söhne"/>
+              </a:rPr>
+              <a:t>attention mechanism </a:t>
+            </a:r>
+            <a:r>
+              <a:rPr lang="zh-TW" altLang="en-US" b="0" i="0" dirty="0">
+                <a:solidFill>
+                  <a:srgbClr val="374151"/>
+                </a:solidFill>
+                <a:effectLst/>
+                <a:latin typeface="Söhne"/>
+              </a:rPr>
+              <a:t>而不僅僅是平均鄰居特徵來更新其特徵。</a:t>
+            </a:r>
+            <a:endParaRPr lang="en-US" altLang="zh-TW" b="0" i="0" dirty="0">
+              <a:solidFill>
+                <a:srgbClr val="374151"/>
+              </a:solidFill>
+              <a:effectLst/>
+              <a:latin typeface="Söhne"/>
+            </a:endParaRPr>
+          </a:p>
+          <a:p>
+            <a:endParaRPr lang="en-US" altLang="zh-TW" dirty="0"/>
+          </a:p>
+          <a:p>
+            <a:pPr algn="l"/>
+            <a:r>
+              <a:rPr lang="zh-TW" altLang="en-US" b="1" i="0" dirty="0">
+                <a:solidFill>
+                  <a:srgbClr val="374151"/>
+                </a:solidFill>
+                <a:effectLst/>
+                <a:latin typeface="Söhne"/>
+              </a:rPr>
+              <a:t>前向方法 </a:t>
+            </a:r>
+            <a:r>
+              <a:rPr lang="en-US" altLang="zh-TW" b="1" i="0" dirty="0">
+                <a:solidFill>
+                  <a:srgbClr val="374151"/>
+                </a:solidFill>
+                <a:effectLst/>
+                <a:latin typeface="Söhne"/>
+              </a:rPr>
+              <a:t>(</a:t>
+            </a:r>
+            <a:r>
+              <a:rPr lang="en-US" b="1" i="0" dirty="0">
+                <a:solidFill>
+                  <a:srgbClr val="374151"/>
+                </a:solidFill>
+                <a:effectLst/>
+                <a:latin typeface="Söhne"/>
+              </a:rPr>
+              <a:t>forward)</a:t>
+            </a:r>
+            <a:r>
+              <a:rPr lang="en-US" b="0" i="0" dirty="0">
+                <a:solidFill>
+                  <a:srgbClr val="374151"/>
+                </a:solidFill>
+                <a:effectLst/>
+                <a:latin typeface="Söhne"/>
+              </a:rPr>
+              <a:t>:</a:t>
+            </a:r>
+          </a:p>
+          <a:p>
+            <a:pPr algn="l">
+              <a:buFont typeface="Arial" panose="020B0604020202020204" pitchFamily="34" charset="0"/>
+              <a:buChar char="•"/>
+            </a:pPr>
+            <a:r>
+              <a:rPr lang="zh-TW" altLang="en-US" b="0" i="0" dirty="0">
+                <a:solidFill>
+                  <a:srgbClr val="374151"/>
+                </a:solidFill>
+                <a:effectLst/>
+                <a:latin typeface="Söhne"/>
+              </a:rPr>
+              <a:t>首先，它通過第一個 </a:t>
+            </a:r>
+            <a:r>
+              <a:rPr lang="en-US" b="0" i="0" dirty="0">
+                <a:solidFill>
+                  <a:srgbClr val="374151"/>
+                </a:solidFill>
+                <a:effectLst/>
+                <a:latin typeface="Söhne"/>
+              </a:rPr>
+              <a:t>GAT </a:t>
+            </a:r>
+            <a:r>
+              <a:rPr lang="zh-TW" altLang="en-US" b="0" i="0" dirty="0">
+                <a:solidFill>
+                  <a:srgbClr val="374151"/>
+                </a:solidFill>
+                <a:effectLst/>
+                <a:latin typeface="Söhne"/>
+              </a:rPr>
+              <a:t>層將輸入特徵 </a:t>
+            </a:r>
+            <a:r>
+              <a:rPr lang="en-US" b="0" i="0" dirty="0">
+                <a:solidFill>
+                  <a:srgbClr val="374151"/>
+                </a:solidFill>
+                <a:effectLst/>
+                <a:latin typeface="Söhne"/>
+              </a:rPr>
+              <a:t>h </a:t>
+            </a:r>
+            <a:r>
+              <a:rPr lang="zh-TW" altLang="en-US" b="0" i="0" dirty="0">
+                <a:solidFill>
+                  <a:srgbClr val="374151"/>
+                </a:solidFill>
+                <a:effectLst/>
+                <a:latin typeface="Söhne"/>
+              </a:rPr>
+              <a:t>轉換成新的特徵。</a:t>
+            </a:r>
+          </a:p>
+          <a:p>
+            <a:pPr algn="l">
+              <a:buFont typeface="Arial" panose="020B0604020202020204" pitchFamily="34" charset="0"/>
+              <a:buChar char="•"/>
+            </a:pPr>
+            <a:r>
+              <a:rPr lang="zh-TW" altLang="en-US" b="0" i="0" dirty="0">
+                <a:solidFill>
+                  <a:srgbClr val="374151"/>
+                </a:solidFill>
+                <a:effectLst/>
+                <a:latin typeface="Söhne"/>
+              </a:rPr>
+              <a:t>使用 </a:t>
+            </a:r>
+            <a:r>
+              <a:rPr lang="en-US" b="0" i="0" dirty="0">
+                <a:solidFill>
+                  <a:srgbClr val="374151"/>
+                </a:solidFill>
+                <a:effectLst/>
+                <a:latin typeface="Söhne"/>
+              </a:rPr>
+              <a:t>view </a:t>
+            </a:r>
+            <a:r>
+              <a:rPr lang="zh-TW" altLang="en-US" b="0" i="0" dirty="0">
+                <a:solidFill>
+                  <a:srgbClr val="374151"/>
+                </a:solidFill>
+                <a:effectLst/>
+                <a:latin typeface="Söhne"/>
+              </a:rPr>
+              <a:t>方法來重塑特徵 </a:t>
+            </a:r>
+            <a:r>
+              <a:rPr lang="en-US" b="0" i="0" dirty="0">
+                <a:solidFill>
+                  <a:srgbClr val="374151"/>
+                </a:solidFill>
+                <a:effectLst/>
+                <a:latin typeface="Söhne"/>
+              </a:rPr>
+              <a:t>tensor，</a:t>
+            </a:r>
+            <a:r>
+              <a:rPr lang="zh-TW" altLang="en-US" b="0" i="0" dirty="0">
+                <a:solidFill>
+                  <a:srgbClr val="374151"/>
+                </a:solidFill>
+                <a:effectLst/>
+                <a:latin typeface="Söhne"/>
+              </a:rPr>
+              <a:t>使其維度適應多頭注意力的輸出。</a:t>
+            </a:r>
+            <a:endParaRPr lang="en-US" altLang="zh-TW" b="0" i="0" dirty="0">
+              <a:solidFill>
+                <a:srgbClr val="374151"/>
+              </a:solidFill>
+              <a:effectLst/>
+              <a:latin typeface="Söhne"/>
+            </a:endParaRPr>
+          </a:p>
+          <a:p>
+            <a:pPr algn="l">
+              <a:buFont typeface="Arial" panose="020B0604020202020204" pitchFamily="34" charset="0"/>
+              <a:buChar char="•"/>
+            </a:pPr>
+            <a:r>
+              <a:rPr lang="zh-TW" altLang="en-US" b="0" i="0" dirty="0">
+                <a:solidFill>
+                  <a:srgbClr val="374151"/>
+                </a:solidFill>
+                <a:effectLst/>
+                <a:latin typeface="Söhne"/>
+              </a:rPr>
+              <a:t>使用 </a:t>
+            </a:r>
+            <a:r>
+              <a:rPr lang="en-US" b="0" i="0" dirty="0">
+                <a:solidFill>
+                  <a:srgbClr val="374151"/>
+                </a:solidFill>
+                <a:effectLst/>
+                <a:latin typeface="Söhne"/>
+              </a:rPr>
+              <a:t>dropout </a:t>
+            </a:r>
+            <a:r>
+              <a:rPr lang="zh-TW" altLang="en-US" b="0" i="0" dirty="0">
+                <a:solidFill>
+                  <a:srgbClr val="374151"/>
+                </a:solidFill>
+                <a:effectLst/>
+                <a:latin typeface="Söhne"/>
+              </a:rPr>
+              <a:t>進行正則化。</a:t>
+            </a:r>
+          </a:p>
+          <a:p>
+            <a:pPr algn="l">
+              <a:buFont typeface="Arial" panose="020B0604020202020204" pitchFamily="34" charset="0"/>
+              <a:buChar char="•"/>
+            </a:pPr>
+            <a:r>
+              <a:rPr lang="zh-TW" altLang="en-US" b="0" i="0" dirty="0">
+                <a:solidFill>
+                  <a:srgbClr val="374151"/>
+                </a:solidFill>
+                <a:effectLst/>
+                <a:latin typeface="Söhne"/>
+              </a:rPr>
+              <a:t>通過第二個 </a:t>
+            </a:r>
+            <a:r>
+              <a:rPr lang="en-US" b="0" i="0" dirty="0">
+                <a:solidFill>
+                  <a:srgbClr val="374151"/>
+                </a:solidFill>
+                <a:effectLst/>
+                <a:latin typeface="Söhne"/>
+              </a:rPr>
+              <a:t>GAT </a:t>
+            </a:r>
+            <a:r>
+              <a:rPr lang="zh-TW" altLang="en-US" b="0" i="0" dirty="0">
+                <a:solidFill>
+                  <a:srgbClr val="374151"/>
+                </a:solidFill>
+                <a:effectLst/>
+                <a:latin typeface="Söhne"/>
+              </a:rPr>
+              <a:t>層進行另一次特徵轉換。</a:t>
+            </a:r>
+          </a:p>
+          <a:p>
+            <a:pPr algn="l">
+              <a:buFont typeface="Arial" panose="020B0604020202020204" pitchFamily="34" charset="0"/>
+              <a:buChar char="•"/>
+            </a:pPr>
+            <a:r>
+              <a:rPr lang="zh-TW" altLang="en-US" b="0" i="0" dirty="0">
+                <a:solidFill>
+                  <a:srgbClr val="374151"/>
+                </a:solidFill>
+                <a:effectLst/>
+                <a:latin typeface="Söhne"/>
+              </a:rPr>
+              <a:t>將這些輸出特徵存儲為新的節點特徵 </a:t>
+            </a:r>
+            <a:r>
+              <a:rPr lang="en-US" b="0" i="0" dirty="0" err="1">
+                <a:solidFill>
+                  <a:srgbClr val="374151"/>
+                </a:solidFill>
+                <a:effectLst/>
+                <a:latin typeface="Söhne"/>
+              </a:rPr>
+              <a:t>h_out</a:t>
+            </a:r>
+            <a:r>
+              <a:rPr lang="en-US" b="0" i="0" dirty="0">
+                <a:solidFill>
+                  <a:srgbClr val="374151"/>
+                </a:solidFill>
+                <a:effectLst/>
+                <a:latin typeface="Söhne"/>
+              </a:rPr>
+              <a:t>。</a:t>
+            </a:r>
+          </a:p>
+          <a:p>
+            <a:pPr algn="l">
+              <a:buFont typeface="Arial" panose="020B0604020202020204" pitchFamily="34" charset="0"/>
+              <a:buChar char="•"/>
+            </a:pPr>
+            <a:r>
+              <a:rPr lang="zh-TW" altLang="en-US" b="0" i="0" dirty="0">
+                <a:solidFill>
+                  <a:srgbClr val="374151"/>
+                </a:solidFill>
+                <a:effectLst/>
+                <a:latin typeface="Söhne"/>
+              </a:rPr>
+              <a:t>最後，使用平均池化來彙總整個圖的節點特徵，得到一個圖級別的輸出特徵。</a:t>
+            </a:r>
+            <a:endParaRPr lang="en-US" altLang="zh-TW" b="0" i="0" dirty="0">
+              <a:solidFill>
+                <a:srgbClr val="374151"/>
+              </a:solidFill>
+              <a:effectLst/>
+              <a:latin typeface="Söhne"/>
+            </a:endParaRPr>
+          </a:p>
+          <a:p>
+            <a:pPr algn="l">
+              <a:buFont typeface="Arial" panose="020B0604020202020204" pitchFamily="34" charset="0"/>
+              <a:buChar char="•"/>
+            </a:pPr>
+            <a:endParaRPr lang="en-US" altLang="zh-TW" b="0" i="0" dirty="0">
+              <a:solidFill>
+                <a:srgbClr val="374151"/>
+              </a:solidFill>
+              <a:effectLst/>
+              <a:latin typeface="Söhne"/>
+            </a:endParaRPr>
+          </a:p>
+          <a:p>
+            <a:pPr algn="l">
+              <a:buFont typeface="Arial" panose="020B0604020202020204" pitchFamily="34" charset="0"/>
+              <a:buChar char="•"/>
+            </a:pPr>
+            <a:r>
+              <a:rPr lang="en-US" dirty="0"/>
+              <a:t>view</a:t>
+            </a:r>
+            <a:r>
+              <a:rPr lang="en-US" b="0" i="0" dirty="0">
+                <a:solidFill>
+                  <a:srgbClr val="374151"/>
+                </a:solidFill>
+                <a:effectLst/>
+                <a:latin typeface="Söhne"/>
+              </a:rPr>
+              <a:t> </a:t>
+            </a:r>
+            <a:r>
+              <a:rPr lang="zh-TW" altLang="en-US" b="0" i="0" dirty="0">
+                <a:solidFill>
+                  <a:srgbClr val="374151"/>
+                </a:solidFill>
+                <a:effectLst/>
+                <a:latin typeface="Söhne"/>
+              </a:rPr>
+              <a:t>是 </a:t>
+            </a:r>
+            <a:r>
+              <a:rPr lang="en-US" b="0" i="0" dirty="0" err="1">
+                <a:solidFill>
+                  <a:srgbClr val="374151"/>
+                </a:solidFill>
+                <a:effectLst/>
+                <a:latin typeface="Söhne"/>
+              </a:rPr>
+              <a:t>PyTorch</a:t>
+            </a:r>
+            <a:r>
+              <a:rPr lang="en-US" b="0" i="0" dirty="0">
+                <a:solidFill>
+                  <a:srgbClr val="374151"/>
+                </a:solidFill>
+                <a:effectLst/>
+                <a:latin typeface="Söhne"/>
+              </a:rPr>
+              <a:t> tensor </a:t>
+            </a:r>
+            <a:r>
+              <a:rPr lang="zh-TW" altLang="en-US" b="0" i="0" dirty="0">
+                <a:solidFill>
+                  <a:srgbClr val="374151"/>
+                </a:solidFill>
+                <a:effectLst/>
+                <a:latin typeface="Söhne"/>
+              </a:rPr>
+              <a:t>中的一個方法，它允許您重塑 </a:t>
+            </a:r>
+            <a:r>
+              <a:rPr lang="en-US" b="0" i="0" dirty="0">
+                <a:solidFill>
+                  <a:srgbClr val="374151"/>
+                </a:solidFill>
+                <a:effectLst/>
+                <a:latin typeface="Söhne"/>
+              </a:rPr>
+              <a:t>tensor。</a:t>
+            </a:r>
+            <a:r>
+              <a:rPr lang="zh-TW" altLang="en-US" b="0" i="0" dirty="0">
+                <a:solidFill>
+                  <a:srgbClr val="374151"/>
+                </a:solidFill>
+                <a:effectLst/>
+                <a:latin typeface="Söhne"/>
+              </a:rPr>
+              <a:t>換句話說，您可以使用它來改變 </a:t>
+            </a:r>
+            <a:r>
+              <a:rPr lang="en-US" b="0" i="0" dirty="0">
+                <a:solidFill>
+                  <a:srgbClr val="374151"/>
+                </a:solidFill>
+                <a:effectLst/>
+                <a:latin typeface="Söhne"/>
+              </a:rPr>
+              <a:t>tensor </a:t>
+            </a:r>
+            <a:r>
+              <a:rPr lang="zh-TW" altLang="en-US" b="0" i="0" dirty="0">
+                <a:solidFill>
+                  <a:srgbClr val="374151"/>
+                </a:solidFill>
+                <a:effectLst/>
+                <a:latin typeface="Söhne"/>
+              </a:rPr>
+              <a:t>的維度和大小，但是內容和數據順序保持不變。</a:t>
+            </a:r>
+          </a:p>
+          <a:p>
             <a:endParaRPr lang="en-US" altLang="zh-TW" dirty="0"/>
           </a:p>
         </p:txBody>
@@ -1117,7 +1291,7 @@
           <a:p>
             <a:fld id="{50B9CB7D-C514-3544-A72A-E200086B53CC}" type="slidenum">
               <a:rPr lang="en-TW" smtClean="0"/>
-              <a:t>5</a:t>
+              <a:t>4</a:t>
             </a:fld>
             <a:endParaRPr lang="en-TW"/>
           </a:p>
@@ -1126,7 +1300,7 @@
     </p:spTree>
     <p:extLst>
       <p:ext uri="{BB962C8B-B14F-4D97-AF65-F5344CB8AC3E}">
-        <p14:creationId xmlns:p14="http://schemas.microsoft.com/office/powerpoint/2010/main" val="1401645801"/>
+        <p14:creationId xmlns:p14="http://schemas.microsoft.com/office/powerpoint/2010/main" val="3259011780"/>
       </p:ext>
     </p:extLst>
   </p:cSld>
@@ -1201,7 +1375,7 @@
           <a:p>
             <a:fld id="{50B9CB7D-C514-3544-A72A-E200086B53CC}" type="slidenum">
               <a:rPr lang="en-TW" smtClean="0"/>
-              <a:t>6</a:t>
+              <a:t>5</a:t>
             </a:fld>
             <a:endParaRPr lang="en-TW"/>
           </a:p>
@@ -1210,7 +1384,7 @@
     </p:spTree>
     <p:extLst>
       <p:ext uri="{BB962C8B-B14F-4D97-AF65-F5344CB8AC3E}">
-        <p14:creationId xmlns:p14="http://schemas.microsoft.com/office/powerpoint/2010/main" val="120131756"/>
+        <p14:creationId xmlns:p14="http://schemas.microsoft.com/office/powerpoint/2010/main" val="1401645801"/>
       </p:ext>
     </p:extLst>
   </p:cSld>
@@ -1285,7 +1459,7 @@
           <a:p>
             <a:fld id="{50B9CB7D-C514-3544-A72A-E200086B53CC}" type="slidenum">
               <a:rPr lang="en-TW" smtClean="0"/>
-              <a:t>8</a:t>
+              <a:t>6</a:t>
             </a:fld>
             <a:endParaRPr lang="en-TW"/>
           </a:p>
@@ -1294,7 +1468,7 @@
     </p:spTree>
     <p:extLst>
       <p:ext uri="{BB962C8B-B14F-4D97-AF65-F5344CB8AC3E}">
-        <p14:creationId xmlns:p14="http://schemas.microsoft.com/office/powerpoint/2010/main" val="756687675"/>
+        <p14:creationId xmlns:p14="http://schemas.microsoft.com/office/powerpoint/2010/main" val="120131756"/>
       </p:ext>
     </p:extLst>
   </p:cSld>
@@ -1369,7 +1543,7 @@
           <a:p>
             <a:fld id="{50B9CB7D-C514-3544-A72A-E200086B53CC}" type="slidenum">
               <a:rPr lang="en-TW" smtClean="0"/>
-              <a:t>10</a:t>
+              <a:t>7</a:t>
             </a:fld>
             <a:endParaRPr lang="en-TW"/>
           </a:p>
@@ -1378,7 +1552,7 @@
     </p:spTree>
     <p:extLst>
       <p:ext uri="{BB962C8B-B14F-4D97-AF65-F5344CB8AC3E}">
-        <p14:creationId xmlns:p14="http://schemas.microsoft.com/office/powerpoint/2010/main" val="905481662"/>
+        <p14:creationId xmlns:p14="http://schemas.microsoft.com/office/powerpoint/2010/main" val="1176698506"/>
       </p:ext>
     </p:extLst>
   </p:cSld>
@@ -1432,6 +1606,190 @@
           <a:bodyPr/>
           <a:lstStyle/>
           <a:p>
+            <a:pPr algn="l">
+              <a:buFont typeface="+mj-lt"/>
+              <a:buAutoNum type="arabicPeriod"/>
+            </a:pPr>
+            <a:r>
+              <a:rPr lang="en-US" b="1" i="0" dirty="0">
+                <a:solidFill>
+                  <a:srgbClr val="374151"/>
+                </a:solidFill>
+                <a:effectLst/>
+                <a:latin typeface="Söhne"/>
+              </a:rPr>
+              <a:t>Precision（</a:t>
+            </a:r>
+            <a:r>
+              <a:rPr lang="zh-TW" altLang="en-US" b="1" i="0" dirty="0">
+                <a:solidFill>
+                  <a:srgbClr val="374151"/>
+                </a:solidFill>
+                <a:effectLst/>
+                <a:latin typeface="Söhne"/>
+              </a:rPr>
+              <a:t>精確率）：</a:t>
+            </a:r>
+            <a:r>
+              <a:rPr lang="zh-TW" altLang="en-US" b="0" i="0" dirty="0">
+                <a:solidFill>
+                  <a:srgbClr val="374151"/>
+                </a:solidFill>
+                <a:effectLst/>
+                <a:latin typeface="Söhne"/>
+              </a:rPr>
+              <a:t> 也被稱為陽性預測的準確率。對於某個特定類別，精確率是指預測為該類別的樣本中實際屬於該類別的比例。高精確率表示模型在預測該類別時，做出的正確預測比例較高。</a:t>
+            </a:r>
+          </a:p>
+          <a:p>
+            <a:pPr algn="l">
+              <a:buFont typeface="+mj-lt"/>
+              <a:buAutoNum type="arabicPeriod"/>
+            </a:pPr>
+            <a:r>
+              <a:rPr lang="en-US" b="1" i="0" dirty="0">
+                <a:solidFill>
+                  <a:srgbClr val="374151"/>
+                </a:solidFill>
+                <a:effectLst/>
+                <a:latin typeface="Söhne"/>
+              </a:rPr>
+              <a:t>Recall（</a:t>
+            </a:r>
+            <a:r>
+              <a:rPr lang="zh-TW" altLang="en-US" b="1" i="0" dirty="0">
+                <a:solidFill>
+                  <a:srgbClr val="374151"/>
+                </a:solidFill>
+                <a:effectLst/>
+                <a:latin typeface="Söhne"/>
+              </a:rPr>
+              <a:t>召回率）：</a:t>
+            </a:r>
+            <a:r>
+              <a:rPr lang="zh-TW" altLang="en-US" b="0" i="0" dirty="0">
+                <a:solidFill>
+                  <a:srgbClr val="374151"/>
+                </a:solidFill>
+                <a:effectLst/>
+                <a:latin typeface="Söhne"/>
+              </a:rPr>
+              <a:t> 也被稱為靈敏度、真陽性率。對於某個特定類別，召回率是指實際屬於該類別的樣本中被成功預測為該類別的比例。高召回率表示模型能夠有效地檢測出實際屬於該類別的樣本。</a:t>
+            </a:r>
+          </a:p>
+          <a:p>
+            <a:pPr algn="l">
+              <a:buFont typeface="+mj-lt"/>
+              <a:buAutoNum type="arabicPeriod"/>
+            </a:pPr>
+            <a:r>
+              <a:rPr lang="en-US" b="1" i="0" dirty="0">
+                <a:solidFill>
+                  <a:srgbClr val="374151"/>
+                </a:solidFill>
+                <a:effectLst/>
+                <a:latin typeface="Söhne"/>
+              </a:rPr>
+              <a:t>F1-Score（F1 </a:t>
+            </a:r>
+            <a:r>
+              <a:rPr lang="zh-TW" altLang="en-US" b="1" i="0" dirty="0">
+                <a:solidFill>
+                  <a:srgbClr val="374151"/>
+                </a:solidFill>
+                <a:effectLst/>
+                <a:latin typeface="Söhne"/>
+              </a:rPr>
+              <a:t>分數）：</a:t>
+            </a:r>
+            <a:r>
+              <a:rPr lang="zh-TW" altLang="en-US" b="0" i="0" dirty="0">
+                <a:solidFill>
+                  <a:srgbClr val="374151"/>
+                </a:solidFill>
+                <a:effectLst/>
+                <a:latin typeface="Söhne"/>
+              </a:rPr>
+              <a:t> </a:t>
+            </a:r>
+            <a:r>
+              <a:rPr lang="en-US" b="0" i="0" dirty="0">
+                <a:solidFill>
+                  <a:srgbClr val="374151"/>
+                </a:solidFill>
+                <a:effectLst/>
+                <a:latin typeface="Söhne"/>
+              </a:rPr>
+              <a:t>F1 </a:t>
+            </a:r>
+            <a:r>
+              <a:rPr lang="zh-TW" altLang="en-US" b="0" i="0" dirty="0">
+                <a:solidFill>
+                  <a:srgbClr val="374151"/>
+                </a:solidFill>
+                <a:effectLst/>
+                <a:latin typeface="Söhne"/>
+              </a:rPr>
+              <a:t>分數是精確率和召回率的加權調和平均數，可以看作是綜合考慮了模型的準確率和能夠檢測出真實陽性的能力。</a:t>
+            </a:r>
+            <a:r>
+              <a:rPr lang="en-US" b="0" i="0" dirty="0">
+                <a:solidFill>
+                  <a:srgbClr val="374151"/>
+                </a:solidFill>
+                <a:effectLst/>
+                <a:latin typeface="Söhne"/>
+              </a:rPr>
+              <a:t>F1 </a:t>
+            </a:r>
+            <a:r>
+              <a:rPr lang="zh-TW" altLang="en-US" b="0" i="0" dirty="0">
+                <a:solidFill>
+                  <a:srgbClr val="374151"/>
+                </a:solidFill>
+                <a:effectLst/>
+                <a:latin typeface="Söhne"/>
+              </a:rPr>
+              <a:t>分數越高，表示模型在平衡精確率和召回率方面表現越好。</a:t>
+            </a:r>
+          </a:p>
+          <a:p>
+            <a:pPr algn="l">
+              <a:buFont typeface="+mj-lt"/>
+              <a:buAutoNum type="arabicPeriod"/>
+            </a:pPr>
+            <a:r>
+              <a:rPr lang="en-US" b="1" i="0" dirty="0">
+                <a:solidFill>
+                  <a:srgbClr val="374151"/>
+                </a:solidFill>
+                <a:effectLst/>
+                <a:latin typeface="Söhne"/>
+              </a:rPr>
+              <a:t>Support（</a:t>
+            </a:r>
+            <a:r>
+              <a:rPr lang="zh-TW" altLang="en-US" b="1" i="0" dirty="0">
+                <a:solidFill>
+                  <a:srgbClr val="374151"/>
+                </a:solidFill>
+                <a:effectLst/>
+                <a:latin typeface="Söhne"/>
+              </a:rPr>
+              <a:t>支持數）：</a:t>
+            </a:r>
+            <a:r>
+              <a:rPr lang="zh-TW" altLang="en-US" b="0" i="0" dirty="0">
+                <a:solidFill>
+                  <a:srgbClr val="374151"/>
+                </a:solidFill>
+                <a:effectLst/>
+                <a:latin typeface="Söhne"/>
+              </a:rPr>
+              <a:t> 支持數是指屬於該類別的實際樣本數。這個數字可以幫助你理解模型在進行評估時所基於的統計數據。</a:t>
+            </a:r>
+          </a:p>
+          <a:p>
             <a:endParaRPr lang="en-US" altLang="zh-TW" dirty="0"/>
           </a:p>
         </p:txBody>
@@ -1453,7 +1811,7 @@
           <a:p>
             <a:fld id="{50B9CB7D-C514-3544-A72A-E200086B53CC}" type="slidenum">
               <a:rPr lang="en-TW" smtClean="0"/>
-              <a:t>13</a:t>
+              <a:t>8</a:t>
             </a:fld>
             <a:endParaRPr lang="en-TW"/>
           </a:p>
@@ -1462,7 +1820,7 @@
     </p:spTree>
     <p:extLst>
       <p:ext uri="{BB962C8B-B14F-4D97-AF65-F5344CB8AC3E}">
-        <p14:creationId xmlns:p14="http://schemas.microsoft.com/office/powerpoint/2010/main" val="4114714957"/>
+        <p14:creationId xmlns:p14="http://schemas.microsoft.com/office/powerpoint/2010/main" val="2421081083"/>
       </p:ext>
     </p:extLst>
   </p:cSld>
@@ -1537,7 +1895,7 @@
           <a:p>
             <a:fld id="{50B9CB7D-C514-3544-A72A-E200086B53CC}" type="slidenum">
               <a:rPr lang="en-TW" smtClean="0"/>
-              <a:t>15</a:t>
+              <a:t>9</a:t>
             </a:fld>
             <a:endParaRPr lang="en-TW"/>
           </a:p>
@@ -1546,7 +1904,175 @@
     </p:spTree>
     <p:extLst>
       <p:ext uri="{BB962C8B-B14F-4D97-AF65-F5344CB8AC3E}">
-        <p14:creationId xmlns:p14="http://schemas.microsoft.com/office/powerpoint/2010/main" val="2101338555"/>
+        <p14:creationId xmlns:p14="http://schemas.microsoft.com/office/powerpoint/2010/main" val="590677757"/>
+      </p:ext>
+    </p:extLst>
+  </p:cSld>
+  <p:clrMapOvr>
+    <a:masterClrMapping/>
+  </p:clrMapOvr>
+</p:notes>
+</file>
+
+<file path=ppt/notesSlides/notesSlide8.xml><?xml version="1.0" encoding="utf-8"?>
+<p:notes xmlns:a="http://schemas.openxmlformats.org/drawingml/2006/main" xmlns:r="http://schemas.openxmlformats.org/officeDocument/2006/relationships" xmlns:p="http://schemas.openxmlformats.org/presentationml/2006/main">
+  <p:cSld>
+    <p:spTree>
+      <p:nvGrpSpPr>
+        <p:cNvPr id="1" name=""/>
+        <p:cNvGrpSpPr/>
+        <p:nvPr/>
+      </p:nvGrpSpPr>
+      <p:grpSpPr>
+        <a:xfrm>
+          <a:off x="0" y="0"/>
+          <a:ext cx="0" cy="0"/>
+          <a:chOff x="0" y="0"/>
+          <a:chExt cx="0" cy="0"/>
+        </a:xfrm>
+      </p:grpSpPr>
+      <p:sp>
+        <p:nvSpPr>
+          <p:cNvPr id="2" name="Slide Image Placeholder 1"/>
+          <p:cNvSpPr>
+            <a:spLocks noGrp="1" noRot="1" noChangeAspect="1"/>
+          </p:cNvSpPr>
+          <p:nvPr>
+            <p:ph type="sldImg"/>
+          </p:nvPr>
+        </p:nvSpPr>
+        <p:spPr/>
+      </p:sp>
+      <p:sp>
+        <p:nvSpPr>
+          <p:cNvPr id="3" name="Notes Placeholder 2"/>
+          <p:cNvSpPr>
+            <a:spLocks noGrp="1"/>
+          </p:cNvSpPr>
+          <p:nvPr>
+            <p:ph type="body" idx="1"/>
+          </p:nvPr>
+        </p:nvSpPr>
+        <p:spPr/>
+        <p:txBody>
+          <a:bodyPr/>
+          <a:lstStyle/>
+          <a:p>
+            <a:endParaRPr lang="en-US" altLang="zh-TW" dirty="0"/>
+          </a:p>
+        </p:txBody>
+      </p:sp>
+      <p:sp>
+        <p:nvSpPr>
+          <p:cNvPr id="4" name="Slide Number Placeholder 3"/>
+          <p:cNvSpPr>
+            <a:spLocks noGrp="1"/>
+          </p:cNvSpPr>
+          <p:nvPr>
+            <p:ph type="sldNum" sz="quarter" idx="5"/>
+          </p:nvPr>
+        </p:nvSpPr>
+        <p:spPr/>
+        <p:txBody>
+          <a:bodyPr/>
+          <a:lstStyle/>
+          <a:p>
+            <a:fld id="{50B9CB7D-C514-3544-A72A-E200086B53CC}" type="slidenum">
+              <a:rPr lang="en-TW" smtClean="0"/>
+              <a:t>11</a:t>
+            </a:fld>
+            <a:endParaRPr lang="en-TW"/>
+          </a:p>
+        </p:txBody>
+      </p:sp>
+    </p:spTree>
+    <p:extLst>
+      <p:ext uri="{BB962C8B-B14F-4D97-AF65-F5344CB8AC3E}">
+        <p14:creationId xmlns:p14="http://schemas.microsoft.com/office/powerpoint/2010/main" val="756687675"/>
+      </p:ext>
+    </p:extLst>
+  </p:cSld>
+  <p:clrMapOvr>
+    <a:masterClrMapping/>
+  </p:clrMapOvr>
+</p:notes>
+</file>
+
+<file path=ppt/notesSlides/notesSlide9.xml><?xml version="1.0" encoding="utf-8"?>
+<p:notes xmlns:a="http://schemas.openxmlformats.org/drawingml/2006/main" xmlns:r="http://schemas.openxmlformats.org/officeDocument/2006/relationships" xmlns:p="http://schemas.openxmlformats.org/presentationml/2006/main">
+  <p:cSld>
+    <p:spTree>
+      <p:nvGrpSpPr>
+        <p:cNvPr id="1" name=""/>
+        <p:cNvGrpSpPr/>
+        <p:nvPr/>
+      </p:nvGrpSpPr>
+      <p:grpSpPr>
+        <a:xfrm>
+          <a:off x="0" y="0"/>
+          <a:ext cx="0" cy="0"/>
+          <a:chOff x="0" y="0"/>
+          <a:chExt cx="0" cy="0"/>
+        </a:xfrm>
+      </p:grpSpPr>
+      <p:sp>
+        <p:nvSpPr>
+          <p:cNvPr id="2" name="Slide Image Placeholder 1"/>
+          <p:cNvSpPr>
+            <a:spLocks noGrp="1" noRot="1" noChangeAspect="1"/>
+          </p:cNvSpPr>
+          <p:nvPr>
+            <p:ph type="sldImg"/>
+          </p:nvPr>
+        </p:nvSpPr>
+        <p:spPr/>
+      </p:sp>
+      <p:sp>
+        <p:nvSpPr>
+          <p:cNvPr id="3" name="Notes Placeholder 2"/>
+          <p:cNvSpPr>
+            <a:spLocks noGrp="1"/>
+          </p:cNvSpPr>
+          <p:nvPr>
+            <p:ph type="body" idx="1"/>
+          </p:nvPr>
+        </p:nvSpPr>
+        <p:spPr/>
+        <p:txBody>
+          <a:bodyPr/>
+          <a:lstStyle/>
+          <a:p>
+            <a:endParaRPr lang="en-US" altLang="zh-TW" dirty="0"/>
+          </a:p>
+        </p:txBody>
+      </p:sp>
+      <p:sp>
+        <p:nvSpPr>
+          <p:cNvPr id="4" name="Slide Number Placeholder 3"/>
+          <p:cNvSpPr>
+            <a:spLocks noGrp="1"/>
+          </p:cNvSpPr>
+          <p:nvPr>
+            <p:ph type="sldNum" sz="quarter" idx="5"/>
+          </p:nvPr>
+        </p:nvSpPr>
+        <p:spPr/>
+        <p:txBody>
+          <a:bodyPr/>
+          <a:lstStyle/>
+          <a:p>
+            <a:fld id="{50B9CB7D-C514-3544-A72A-E200086B53CC}" type="slidenum">
+              <a:rPr lang="en-TW" smtClean="0"/>
+              <a:t>12</a:t>
+            </a:fld>
+            <a:endParaRPr lang="en-TW"/>
+          </a:p>
+        </p:txBody>
+      </p:sp>
+    </p:spTree>
+    <p:extLst>
+      <p:ext uri="{BB962C8B-B14F-4D97-AF65-F5344CB8AC3E}">
+        <p14:creationId xmlns:p14="http://schemas.microsoft.com/office/powerpoint/2010/main" val="3776448745"/>
       </p:ext>
     </p:extLst>
   </p:cSld>
@@ -1705,7 +2231,7 @@
           <a:p>
             <a:fld id="{A3414EF8-F8EE-1948-B7F8-CDE2BA55EBA3}" type="datetime1">
               <a:rPr lang="en-US" smtClean="0"/>
-              <a:t>8/24/23</a:t>
+              <a:t>8/29/23</a:t>
             </a:fld>
             <a:endParaRPr lang="en-TW"/>
           </a:p>
@@ -1905,7 +2431,7 @@
           <a:p>
             <a:fld id="{A73D7AD7-2116-5A41-8EDE-6BB6E81970E0}" type="datetime1">
               <a:rPr lang="en-US" smtClean="0"/>
-              <a:t>8/24/23</a:t>
+              <a:t>8/29/23</a:t>
             </a:fld>
             <a:endParaRPr lang="en-TW"/>
           </a:p>
@@ -2115,7 +2641,7 @@
           <a:p>
             <a:fld id="{F8B54AFA-ACA5-D643-AFA2-7E457DD24DF7}" type="datetime1">
               <a:rPr lang="en-US" smtClean="0"/>
-              <a:t>8/24/23</a:t>
+              <a:t>8/29/23</a:t>
             </a:fld>
             <a:endParaRPr lang="en-TW"/>
           </a:p>
@@ -2315,7 +2841,7 @@
           <a:p>
             <a:fld id="{9D5A1D64-0D43-8343-8F3E-0CF7D359B229}" type="datetime1">
               <a:rPr lang="en-US" smtClean="0"/>
-              <a:t>8/24/23</a:t>
+              <a:t>8/29/23</a:t>
             </a:fld>
             <a:endParaRPr lang="en-TW"/>
           </a:p>
@@ -2591,7 +3117,7 @@
           <a:p>
             <a:fld id="{7AADA2B9-C19E-4847-96A2-4C98048AC6CB}" type="datetime1">
               <a:rPr lang="en-US" smtClean="0"/>
-              <a:t>8/24/23</a:t>
+              <a:t>8/29/23</a:t>
             </a:fld>
             <a:endParaRPr lang="en-TW"/>
           </a:p>
@@ -2859,7 +3385,7 @@
           <a:p>
             <a:fld id="{6B0934B1-02FE-FD4D-9B2E-AB7942E9D2EE}" type="datetime1">
               <a:rPr lang="en-US" smtClean="0"/>
-              <a:t>8/24/23</a:t>
+              <a:t>8/29/23</a:t>
             </a:fld>
             <a:endParaRPr lang="en-TW"/>
           </a:p>
@@ -3274,7 +3800,7 @@
           <a:p>
             <a:fld id="{3ECB55BE-0370-354B-B7DC-74287DCA0691}" type="datetime1">
               <a:rPr lang="en-US" smtClean="0"/>
-              <a:t>8/24/23</a:t>
+              <a:t>8/29/23</a:t>
             </a:fld>
             <a:endParaRPr lang="en-TW"/>
           </a:p>
@@ -3416,7 +3942,7 @@
           <a:p>
             <a:fld id="{39E9E947-CD42-C640-AA68-FF39D56394B9}" type="datetime1">
               <a:rPr lang="en-US" smtClean="0"/>
-              <a:t>8/24/23</a:t>
+              <a:t>8/29/23</a:t>
             </a:fld>
             <a:endParaRPr lang="en-TW"/>
           </a:p>
@@ -3529,7 +4055,7 @@
           <a:p>
             <a:fld id="{B3588767-BFAB-074B-897C-98257EF1C28A}" type="datetime1">
               <a:rPr lang="en-US" smtClean="0"/>
-              <a:t>8/24/23</a:t>
+              <a:t>8/29/23</a:t>
             </a:fld>
             <a:endParaRPr lang="en-TW"/>
           </a:p>
@@ -3842,7 +4368,7 @@
           <a:p>
             <a:fld id="{B6DC1063-3940-FF48-A04A-958D086D794C}" type="datetime1">
               <a:rPr lang="en-US" smtClean="0"/>
-              <a:t>8/24/23</a:t>
+              <a:t>8/29/23</a:t>
             </a:fld>
             <a:endParaRPr lang="en-TW"/>
           </a:p>
@@ -4131,7 +4657,7 @@
           <a:p>
             <a:fld id="{DDCCE3AD-49F2-434D-BD1B-37AEE374DAF5}" type="datetime1">
               <a:rPr lang="en-US" smtClean="0"/>
-              <a:t>8/24/23</a:t>
+              <a:t>8/29/23</a:t>
             </a:fld>
             <a:endParaRPr lang="en-TW"/>
           </a:p>
@@ -4374,7 +4900,7 @@
           <a:p>
             <a:fld id="{C44A6C80-6E0D-374C-9F82-A170BB459CEA}" type="datetime1">
               <a:rPr lang="en-US" smtClean="0"/>
-              <a:t>8/24/23</a:t>
+              <a:t>8/29/23</a:t>
             </a:fld>
             <a:endParaRPr lang="en-TW"/>
           </a:p>
@@ -4893,13 +5419,13 @@
   <p:clrMapOvr>
     <a:masterClrMapping/>
   </p:clrMapOvr>
-  <mc:AlternateContent xmlns:mc="http://schemas.openxmlformats.org/markup-compatibility/2006">
-    <mc:Choice xmlns:p159="http://schemas.microsoft.com/office/powerpoint/2015/09/main" Requires="p159">
+  <mc:AlternateContent xmlns:mc="http://schemas.openxmlformats.org/markup-compatibility/2006" xmlns:p159="http://schemas.microsoft.com/office/powerpoint/2015/09/main">
+    <mc:Choice Requires="p159">
       <p:transition xmlns:p14="http://schemas.microsoft.com/office/powerpoint/2010/main" spd="slow" p14:dur="2000">
         <p159:morph option="byObject"/>
       </p:transition>
     </mc:Choice>
-    <mc:Fallback>
+    <mc:Fallback xmlns="">
       <p:transition spd="slow">
         <p:fade/>
       </p:transition>
@@ -4930,54 +5456,21 @@
           <p:cNvPr id="2" name="Title 1">
             <a:extLst>
               <a:ext uri="{FF2B5EF4-FFF2-40B4-BE49-F238E27FC236}">
-                <a16:creationId xmlns:a16="http://schemas.microsoft.com/office/drawing/2014/main" id="{2B533BED-E48C-5E7F-2273-C55CCE98516B}"/>
-              </a:ext>
-            </a:extLst>
-          </p:cNvPr>
-          <p:cNvSpPr>
-            <a:spLocks noGrp="1"/>
-          </p:cNvSpPr>
-          <p:nvPr>
-            <p:ph type="title"/>
+                <a16:creationId xmlns:a16="http://schemas.microsoft.com/office/drawing/2014/main" id="{2D1F1D5D-BC21-FE6C-199A-114DD8A93B70}"/>
+              </a:ext>
+            </a:extLst>
+          </p:cNvPr>
+          <p:cNvSpPr>
+            <a:spLocks noGrp="1"/>
+          </p:cNvSpPr>
+          <p:nvPr>
+            <p:ph type="ctrTitle"/>
           </p:nvPr>
         </p:nvSpPr>
         <p:spPr>
           <a:xfrm>
-            <a:off x="374904" y="197907"/>
-            <a:ext cx="10515600" cy="1325563"/>
-          </a:xfrm>
-        </p:spPr>
-        <p:txBody>
-          <a:bodyPr/>
-          <a:lstStyle/>
-          <a:p>
-            <a:r>
-              <a:rPr lang="en-TW" b="1" dirty="0"/>
-              <a:t>Future Work</a:t>
-            </a:r>
-          </a:p>
-        </p:txBody>
-      </p:sp>
-      <p:sp>
-        <p:nvSpPr>
-          <p:cNvPr id="3" name="Content Placeholder 2">
-            <a:extLst>
-              <a:ext uri="{FF2B5EF4-FFF2-40B4-BE49-F238E27FC236}">
-                <a16:creationId xmlns:a16="http://schemas.microsoft.com/office/drawing/2014/main" id="{25B0A74B-6281-327F-44E6-1E41A778AF7E}"/>
-              </a:ext>
-            </a:extLst>
-          </p:cNvPr>
-          <p:cNvSpPr>
-            <a:spLocks noGrp="1"/>
-          </p:cNvSpPr>
-          <p:nvPr>
-            <p:ph idx="1"/>
-          </p:nvPr>
-        </p:nvSpPr>
-        <p:spPr>
-          <a:xfrm>
-            <a:off x="695678" y="1608814"/>
-            <a:ext cx="10800644" cy="4832880"/>
+            <a:off x="1056289" y="1492465"/>
+            <a:ext cx="10079421" cy="2387600"/>
           </a:xfrm>
         </p:spPr>
         <p:txBody>
@@ -4992,82 +5485,9 @@
               </a:lnSpc>
             </a:pPr>
             <a:r>
-              <a:rPr lang="en-TW" b="1" dirty="0"/>
-              <a:t>GNN</a:t>
-            </a:r>
-          </a:p>
-          <a:p>
-            <a:pPr lvl="1">
-              <a:lnSpc>
-                <a:spcPct val="110000"/>
-              </a:lnSpc>
-            </a:pPr>
-            <a:r>
-              <a:rPr lang="en-TW" b="1" dirty="0"/>
-              <a:t>Use the new dataset(1 label matching more graph)</a:t>
-            </a:r>
-          </a:p>
-          <a:p>
-            <a:pPr lvl="1">
-              <a:lnSpc>
-                <a:spcPct val="110000"/>
-              </a:lnSpc>
-            </a:pPr>
-            <a:r>
-              <a:rPr lang="en-TW" dirty="0"/>
-              <a:t>Figure out the reason causing the currently bad performance on both GAT</a:t>
-            </a:r>
-          </a:p>
-          <a:p>
-            <a:pPr lvl="1">
-              <a:lnSpc>
-                <a:spcPct val="110000"/>
-              </a:lnSpc>
-            </a:pPr>
-            <a:r>
-              <a:rPr lang="en-TW" dirty="0"/>
-              <a:t>Read some paper about these GNN models in classification</a:t>
-            </a:r>
-          </a:p>
-          <a:p>
-            <a:pPr lvl="1">
-              <a:lnSpc>
-                <a:spcPct val="110000"/>
-              </a:lnSpc>
-            </a:pPr>
-            <a:r>
-              <a:rPr lang="en-TW" dirty="0"/>
-              <a:t>Try the </a:t>
-            </a:r>
-            <a:r>
-              <a:rPr lang="en-TW" b="1" dirty="0"/>
-              <a:t>GCN</a:t>
-            </a:r>
-          </a:p>
-          <a:p>
-            <a:pPr lvl="1">
-              <a:lnSpc>
-                <a:spcPct val="110000"/>
-              </a:lnSpc>
-            </a:pPr>
-            <a:endParaRPr lang="en-TW" b="1" dirty="0"/>
-          </a:p>
-          <a:p>
-            <a:pPr marL="0" indent="0">
-              <a:lnSpc>
-                <a:spcPct val="110000"/>
-              </a:lnSpc>
-              <a:buNone/>
-            </a:pPr>
-            <a:endParaRPr lang="en-TW" dirty="0"/>
-          </a:p>
-          <a:p>
-            <a:pPr>
-              <a:lnSpc>
-                <a:spcPct val="110000"/>
-              </a:lnSpc>
-            </a:pPr>
-            <a:endParaRPr lang="en-TW" dirty="0"/>
+              <a:rPr lang="en-TW" sz="4800" b="1" dirty="0"/>
+              <a:t>TRAM</a:t>
+            </a:r>
           </a:p>
         </p:txBody>
       </p:sp>
@@ -5076,7 +5496,7 @@
           <p:cNvPr id="4" name="Slide Number Placeholder 3">
             <a:extLst>
               <a:ext uri="{FF2B5EF4-FFF2-40B4-BE49-F238E27FC236}">
-                <a16:creationId xmlns:a16="http://schemas.microsoft.com/office/drawing/2014/main" id="{5CD44B9F-7DE8-0932-BD70-B0BA453E653B}"/>
+                <a16:creationId xmlns:a16="http://schemas.microsoft.com/office/drawing/2014/main" id="{2BC4D631-FD05-0882-9331-7401BF92027E}"/>
               </a:ext>
             </a:extLst>
           </p:cNvPr>
@@ -5103,20 +5523,20 @@
     </p:spTree>
     <p:extLst>
       <p:ext uri="{BB962C8B-B14F-4D97-AF65-F5344CB8AC3E}">
-        <p14:creationId xmlns:p14="http://schemas.microsoft.com/office/powerpoint/2010/main" val="2421199054"/>
+        <p14:creationId xmlns:p14="http://schemas.microsoft.com/office/powerpoint/2010/main" val="3852455543"/>
       </p:ext>
     </p:extLst>
   </p:cSld>
   <p:clrMapOvr>
     <a:masterClrMapping/>
   </p:clrMapOvr>
-  <mc:AlternateContent xmlns:mc="http://schemas.openxmlformats.org/markup-compatibility/2006">
-    <mc:Choice xmlns:p159="http://schemas.microsoft.com/office/powerpoint/2015/09/main" Requires="p159">
+  <mc:AlternateContent xmlns:mc="http://schemas.openxmlformats.org/markup-compatibility/2006" xmlns:p159="http://schemas.microsoft.com/office/powerpoint/2015/09/main">
+    <mc:Choice Requires="p159">
       <p:transition xmlns:p14="http://schemas.microsoft.com/office/powerpoint/2010/main" spd="slow" p14:dur="2000">
         <p159:morph option="byObject"/>
       </p:transition>
     </mc:Choice>
-    <mc:Fallback>
+    <mc:Fallback xmlns="">
       <p:transition spd="slow">
         <p:fade/>
       </p:transition>
@@ -5144,10 +5564,43 @@
       </p:grpSpPr>
       <p:sp>
         <p:nvSpPr>
+          <p:cNvPr id="2" name="Title 1">
+            <a:extLst>
+              <a:ext uri="{FF2B5EF4-FFF2-40B4-BE49-F238E27FC236}">
+                <a16:creationId xmlns:a16="http://schemas.microsoft.com/office/drawing/2014/main" id="{2B533BED-E48C-5E7F-2273-C55CCE98516B}"/>
+              </a:ext>
+            </a:extLst>
+          </p:cNvPr>
+          <p:cNvSpPr>
+            <a:spLocks noGrp="1"/>
+          </p:cNvSpPr>
+          <p:nvPr>
+            <p:ph type="title"/>
+          </p:nvPr>
+        </p:nvSpPr>
+        <p:spPr>
+          <a:xfrm>
+            <a:off x="319531" y="363643"/>
+            <a:ext cx="10515600" cy="1325563"/>
+          </a:xfrm>
+        </p:spPr>
+        <p:txBody>
+          <a:bodyPr/>
+          <a:lstStyle/>
+          <a:p>
+            <a:r>
+              <a:rPr lang="en-TW" b="1" dirty="0"/>
+              <a:t>Format</a:t>
+            </a:r>
+          </a:p>
+        </p:txBody>
+      </p:sp>
+      <p:sp>
+        <p:nvSpPr>
           <p:cNvPr id="4" name="Slide Number Placeholder 3">
             <a:extLst>
               <a:ext uri="{FF2B5EF4-FFF2-40B4-BE49-F238E27FC236}">
-                <a16:creationId xmlns:a16="http://schemas.microsoft.com/office/drawing/2014/main" id="{2BC4D631-FD05-0882-9331-7401BF92027E}"/>
+                <a16:creationId xmlns:a16="http://schemas.microsoft.com/office/drawing/2014/main" id="{5CD44B9F-7DE8-0932-BD70-B0BA453E653B}"/>
               </a:ext>
             </a:extLst>
           </p:cNvPr>
@@ -5167,39 +5620,289 @@
               <a:rPr lang="en-TW" smtClean="0"/>
               <a:t>11</a:t>
             </a:fld>
-            <a:endParaRPr lang="en-TW"/>
-          </a:p>
-        </p:txBody>
-      </p:sp>
-      <p:sp>
-        <p:nvSpPr>
-          <p:cNvPr id="5" name="Title 4">
-            <a:extLst>
-              <a:ext uri="{FF2B5EF4-FFF2-40B4-BE49-F238E27FC236}">
-                <a16:creationId xmlns:a16="http://schemas.microsoft.com/office/drawing/2014/main" id="{FD89D94C-6796-FFAC-888D-5EC2B2407BC6}"/>
-              </a:ext>
-            </a:extLst>
-          </p:cNvPr>
-          <p:cNvSpPr>
-            <a:spLocks noGrp="1"/>
-          </p:cNvSpPr>
-          <p:nvPr>
-            <p:ph type="ctrTitle"/>
-          </p:nvPr>
-        </p:nvSpPr>
+            <a:endParaRPr lang="en-TW" dirty="0"/>
+          </a:p>
+        </p:txBody>
+      </p:sp>
+      <p:pic>
+        <p:nvPicPr>
+          <p:cNvPr id="9" name="Picture 8">
+            <a:extLst>
+              <a:ext uri="{FF2B5EF4-FFF2-40B4-BE49-F238E27FC236}">
+                <a16:creationId xmlns:a16="http://schemas.microsoft.com/office/drawing/2014/main" id="{01B53103-7A16-96D4-9EC9-0684F3AE8AE4}"/>
+              </a:ext>
+            </a:extLst>
+          </p:cNvPr>
+          <p:cNvPicPr>
+            <a:picLocks noChangeAspect="1"/>
+          </p:cNvPicPr>
+          <p:nvPr/>
+        </p:nvPicPr>
+        <p:blipFill>
+          <a:blip r:embed="rId3"/>
+          <a:stretch>
+            <a:fillRect/>
+          </a:stretch>
+        </p:blipFill>
         <p:spPr>
           <a:xfrm>
-            <a:off x="1524000" y="1484970"/>
-            <a:ext cx="9144000" cy="2387600"/>
+            <a:off x="673099" y="2220199"/>
+            <a:ext cx="6248400" cy="1935432"/>
           </a:xfrm>
+          <a:prstGeom prst="rect">
+            <a:avLst/>
+          </a:prstGeom>
         </p:spPr>
-        <p:txBody>
-          <a:bodyPr/>
-          <a:lstStyle/>
-          <a:p>
-            <a:r>
-              <a:rPr lang="en-TW" b="1" dirty="0"/>
-              <a:t>Thanks!!</a:t>
+      </p:pic>
+      <p:pic>
+        <p:nvPicPr>
+          <p:cNvPr id="11" name="Picture 10">
+            <a:extLst>
+              <a:ext uri="{FF2B5EF4-FFF2-40B4-BE49-F238E27FC236}">
+                <a16:creationId xmlns:a16="http://schemas.microsoft.com/office/drawing/2014/main" id="{7D9F0F7A-103F-89C0-A0F2-7760CC300D37}"/>
+              </a:ext>
+            </a:extLst>
+          </p:cNvPr>
+          <p:cNvPicPr>
+            <a:picLocks noChangeAspect="1"/>
+          </p:cNvPicPr>
+          <p:nvPr/>
+        </p:nvPicPr>
+        <p:blipFill>
+          <a:blip r:embed="rId4"/>
+          <a:stretch>
+            <a:fillRect/>
+          </a:stretch>
+        </p:blipFill>
+        <p:spPr>
+          <a:xfrm>
+            <a:off x="7788866" y="2912657"/>
+            <a:ext cx="4147739" cy="834606"/>
+          </a:xfrm>
+          <a:prstGeom prst="rect">
+            <a:avLst/>
+          </a:prstGeom>
+        </p:spPr>
+      </p:pic>
+      <p:pic>
+        <p:nvPicPr>
+          <p:cNvPr id="13" name="Picture 12">
+            <a:extLst>
+              <a:ext uri="{FF2B5EF4-FFF2-40B4-BE49-F238E27FC236}">
+                <a16:creationId xmlns:a16="http://schemas.microsoft.com/office/drawing/2014/main" id="{9CB8425E-5DA3-D454-01B4-9CE6C8365370}"/>
+              </a:ext>
+            </a:extLst>
+          </p:cNvPr>
+          <p:cNvPicPr>
+            <a:picLocks noChangeAspect="1"/>
+          </p:cNvPicPr>
+          <p:nvPr/>
+        </p:nvPicPr>
+        <p:blipFill>
+          <a:blip r:embed="rId5"/>
+          <a:stretch>
+            <a:fillRect/>
+          </a:stretch>
+        </p:blipFill>
+        <p:spPr>
+          <a:xfrm>
+            <a:off x="673098" y="4961097"/>
+            <a:ext cx="11263508" cy="655331"/>
+          </a:xfrm>
+          <a:prstGeom prst="rect">
+            <a:avLst/>
+          </a:prstGeom>
+        </p:spPr>
+      </p:pic>
+      <p:sp>
+        <p:nvSpPr>
+          <p:cNvPr id="14" name="TextBox 13">
+            <a:extLst>
+              <a:ext uri="{FF2B5EF4-FFF2-40B4-BE49-F238E27FC236}">
+                <a16:creationId xmlns:a16="http://schemas.microsoft.com/office/drawing/2014/main" id="{4BF8CCA3-A520-DABE-AC40-943E4D1286DB}"/>
+              </a:ext>
+            </a:extLst>
+          </p:cNvPr>
+          <p:cNvSpPr txBox="1"/>
+          <p:nvPr/>
+        </p:nvSpPr>
+        <p:spPr>
+          <a:xfrm>
+            <a:off x="471312" y="1743093"/>
+            <a:ext cx="1141659" cy="369332"/>
+          </a:xfrm>
+          <a:prstGeom prst="rect">
+            <a:avLst/>
+          </a:prstGeom>
+          <a:noFill/>
+        </p:spPr>
+        <p:txBody>
+          <a:bodyPr wrap="none" rtlCol="0">
+            <a:spAutoFit/>
+          </a:bodyPr>
+          <a:lstStyle/>
+          <a:p>
+            <a:r>
+              <a:rPr lang="en-TW" dirty="0"/>
+              <a:t>On TRAM:</a:t>
+            </a:r>
+          </a:p>
+        </p:txBody>
+      </p:sp>
+      <p:sp>
+        <p:nvSpPr>
+          <p:cNvPr id="15" name="Right Arrow 14">
+            <a:extLst>
+              <a:ext uri="{FF2B5EF4-FFF2-40B4-BE49-F238E27FC236}">
+                <a16:creationId xmlns:a16="http://schemas.microsoft.com/office/drawing/2014/main" id="{9A9BBA3C-FDE3-B2AD-94E1-E201ECA1024A}"/>
+              </a:ext>
+            </a:extLst>
+          </p:cNvPr>
+          <p:cNvSpPr/>
+          <p:nvPr/>
+        </p:nvSpPr>
+        <p:spPr>
+          <a:xfrm rot="19800694">
+            <a:off x="7098048" y="3288504"/>
+            <a:ext cx="514267" cy="417303"/>
+          </a:xfrm>
+          <a:prstGeom prst="rightArrow">
+            <a:avLst/>
+          </a:prstGeom>
+        </p:spPr>
+        <p:style>
+          <a:lnRef idx="2">
+            <a:schemeClr val="dk1">
+              <a:shade val="15000"/>
+            </a:schemeClr>
+          </a:lnRef>
+          <a:fillRef idx="1">
+            <a:schemeClr val="dk1"/>
+          </a:fillRef>
+          <a:effectRef idx="0">
+            <a:schemeClr val="dk1"/>
+          </a:effectRef>
+          <a:fontRef idx="minor">
+            <a:schemeClr val="lt1"/>
+          </a:fontRef>
+        </p:style>
+        <p:txBody>
+          <a:bodyPr rtlCol="0" anchor="ctr"/>
+          <a:lstStyle/>
+          <a:p>
+            <a:pPr algn="ctr"/>
+            <a:endParaRPr lang="en-TW"/>
+          </a:p>
+        </p:txBody>
+      </p:sp>
+      <p:sp>
+        <p:nvSpPr>
+          <p:cNvPr id="16" name="TextBox 15">
+            <a:extLst>
+              <a:ext uri="{FF2B5EF4-FFF2-40B4-BE49-F238E27FC236}">
+                <a16:creationId xmlns:a16="http://schemas.microsoft.com/office/drawing/2014/main" id="{2A96DCD8-ADAB-C578-A4DB-3A97283D491E}"/>
+              </a:ext>
+            </a:extLst>
+          </p:cNvPr>
+          <p:cNvSpPr txBox="1"/>
+          <p:nvPr/>
+        </p:nvSpPr>
+        <p:spPr>
+          <a:xfrm>
+            <a:off x="466287" y="4539023"/>
+            <a:ext cx="1879745" cy="369332"/>
+          </a:xfrm>
+          <a:prstGeom prst="rect">
+            <a:avLst/>
+          </a:prstGeom>
+          <a:noFill/>
+        </p:spPr>
+        <p:txBody>
+          <a:bodyPr wrap="none" rtlCol="0">
+            <a:spAutoFit/>
+          </a:bodyPr>
+          <a:lstStyle/>
+          <a:p>
+            <a:r>
+              <a:rPr lang="en-TW" dirty="0"/>
+              <a:t>Exported json file:</a:t>
+            </a:r>
+          </a:p>
+        </p:txBody>
+      </p:sp>
+      <p:sp>
+        <p:nvSpPr>
+          <p:cNvPr id="17" name="TextBox 16">
+            <a:extLst>
+              <a:ext uri="{FF2B5EF4-FFF2-40B4-BE49-F238E27FC236}">
+                <a16:creationId xmlns:a16="http://schemas.microsoft.com/office/drawing/2014/main" id="{E5E9B2F5-FCC4-3D21-EFB7-F25496D475FF}"/>
+              </a:ext>
+            </a:extLst>
+          </p:cNvPr>
+          <p:cNvSpPr txBox="1"/>
+          <p:nvPr/>
+        </p:nvSpPr>
+        <p:spPr>
+          <a:xfrm>
+            <a:off x="691376" y="5843239"/>
+            <a:ext cx="4775090" cy="646331"/>
+          </a:xfrm>
+          <a:prstGeom prst="rect">
+            <a:avLst/>
+          </a:prstGeom>
+          <a:noFill/>
+        </p:spPr>
+        <p:txBody>
+          <a:bodyPr wrap="none" rtlCol="0">
+            <a:spAutoFit/>
+          </a:bodyPr>
+          <a:lstStyle/>
+          <a:p>
+            <a:r>
+              <a:rPr lang="en-US" dirty="0"/>
+              <a:t>J</a:t>
+            </a:r>
+            <a:r>
+              <a:rPr lang="en-TW" dirty="0"/>
+              <a:t>son file includes: Text, attack_id, confidence</a:t>
+            </a:r>
+          </a:p>
+          <a:p>
+            <a:pPr marL="285750" indent="-285750">
+              <a:buFont typeface="Arial" panose="020B0604020202020204" pitchFamily="34" charset="0"/>
+              <a:buChar char="•"/>
+            </a:pPr>
+            <a:r>
+              <a:rPr lang="en-US" dirty="0">
+                <a:solidFill>
+                  <a:srgbClr val="FF0000"/>
+                </a:solidFill>
+              </a:rPr>
+              <a:t>S</a:t>
+            </a:r>
+            <a:r>
+              <a:rPr lang="en-TW" dirty="0">
+                <a:solidFill>
+                  <a:srgbClr val="FF0000"/>
+                </a:solidFill>
+              </a:rPr>
+              <a:t>hould be processed based on t</a:t>
+            </a:r>
+            <a:r>
+              <a:rPr lang="en-US" dirty="0">
+                <a:solidFill>
+                  <a:srgbClr val="FF0000"/>
+                </a:solidFill>
+              </a:rPr>
+              <a:t>he</a:t>
+            </a:r>
+            <a:r>
+              <a:rPr lang="en-TW" dirty="0">
+                <a:solidFill>
+                  <a:srgbClr val="FF0000"/>
+                </a:solidFill>
+              </a:rPr>
+              <a:t> confidence</a:t>
             </a:r>
           </a:p>
         </p:txBody>
@@ -5207,20 +5910,20 @@
     </p:spTree>
     <p:extLst>
       <p:ext uri="{BB962C8B-B14F-4D97-AF65-F5344CB8AC3E}">
-        <p14:creationId xmlns:p14="http://schemas.microsoft.com/office/powerpoint/2010/main" val="2872018066"/>
+        <p14:creationId xmlns:p14="http://schemas.microsoft.com/office/powerpoint/2010/main" val="1765857434"/>
       </p:ext>
     </p:extLst>
   </p:cSld>
   <p:clrMapOvr>
     <a:masterClrMapping/>
   </p:clrMapOvr>
-  <mc:AlternateContent xmlns:mc="http://schemas.openxmlformats.org/markup-compatibility/2006">
-    <mc:Choice xmlns:p159="http://schemas.microsoft.com/office/powerpoint/2015/09/main" Requires="p159">
+  <mc:AlternateContent xmlns:mc="http://schemas.openxmlformats.org/markup-compatibility/2006" xmlns:p159="http://schemas.microsoft.com/office/powerpoint/2015/09/main">
+    <mc:Choice Requires="p159">
       <p:transition xmlns:p14="http://schemas.microsoft.com/office/powerpoint/2010/main" spd="slow" p14:dur="2000">
         <p159:morph option="byObject"/>
       </p:transition>
     </mc:Choice>
-    <mc:Fallback>
+    <mc:Fallback xmlns="">
       <p:transition spd="slow">
         <p:fade/>
       </p:transition>
@@ -5251,37 +5954,30 @@
           <p:cNvPr id="2" name="Title 1">
             <a:extLst>
               <a:ext uri="{FF2B5EF4-FFF2-40B4-BE49-F238E27FC236}">
-                <a16:creationId xmlns:a16="http://schemas.microsoft.com/office/drawing/2014/main" id="{2D1F1D5D-BC21-FE6C-199A-114DD8A93B70}"/>
-              </a:ext>
-            </a:extLst>
-          </p:cNvPr>
-          <p:cNvSpPr>
-            <a:spLocks noGrp="1"/>
-          </p:cNvSpPr>
-          <p:nvPr>
-            <p:ph type="ctrTitle"/>
+                <a16:creationId xmlns:a16="http://schemas.microsoft.com/office/drawing/2014/main" id="{2B533BED-E48C-5E7F-2273-C55CCE98516B}"/>
+              </a:ext>
+            </a:extLst>
+          </p:cNvPr>
+          <p:cNvSpPr>
+            <a:spLocks noGrp="1"/>
+          </p:cNvSpPr>
+          <p:nvPr>
+            <p:ph type="title"/>
           </p:nvPr>
         </p:nvSpPr>
         <p:spPr>
           <a:xfrm>
-            <a:off x="1056289" y="1492465"/>
-            <a:ext cx="10079421" cy="2387600"/>
+            <a:off x="466287" y="373259"/>
+            <a:ext cx="10515600" cy="1325563"/>
           </a:xfrm>
         </p:spPr>
         <p:txBody>
-          <a:bodyPr>
-            <a:normAutofit/>
-          </a:bodyPr>
-          <a:lstStyle/>
-          <a:p>
-            <a:pPr>
-              <a:lnSpc>
-                <a:spcPct val="110000"/>
-              </a:lnSpc>
-            </a:pPr>
-            <a:r>
-              <a:rPr lang="en-TW" sz="4800" b="1" dirty="0"/>
-              <a:t>Graph Convolutional Network - GCN</a:t>
+          <a:bodyPr/>
+          <a:lstStyle/>
+          <a:p>
+            <a:r>
+              <a:rPr lang="en-TW" b="1" dirty="0"/>
+              <a:t>Result</a:t>
             </a:r>
           </a:p>
         </p:txBody>
@@ -5291,7 +5987,7 @@
           <p:cNvPr id="4" name="Slide Number Placeholder 3">
             <a:extLst>
               <a:ext uri="{FF2B5EF4-FFF2-40B4-BE49-F238E27FC236}">
-                <a16:creationId xmlns:a16="http://schemas.microsoft.com/office/drawing/2014/main" id="{2BC4D631-FD05-0882-9331-7401BF92027E}"/>
+                <a16:creationId xmlns:a16="http://schemas.microsoft.com/office/drawing/2014/main" id="{5CD44B9F-7DE8-0932-BD70-B0BA453E653B}"/>
               </a:ext>
             </a:extLst>
           </p:cNvPr>
@@ -5311,27 +6007,386 @@
               <a:rPr lang="en-TW" smtClean="0"/>
               <a:t>12</a:t>
             </a:fld>
+            <a:endParaRPr lang="en-TW" dirty="0"/>
+          </a:p>
+        </p:txBody>
+      </p:sp>
+      <p:pic>
+        <p:nvPicPr>
+          <p:cNvPr id="5" name="Picture 4">
+            <a:extLst>
+              <a:ext uri="{FF2B5EF4-FFF2-40B4-BE49-F238E27FC236}">
+                <a16:creationId xmlns:a16="http://schemas.microsoft.com/office/drawing/2014/main" id="{895E9203-4E4D-F840-0C23-31772BCC15EB}"/>
+              </a:ext>
+            </a:extLst>
+          </p:cNvPr>
+          <p:cNvPicPr>
+            <a:picLocks noChangeAspect="1"/>
+          </p:cNvPicPr>
+          <p:nvPr/>
+        </p:nvPicPr>
+        <p:blipFill>
+          <a:blip r:embed="rId3"/>
+          <a:stretch>
+            <a:fillRect/>
+          </a:stretch>
+        </p:blipFill>
+        <p:spPr>
+          <a:xfrm>
+            <a:off x="8351297" y="2271745"/>
+            <a:ext cx="2099113" cy="1137020"/>
+          </a:xfrm>
+          <a:prstGeom prst="rect">
+            <a:avLst/>
+          </a:prstGeom>
+        </p:spPr>
+      </p:pic>
+      <p:pic>
+        <p:nvPicPr>
+          <p:cNvPr id="3" name="Picture 2">
+            <a:extLst>
+              <a:ext uri="{FF2B5EF4-FFF2-40B4-BE49-F238E27FC236}">
+                <a16:creationId xmlns:a16="http://schemas.microsoft.com/office/drawing/2014/main" id="{CE11C42A-5DC9-65CB-82B8-84989D0D2AE8}"/>
+              </a:ext>
+            </a:extLst>
+          </p:cNvPr>
+          <p:cNvPicPr>
+            <a:picLocks noChangeAspect="1"/>
+          </p:cNvPicPr>
+          <p:nvPr/>
+        </p:nvPicPr>
+        <p:blipFill>
+          <a:blip r:embed="rId4"/>
+          <a:stretch>
+            <a:fillRect/>
+          </a:stretch>
+        </p:blipFill>
+        <p:spPr>
+          <a:xfrm>
+            <a:off x="863358" y="1973088"/>
+            <a:ext cx="6228603" cy="1460500"/>
+          </a:xfrm>
+          <a:prstGeom prst="rect">
+            <a:avLst/>
+          </a:prstGeom>
+        </p:spPr>
+      </p:pic>
+      <p:sp>
+        <p:nvSpPr>
+          <p:cNvPr id="6" name="TextBox 5">
+            <a:extLst>
+              <a:ext uri="{FF2B5EF4-FFF2-40B4-BE49-F238E27FC236}">
+                <a16:creationId xmlns:a16="http://schemas.microsoft.com/office/drawing/2014/main" id="{E86B7F2C-3AC6-E243-6BBE-149C65EF3677}"/>
+              </a:ext>
+            </a:extLst>
+          </p:cNvPr>
+          <p:cNvSpPr txBox="1"/>
+          <p:nvPr/>
+        </p:nvSpPr>
+        <p:spPr>
+          <a:xfrm>
+            <a:off x="751846" y="1453879"/>
+            <a:ext cx="2080762" cy="369332"/>
+          </a:xfrm>
+          <a:prstGeom prst="rect">
+            <a:avLst/>
+          </a:prstGeom>
+          <a:noFill/>
+        </p:spPr>
+        <p:txBody>
+          <a:bodyPr wrap="none" rtlCol="0">
+            <a:spAutoFit/>
+          </a:bodyPr>
+          <a:lstStyle/>
+          <a:p>
+            <a:r>
+              <a:rPr lang="en-TW" dirty="0"/>
+              <a:t>json files </a:t>
+            </a:r>
+            <a:r>
+              <a:rPr lang="en-TW" sz="1600" dirty="0">
+                <a:sym typeface="Wingdings" pitchFamily="2" charset="2"/>
+              </a:rPr>
+              <a:t></a:t>
+            </a:r>
+            <a:r>
+              <a:rPr lang="en-TW" dirty="0">
+                <a:sym typeface="Wingdings" pitchFamily="2" charset="2"/>
+              </a:rPr>
+              <a:t> csv files:</a:t>
+            </a:r>
+            <a:endParaRPr lang="en-TW" dirty="0"/>
+          </a:p>
+        </p:txBody>
+      </p:sp>
+      <p:cxnSp>
+        <p:nvCxnSpPr>
+          <p:cNvPr id="8" name="Straight Connector 7">
+            <a:extLst>
+              <a:ext uri="{FF2B5EF4-FFF2-40B4-BE49-F238E27FC236}">
+                <a16:creationId xmlns:a16="http://schemas.microsoft.com/office/drawing/2014/main" id="{618857B0-458B-B1CD-3BAF-CF108CFB1D99}"/>
+              </a:ext>
+            </a:extLst>
+          </p:cNvPr>
+          <p:cNvCxnSpPr>
+            <a:cxnSpLocks/>
+          </p:cNvCxnSpPr>
+          <p:nvPr/>
+        </p:nvCxnSpPr>
+        <p:spPr>
+          <a:xfrm>
+            <a:off x="7091961" y="1973088"/>
+            <a:ext cx="0" cy="1435677"/>
+          </a:xfrm>
+          <a:prstGeom prst="line">
+            <a:avLst/>
+          </a:prstGeom>
+        </p:spPr>
+        <p:style>
+          <a:lnRef idx="1">
+            <a:schemeClr val="dk1"/>
+          </a:lnRef>
+          <a:fillRef idx="0">
+            <a:schemeClr val="dk1"/>
+          </a:fillRef>
+          <a:effectRef idx="0">
+            <a:schemeClr val="dk1"/>
+          </a:effectRef>
+          <a:fontRef idx="minor">
+            <a:schemeClr val="tx1"/>
+          </a:fontRef>
+        </p:style>
+      </p:cxnSp>
+      <p:sp>
+        <p:nvSpPr>
+          <p:cNvPr id="12" name="Right Arrow 11">
+            <a:extLst>
+              <a:ext uri="{FF2B5EF4-FFF2-40B4-BE49-F238E27FC236}">
+                <a16:creationId xmlns:a16="http://schemas.microsoft.com/office/drawing/2014/main" id="{ABBA4CB8-30E5-9A1F-B319-0C3BA61C15E2}"/>
+              </a:ext>
+            </a:extLst>
+          </p:cNvPr>
+          <p:cNvSpPr/>
+          <p:nvPr/>
+        </p:nvSpPr>
+        <p:spPr>
+          <a:xfrm>
+            <a:off x="7554807" y="2494686"/>
+            <a:ext cx="514267" cy="417303"/>
+          </a:xfrm>
+          <a:prstGeom prst="rightArrow">
+            <a:avLst/>
+          </a:prstGeom>
+        </p:spPr>
+        <p:style>
+          <a:lnRef idx="2">
+            <a:schemeClr val="dk1">
+              <a:shade val="15000"/>
+            </a:schemeClr>
+          </a:lnRef>
+          <a:fillRef idx="1">
+            <a:schemeClr val="dk1"/>
+          </a:fillRef>
+          <a:effectRef idx="0">
+            <a:schemeClr val="dk1"/>
+          </a:effectRef>
+          <a:fontRef idx="minor">
+            <a:schemeClr val="lt1"/>
+          </a:fontRef>
+        </p:style>
+        <p:txBody>
+          <a:bodyPr rtlCol="0" anchor="ctr"/>
+          <a:lstStyle/>
+          <a:p>
+            <a:pPr algn="ctr"/>
             <a:endParaRPr lang="en-TW"/>
+          </a:p>
+        </p:txBody>
+      </p:sp>
+      <p:pic>
+        <p:nvPicPr>
+          <p:cNvPr id="16" name="Picture 15">
+            <a:extLst>
+              <a:ext uri="{FF2B5EF4-FFF2-40B4-BE49-F238E27FC236}">
+                <a16:creationId xmlns:a16="http://schemas.microsoft.com/office/drawing/2014/main" id="{8AD62527-4F6D-EA92-C4EC-FF05CF3EEF66}"/>
+              </a:ext>
+            </a:extLst>
+          </p:cNvPr>
+          <p:cNvPicPr>
+            <a:picLocks noChangeAspect="1"/>
+          </p:cNvPicPr>
+          <p:nvPr/>
+        </p:nvPicPr>
+        <p:blipFill>
+          <a:blip r:embed="rId5"/>
+          <a:stretch>
+            <a:fillRect/>
+          </a:stretch>
+        </p:blipFill>
+        <p:spPr>
+          <a:xfrm>
+            <a:off x="863358" y="4235230"/>
+            <a:ext cx="8688130" cy="991526"/>
+          </a:xfrm>
+          <a:prstGeom prst="rect">
+            <a:avLst/>
+          </a:prstGeom>
+        </p:spPr>
+      </p:pic>
+      <p:sp>
+        <p:nvSpPr>
+          <p:cNvPr id="17" name="TextBox 16">
+            <a:extLst>
+              <a:ext uri="{FF2B5EF4-FFF2-40B4-BE49-F238E27FC236}">
+                <a16:creationId xmlns:a16="http://schemas.microsoft.com/office/drawing/2014/main" id="{4D4A2E9D-49AC-77C5-FB38-B60E070DED37}"/>
+              </a:ext>
+            </a:extLst>
+          </p:cNvPr>
+          <p:cNvSpPr txBox="1"/>
+          <p:nvPr/>
+        </p:nvSpPr>
+        <p:spPr>
+          <a:xfrm>
+            <a:off x="751846" y="3991291"/>
+            <a:ext cx="2277034" cy="369332"/>
+          </a:xfrm>
+          <a:prstGeom prst="rect">
+            <a:avLst/>
+          </a:prstGeom>
+          <a:noFill/>
+        </p:spPr>
+        <p:txBody>
+          <a:bodyPr wrap="none" rtlCol="0">
+            <a:spAutoFit/>
+          </a:bodyPr>
+          <a:lstStyle/>
+          <a:p>
+            <a:r>
+              <a:rPr lang="en-US" dirty="0"/>
+              <a:t>A</a:t>
+            </a:r>
+            <a:r>
+              <a:rPr lang="en-TW" dirty="0"/>
+              <a:t>ll csv files </a:t>
+            </a:r>
+            <a:r>
+              <a:rPr lang="en-TW" sz="1600" dirty="0">
+                <a:sym typeface="Wingdings" pitchFamily="2" charset="2"/>
+              </a:rPr>
+              <a:t></a:t>
+            </a:r>
+            <a:r>
+              <a:rPr lang="en-TW" dirty="0">
+                <a:sym typeface="Wingdings" pitchFamily="2" charset="2"/>
+              </a:rPr>
+              <a:t> xlsx file:</a:t>
+            </a:r>
+            <a:endParaRPr lang="en-TW" dirty="0"/>
+          </a:p>
+        </p:txBody>
+      </p:sp>
+      <p:sp>
+        <p:nvSpPr>
+          <p:cNvPr id="18" name="TextBox 17">
+            <a:extLst>
+              <a:ext uri="{FF2B5EF4-FFF2-40B4-BE49-F238E27FC236}">
+                <a16:creationId xmlns:a16="http://schemas.microsoft.com/office/drawing/2014/main" id="{8A92FEEA-E9DB-318F-4087-A432A9B989A7}"/>
+              </a:ext>
+            </a:extLst>
+          </p:cNvPr>
+          <p:cNvSpPr txBox="1"/>
+          <p:nvPr/>
+        </p:nvSpPr>
+        <p:spPr>
+          <a:xfrm>
+            <a:off x="863358" y="5332921"/>
+            <a:ext cx="5449633" cy="1200329"/>
+          </a:xfrm>
+          <a:prstGeom prst="rect">
+            <a:avLst/>
+          </a:prstGeom>
+          <a:noFill/>
+        </p:spPr>
+        <p:txBody>
+          <a:bodyPr wrap="none" rtlCol="0">
+            <a:spAutoFit/>
+          </a:bodyPr>
+          <a:lstStyle/>
+          <a:p>
+            <a:pPr marL="285750" indent="-285750">
+              <a:buFont typeface="Arial" panose="020B0604020202020204" pitchFamily="34" charset="0"/>
+              <a:buChar char="•"/>
+            </a:pPr>
+            <a:r>
+              <a:rPr lang="en-TW" dirty="0">
+                <a:sym typeface="Wingdings" pitchFamily="2" charset="2"/>
+              </a:rPr>
+              <a:t>with all files and TTPs</a:t>
+            </a:r>
+            <a:endParaRPr lang="en-TW" dirty="0"/>
+          </a:p>
+          <a:p>
+            <a:pPr marL="285750" indent="-285750">
+              <a:buFont typeface="Arial" panose="020B0604020202020204" pitchFamily="34" charset="0"/>
+              <a:buChar char="•"/>
+            </a:pPr>
+            <a:r>
+              <a:rPr lang="en-US" dirty="0"/>
+              <a:t>R</a:t>
+            </a:r>
+            <a:r>
+              <a:rPr lang="en-TW" dirty="0"/>
+              <a:t>ecord the # of the labels detected in the specific file</a:t>
+            </a:r>
+          </a:p>
+          <a:p>
+            <a:pPr marL="285750" indent="-285750">
+              <a:buFont typeface="Arial" panose="020B0604020202020204" pitchFamily="34" charset="0"/>
+              <a:buChar char="•"/>
+            </a:pPr>
+            <a:r>
+              <a:rPr lang="en-TW" dirty="0"/>
+              <a:t>141 unique TTPs</a:t>
+            </a:r>
+          </a:p>
+          <a:p>
+            <a:pPr marL="285750" indent="-285750">
+              <a:buFont typeface="Arial" panose="020B0604020202020204" pitchFamily="34" charset="0"/>
+              <a:buChar char="•"/>
+            </a:pPr>
+            <a:r>
+              <a:rPr lang="en-US" dirty="0">
+                <a:solidFill>
+                  <a:srgbClr val="FF0000"/>
+                </a:solidFill>
+              </a:rPr>
+              <a:t>pdf: 109/751, html: 378/3937</a:t>
+            </a:r>
+            <a:endParaRPr lang="en-TW" dirty="0">
+              <a:solidFill>
+                <a:srgbClr val="FF0000"/>
+              </a:solidFill>
+            </a:endParaRPr>
           </a:p>
         </p:txBody>
       </p:sp>
     </p:spTree>
     <p:extLst>
       <p:ext uri="{BB962C8B-B14F-4D97-AF65-F5344CB8AC3E}">
-        <p14:creationId xmlns:p14="http://schemas.microsoft.com/office/powerpoint/2010/main" val="1678796027"/>
+        <p14:creationId xmlns:p14="http://schemas.microsoft.com/office/powerpoint/2010/main" val="3567142825"/>
       </p:ext>
     </p:extLst>
   </p:cSld>
   <p:clrMapOvr>
     <a:masterClrMapping/>
   </p:clrMapOvr>
-  <mc:AlternateContent xmlns:mc="http://schemas.openxmlformats.org/markup-compatibility/2006">
-    <mc:Choice xmlns:p159="http://schemas.microsoft.com/office/powerpoint/2015/09/main" Requires="p159">
+  <mc:AlternateContent xmlns:mc="http://schemas.openxmlformats.org/markup-compatibility/2006" xmlns:p159="http://schemas.microsoft.com/office/powerpoint/2015/09/main">
+    <mc:Choice Requires="p159">
       <p:transition xmlns:p14="http://schemas.microsoft.com/office/powerpoint/2010/main" spd="slow" p14:dur="2000">
         <p159:morph option="byObject"/>
       </p:transition>
     </mc:Choice>
-    <mc:Fallback>
+    <mc:Fallback xmlns="">
       <p:transition spd="slow">
         <p:fade/>
       </p:transition>
@@ -5362,6 +6417,687 @@
           <p:cNvPr id="2" name="Title 1">
             <a:extLst>
               <a:ext uri="{FF2B5EF4-FFF2-40B4-BE49-F238E27FC236}">
+                <a16:creationId xmlns:a16="http://schemas.microsoft.com/office/drawing/2014/main" id="{2D1F1D5D-BC21-FE6C-199A-114DD8A93B70}"/>
+              </a:ext>
+            </a:extLst>
+          </p:cNvPr>
+          <p:cNvSpPr>
+            <a:spLocks noGrp="1"/>
+          </p:cNvSpPr>
+          <p:nvPr>
+            <p:ph type="ctrTitle"/>
+          </p:nvPr>
+        </p:nvSpPr>
+        <p:spPr>
+          <a:xfrm>
+            <a:off x="1524000" y="1566037"/>
+            <a:ext cx="9144000" cy="2387600"/>
+          </a:xfrm>
+        </p:spPr>
+        <p:txBody>
+          <a:bodyPr/>
+          <a:lstStyle/>
+          <a:p>
+            <a:pPr>
+              <a:lnSpc>
+                <a:spcPct val="110000"/>
+              </a:lnSpc>
+            </a:pPr>
+            <a:r>
+              <a:rPr lang="en-TW" b="1" dirty="0"/>
+              <a:t>Future Work</a:t>
+            </a:r>
+          </a:p>
+        </p:txBody>
+      </p:sp>
+      <p:sp>
+        <p:nvSpPr>
+          <p:cNvPr id="4" name="Slide Number Placeholder 3">
+            <a:extLst>
+              <a:ext uri="{FF2B5EF4-FFF2-40B4-BE49-F238E27FC236}">
+                <a16:creationId xmlns:a16="http://schemas.microsoft.com/office/drawing/2014/main" id="{2BC4D631-FD05-0882-9331-7401BF92027E}"/>
+              </a:ext>
+            </a:extLst>
+          </p:cNvPr>
+          <p:cNvSpPr>
+            <a:spLocks noGrp="1"/>
+          </p:cNvSpPr>
+          <p:nvPr>
+            <p:ph type="sldNum" sz="quarter" idx="12"/>
+          </p:nvPr>
+        </p:nvSpPr>
+        <p:spPr/>
+        <p:txBody>
+          <a:bodyPr/>
+          <a:lstStyle/>
+          <a:p>
+            <a:fld id="{DB156E10-B3DB-CB42-894C-E44038C8B0C4}" type="slidenum">
+              <a:rPr lang="en-TW" smtClean="0"/>
+              <a:t>13</a:t>
+            </a:fld>
+            <a:endParaRPr lang="en-TW"/>
+          </a:p>
+        </p:txBody>
+      </p:sp>
+    </p:spTree>
+    <p:extLst>
+      <p:ext uri="{BB962C8B-B14F-4D97-AF65-F5344CB8AC3E}">
+        <p14:creationId xmlns:p14="http://schemas.microsoft.com/office/powerpoint/2010/main" val="2403544732"/>
+      </p:ext>
+    </p:extLst>
+  </p:cSld>
+  <p:clrMapOvr>
+    <a:masterClrMapping/>
+  </p:clrMapOvr>
+  <mc:AlternateContent xmlns:mc="http://schemas.openxmlformats.org/markup-compatibility/2006" xmlns:p159="http://schemas.microsoft.com/office/powerpoint/2015/09/main">
+    <mc:Choice Requires="p159">
+      <p:transition xmlns:p14="http://schemas.microsoft.com/office/powerpoint/2010/main" spd="slow" p14:dur="2000">
+        <p159:morph option="byObject"/>
+      </p:transition>
+    </mc:Choice>
+    <mc:Fallback xmlns="">
+      <p:transition spd="slow">
+        <p:fade/>
+      </p:transition>
+    </mc:Fallback>
+  </mc:AlternateContent>
+</p:sld>
+</file>
+
+<file path=ppt/slides/slide14.xml><?xml version="1.0" encoding="utf-8"?>
+<p:sld xmlns:a="http://schemas.openxmlformats.org/drawingml/2006/main" xmlns:r="http://schemas.openxmlformats.org/officeDocument/2006/relationships" xmlns:p="http://schemas.openxmlformats.org/presentationml/2006/main">
+  <p:cSld>
+    <p:spTree>
+      <p:nvGrpSpPr>
+        <p:cNvPr id="1" name=""/>
+        <p:cNvGrpSpPr/>
+        <p:nvPr/>
+      </p:nvGrpSpPr>
+      <p:grpSpPr>
+        <a:xfrm>
+          <a:off x="0" y="0"/>
+          <a:ext cx="0" cy="0"/>
+          <a:chOff x="0" y="0"/>
+          <a:chExt cx="0" cy="0"/>
+        </a:xfrm>
+      </p:grpSpPr>
+      <p:sp>
+        <p:nvSpPr>
+          <p:cNvPr id="2" name="Title 1">
+            <a:extLst>
+              <a:ext uri="{FF2B5EF4-FFF2-40B4-BE49-F238E27FC236}">
+                <a16:creationId xmlns:a16="http://schemas.microsoft.com/office/drawing/2014/main" id="{2B533BED-E48C-5E7F-2273-C55CCE98516B}"/>
+              </a:ext>
+            </a:extLst>
+          </p:cNvPr>
+          <p:cNvSpPr>
+            <a:spLocks noGrp="1"/>
+          </p:cNvSpPr>
+          <p:nvPr>
+            <p:ph type="title"/>
+          </p:nvPr>
+        </p:nvSpPr>
+        <p:spPr>
+          <a:xfrm>
+            <a:off x="374904" y="197907"/>
+            <a:ext cx="10515600" cy="1325563"/>
+          </a:xfrm>
+        </p:spPr>
+        <p:txBody>
+          <a:bodyPr/>
+          <a:lstStyle/>
+          <a:p>
+            <a:r>
+              <a:rPr lang="en-TW" b="1" dirty="0"/>
+              <a:t>Future Work</a:t>
+            </a:r>
+          </a:p>
+        </p:txBody>
+      </p:sp>
+      <p:sp>
+        <p:nvSpPr>
+          <p:cNvPr id="3" name="Content Placeholder 2">
+            <a:extLst>
+              <a:ext uri="{FF2B5EF4-FFF2-40B4-BE49-F238E27FC236}">
+                <a16:creationId xmlns:a16="http://schemas.microsoft.com/office/drawing/2014/main" id="{25B0A74B-6281-327F-44E6-1E41A778AF7E}"/>
+              </a:ext>
+            </a:extLst>
+          </p:cNvPr>
+          <p:cNvSpPr>
+            <a:spLocks noGrp="1"/>
+          </p:cNvSpPr>
+          <p:nvPr>
+            <p:ph idx="1"/>
+          </p:nvPr>
+        </p:nvSpPr>
+        <p:spPr>
+          <a:xfrm>
+            <a:off x="695678" y="1608814"/>
+            <a:ext cx="10800644" cy="4832880"/>
+          </a:xfrm>
+        </p:spPr>
+        <p:txBody>
+          <a:bodyPr>
+            <a:normAutofit/>
+          </a:bodyPr>
+          <a:lstStyle/>
+          <a:p>
+            <a:pPr>
+              <a:lnSpc>
+                <a:spcPct val="110000"/>
+              </a:lnSpc>
+            </a:pPr>
+            <a:r>
+              <a:rPr lang="en-TW" b="1" dirty="0"/>
+              <a:t>GNN</a:t>
+            </a:r>
+          </a:p>
+          <a:p>
+            <a:pPr lvl="1">
+              <a:lnSpc>
+                <a:spcPct val="110000"/>
+              </a:lnSpc>
+            </a:pPr>
+            <a:r>
+              <a:rPr lang="en-US" dirty="0"/>
+              <a:t>D</a:t>
+            </a:r>
+            <a:r>
+              <a:rPr lang="en-TW" dirty="0"/>
+              <a:t>o the experiment 2 and 3</a:t>
+            </a:r>
+          </a:p>
+          <a:p>
+            <a:pPr lvl="1">
+              <a:lnSpc>
+                <a:spcPct val="110000"/>
+              </a:lnSpc>
+            </a:pPr>
+            <a:r>
+              <a:rPr lang="en-US" dirty="0"/>
+              <a:t>I</a:t>
+            </a:r>
+            <a:r>
+              <a:rPr lang="en-TW" dirty="0"/>
+              <a:t>mprove t</a:t>
+            </a:r>
+            <a:r>
+              <a:rPr lang="en-US" dirty="0"/>
+              <a:t>he</a:t>
+            </a:r>
+            <a:r>
+              <a:rPr lang="en-TW" dirty="0"/>
+              <a:t> performance of the model (if available)</a:t>
+            </a:r>
+          </a:p>
+          <a:p>
+            <a:pPr marL="0" indent="0">
+              <a:lnSpc>
+                <a:spcPct val="110000"/>
+              </a:lnSpc>
+              <a:buNone/>
+            </a:pPr>
+            <a:endParaRPr lang="en-TW" dirty="0"/>
+          </a:p>
+          <a:p>
+            <a:pPr>
+              <a:lnSpc>
+                <a:spcPct val="110000"/>
+              </a:lnSpc>
+            </a:pPr>
+            <a:r>
+              <a:rPr lang="en-TW" b="1" dirty="0"/>
+              <a:t>TRAM</a:t>
+            </a:r>
+          </a:p>
+          <a:p>
+            <a:pPr lvl="1">
+              <a:lnSpc>
+                <a:spcPct val="110000"/>
+              </a:lnSpc>
+            </a:pPr>
+            <a:r>
+              <a:rPr lang="en-US" dirty="0"/>
+              <a:t>F</a:t>
+            </a:r>
+            <a:r>
+              <a:rPr lang="en-TW" dirty="0"/>
+              <a:t>igure out the reason of low efficiency</a:t>
+            </a:r>
+          </a:p>
+          <a:p>
+            <a:pPr lvl="1">
+              <a:lnSpc>
+                <a:spcPct val="110000"/>
+              </a:lnSpc>
+            </a:pPr>
+            <a:r>
+              <a:rPr lang="en-TW" dirty="0"/>
+              <a:t>Processed the data based on t</a:t>
+            </a:r>
+            <a:r>
+              <a:rPr lang="en-US" dirty="0"/>
+              <a:t>he</a:t>
+            </a:r>
+            <a:r>
+              <a:rPr lang="en-TW" dirty="0"/>
+              <a:t> confidence</a:t>
+            </a:r>
+          </a:p>
+          <a:p>
+            <a:pPr marL="0" indent="0">
+              <a:lnSpc>
+                <a:spcPct val="110000"/>
+              </a:lnSpc>
+              <a:buNone/>
+            </a:pPr>
+            <a:endParaRPr lang="en-TW" dirty="0"/>
+          </a:p>
+          <a:p>
+            <a:pPr>
+              <a:lnSpc>
+                <a:spcPct val="110000"/>
+              </a:lnSpc>
+            </a:pPr>
+            <a:endParaRPr lang="en-TW" dirty="0"/>
+          </a:p>
+        </p:txBody>
+      </p:sp>
+      <p:sp>
+        <p:nvSpPr>
+          <p:cNvPr id="4" name="Slide Number Placeholder 3">
+            <a:extLst>
+              <a:ext uri="{FF2B5EF4-FFF2-40B4-BE49-F238E27FC236}">
+                <a16:creationId xmlns:a16="http://schemas.microsoft.com/office/drawing/2014/main" id="{5CD44B9F-7DE8-0932-BD70-B0BA453E653B}"/>
+              </a:ext>
+            </a:extLst>
+          </p:cNvPr>
+          <p:cNvSpPr>
+            <a:spLocks noGrp="1"/>
+          </p:cNvSpPr>
+          <p:nvPr>
+            <p:ph type="sldNum" sz="quarter" idx="12"/>
+          </p:nvPr>
+        </p:nvSpPr>
+        <p:spPr/>
+        <p:txBody>
+          <a:bodyPr/>
+          <a:lstStyle/>
+          <a:p>
+            <a:fld id="{DB156E10-B3DB-CB42-894C-E44038C8B0C4}" type="slidenum">
+              <a:rPr lang="en-TW" smtClean="0"/>
+              <a:t>14</a:t>
+            </a:fld>
+            <a:endParaRPr lang="en-TW"/>
+          </a:p>
+        </p:txBody>
+      </p:sp>
+    </p:spTree>
+    <p:extLst>
+      <p:ext uri="{BB962C8B-B14F-4D97-AF65-F5344CB8AC3E}">
+        <p14:creationId xmlns:p14="http://schemas.microsoft.com/office/powerpoint/2010/main" val="2421199054"/>
+      </p:ext>
+    </p:extLst>
+  </p:cSld>
+  <p:clrMapOvr>
+    <a:masterClrMapping/>
+  </p:clrMapOvr>
+  <mc:AlternateContent xmlns:mc="http://schemas.openxmlformats.org/markup-compatibility/2006" xmlns:p159="http://schemas.microsoft.com/office/powerpoint/2015/09/main">
+    <mc:Choice Requires="p159">
+      <p:transition xmlns:p14="http://schemas.microsoft.com/office/powerpoint/2010/main" spd="slow" p14:dur="2000">
+        <p159:morph option="byObject"/>
+      </p:transition>
+    </mc:Choice>
+    <mc:Fallback xmlns="">
+      <p:transition spd="slow">
+        <p:fade/>
+      </p:transition>
+    </mc:Fallback>
+  </mc:AlternateContent>
+</p:sld>
+</file>
+
+<file path=ppt/slides/slide15.xml><?xml version="1.0" encoding="utf-8"?>
+<p:sld xmlns:a="http://schemas.openxmlformats.org/drawingml/2006/main" xmlns:r="http://schemas.openxmlformats.org/officeDocument/2006/relationships" xmlns:p="http://schemas.openxmlformats.org/presentationml/2006/main">
+  <p:cSld>
+    <p:spTree>
+      <p:nvGrpSpPr>
+        <p:cNvPr id="1" name=""/>
+        <p:cNvGrpSpPr/>
+        <p:nvPr/>
+      </p:nvGrpSpPr>
+      <p:grpSpPr>
+        <a:xfrm>
+          <a:off x="0" y="0"/>
+          <a:ext cx="0" cy="0"/>
+          <a:chOff x="0" y="0"/>
+          <a:chExt cx="0" cy="0"/>
+        </a:xfrm>
+      </p:grpSpPr>
+      <p:sp>
+        <p:nvSpPr>
+          <p:cNvPr id="4" name="Slide Number Placeholder 3">
+            <a:extLst>
+              <a:ext uri="{FF2B5EF4-FFF2-40B4-BE49-F238E27FC236}">
+                <a16:creationId xmlns:a16="http://schemas.microsoft.com/office/drawing/2014/main" id="{2BC4D631-FD05-0882-9331-7401BF92027E}"/>
+              </a:ext>
+            </a:extLst>
+          </p:cNvPr>
+          <p:cNvSpPr>
+            <a:spLocks noGrp="1"/>
+          </p:cNvSpPr>
+          <p:nvPr>
+            <p:ph type="sldNum" sz="quarter" idx="12"/>
+          </p:nvPr>
+        </p:nvSpPr>
+        <p:spPr/>
+        <p:txBody>
+          <a:bodyPr/>
+          <a:lstStyle/>
+          <a:p>
+            <a:fld id="{DB156E10-B3DB-CB42-894C-E44038C8B0C4}" type="slidenum">
+              <a:rPr lang="en-TW" smtClean="0"/>
+              <a:t>15</a:t>
+            </a:fld>
+            <a:endParaRPr lang="en-TW"/>
+          </a:p>
+        </p:txBody>
+      </p:sp>
+      <p:sp>
+        <p:nvSpPr>
+          <p:cNvPr id="5" name="Title 4">
+            <a:extLst>
+              <a:ext uri="{FF2B5EF4-FFF2-40B4-BE49-F238E27FC236}">
+                <a16:creationId xmlns:a16="http://schemas.microsoft.com/office/drawing/2014/main" id="{FD89D94C-6796-FFAC-888D-5EC2B2407BC6}"/>
+              </a:ext>
+            </a:extLst>
+          </p:cNvPr>
+          <p:cNvSpPr>
+            <a:spLocks noGrp="1"/>
+          </p:cNvSpPr>
+          <p:nvPr>
+            <p:ph type="ctrTitle"/>
+          </p:nvPr>
+        </p:nvSpPr>
+        <p:spPr>
+          <a:xfrm>
+            <a:off x="1524000" y="1484970"/>
+            <a:ext cx="9144000" cy="2387600"/>
+          </a:xfrm>
+        </p:spPr>
+        <p:txBody>
+          <a:bodyPr/>
+          <a:lstStyle/>
+          <a:p>
+            <a:r>
+              <a:rPr lang="en-TW" b="1" dirty="0"/>
+              <a:t>Thanks!!</a:t>
+            </a:r>
+          </a:p>
+        </p:txBody>
+      </p:sp>
+    </p:spTree>
+    <p:extLst>
+      <p:ext uri="{BB962C8B-B14F-4D97-AF65-F5344CB8AC3E}">
+        <p14:creationId xmlns:p14="http://schemas.microsoft.com/office/powerpoint/2010/main" val="2872018066"/>
+      </p:ext>
+    </p:extLst>
+  </p:cSld>
+  <p:clrMapOvr>
+    <a:masterClrMapping/>
+  </p:clrMapOvr>
+  <mc:AlternateContent xmlns:mc="http://schemas.openxmlformats.org/markup-compatibility/2006" xmlns:p159="http://schemas.microsoft.com/office/powerpoint/2015/09/main">
+    <mc:Choice Requires="p159">
+      <p:transition xmlns:p14="http://schemas.microsoft.com/office/powerpoint/2010/main" spd="slow" p14:dur="2000">
+        <p159:morph option="byObject"/>
+      </p:transition>
+    </mc:Choice>
+    <mc:Fallback xmlns="">
+      <p:transition spd="slow">
+        <p:fade/>
+      </p:transition>
+    </mc:Fallback>
+  </mc:AlternateContent>
+</p:sld>
+</file>
+
+<file path=ppt/slides/slide16.xml><?xml version="1.0" encoding="utf-8"?>
+<p:sld xmlns:a="http://schemas.openxmlformats.org/drawingml/2006/main" xmlns:r="http://schemas.openxmlformats.org/officeDocument/2006/relationships" xmlns:p="http://schemas.openxmlformats.org/presentationml/2006/main">
+  <p:cSld>
+    <p:spTree>
+      <p:nvGrpSpPr>
+        <p:cNvPr id="1" name=""/>
+        <p:cNvGrpSpPr/>
+        <p:nvPr/>
+      </p:nvGrpSpPr>
+      <p:grpSpPr>
+        <a:xfrm>
+          <a:off x="0" y="0"/>
+          <a:ext cx="0" cy="0"/>
+          <a:chOff x="0" y="0"/>
+          <a:chExt cx="0" cy="0"/>
+        </a:xfrm>
+      </p:grpSpPr>
+      <p:sp>
+        <p:nvSpPr>
+          <p:cNvPr id="4" name="Slide Number Placeholder 3">
+            <a:extLst>
+              <a:ext uri="{FF2B5EF4-FFF2-40B4-BE49-F238E27FC236}">
+                <a16:creationId xmlns:a16="http://schemas.microsoft.com/office/drawing/2014/main" id="{2BC4D631-FD05-0882-9331-7401BF92027E}"/>
+              </a:ext>
+            </a:extLst>
+          </p:cNvPr>
+          <p:cNvSpPr>
+            <a:spLocks noGrp="1"/>
+          </p:cNvSpPr>
+          <p:nvPr>
+            <p:ph type="sldNum" sz="quarter" idx="12"/>
+          </p:nvPr>
+        </p:nvSpPr>
+        <p:spPr/>
+        <p:txBody>
+          <a:bodyPr/>
+          <a:lstStyle/>
+          <a:p>
+            <a:fld id="{DB156E10-B3DB-CB42-894C-E44038C8B0C4}" type="slidenum">
+              <a:rPr lang="en-TW" smtClean="0"/>
+              <a:t>16</a:t>
+            </a:fld>
+            <a:endParaRPr lang="en-TW"/>
+          </a:p>
+        </p:txBody>
+      </p:sp>
+      <p:sp>
+        <p:nvSpPr>
+          <p:cNvPr id="5" name="Title 4">
+            <a:extLst>
+              <a:ext uri="{FF2B5EF4-FFF2-40B4-BE49-F238E27FC236}">
+                <a16:creationId xmlns:a16="http://schemas.microsoft.com/office/drawing/2014/main" id="{FD89D94C-6796-FFAC-888D-5EC2B2407BC6}"/>
+              </a:ext>
+            </a:extLst>
+          </p:cNvPr>
+          <p:cNvSpPr>
+            <a:spLocks noGrp="1"/>
+          </p:cNvSpPr>
+          <p:nvPr>
+            <p:ph type="ctrTitle"/>
+          </p:nvPr>
+        </p:nvSpPr>
+        <p:spPr>
+          <a:xfrm>
+            <a:off x="1524000" y="1484970"/>
+            <a:ext cx="9144000" cy="2387600"/>
+          </a:xfrm>
+        </p:spPr>
+        <p:txBody>
+          <a:bodyPr/>
+          <a:lstStyle/>
+          <a:p>
+            <a:r>
+              <a:rPr lang="en-TW" b="1" dirty="0"/>
+              <a:t>Appendix</a:t>
+            </a:r>
+          </a:p>
+        </p:txBody>
+      </p:sp>
+    </p:spTree>
+    <p:extLst>
+      <p:ext uri="{BB962C8B-B14F-4D97-AF65-F5344CB8AC3E}">
+        <p14:creationId xmlns:p14="http://schemas.microsoft.com/office/powerpoint/2010/main" val="2806617322"/>
+      </p:ext>
+    </p:extLst>
+  </p:cSld>
+  <p:clrMapOvr>
+    <a:masterClrMapping/>
+  </p:clrMapOvr>
+  <mc:AlternateContent xmlns:mc="http://schemas.openxmlformats.org/markup-compatibility/2006" xmlns:p159="http://schemas.microsoft.com/office/powerpoint/2015/09/main">
+    <mc:Choice Requires="p159">
+      <p:transition xmlns:p14="http://schemas.microsoft.com/office/powerpoint/2010/main" spd="slow" p14:dur="2000">
+        <p159:morph option="byObject"/>
+      </p:transition>
+    </mc:Choice>
+    <mc:Fallback xmlns="">
+      <p:transition spd="slow">
+        <p:fade/>
+      </p:transition>
+    </mc:Fallback>
+  </mc:AlternateContent>
+</p:sld>
+</file>
+
+<file path=ppt/slides/slide17.xml><?xml version="1.0" encoding="utf-8"?>
+<p:sld xmlns:a="http://schemas.openxmlformats.org/drawingml/2006/main" xmlns:r="http://schemas.openxmlformats.org/officeDocument/2006/relationships" xmlns:p="http://schemas.openxmlformats.org/presentationml/2006/main">
+  <p:cSld>
+    <p:spTree>
+      <p:nvGrpSpPr>
+        <p:cNvPr id="1" name=""/>
+        <p:cNvGrpSpPr/>
+        <p:nvPr/>
+      </p:nvGrpSpPr>
+      <p:grpSpPr>
+        <a:xfrm>
+          <a:off x="0" y="0"/>
+          <a:ext cx="0" cy="0"/>
+          <a:chOff x="0" y="0"/>
+          <a:chExt cx="0" cy="0"/>
+        </a:xfrm>
+      </p:grpSpPr>
+      <p:sp>
+        <p:nvSpPr>
+          <p:cNvPr id="2" name="Title 1">
+            <a:extLst>
+              <a:ext uri="{FF2B5EF4-FFF2-40B4-BE49-F238E27FC236}">
+                <a16:creationId xmlns:a16="http://schemas.microsoft.com/office/drawing/2014/main" id="{2D1F1D5D-BC21-FE6C-199A-114DD8A93B70}"/>
+              </a:ext>
+            </a:extLst>
+          </p:cNvPr>
+          <p:cNvSpPr>
+            <a:spLocks noGrp="1"/>
+          </p:cNvSpPr>
+          <p:nvPr>
+            <p:ph type="ctrTitle"/>
+          </p:nvPr>
+        </p:nvSpPr>
+        <p:spPr>
+          <a:xfrm>
+            <a:off x="1056289" y="1492465"/>
+            <a:ext cx="10079421" cy="2387600"/>
+          </a:xfrm>
+        </p:spPr>
+        <p:txBody>
+          <a:bodyPr>
+            <a:normAutofit/>
+          </a:bodyPr>
+          <a:lstStyle/>
+          <a:p>
+            <a:pPr>
+              <a:lnSpc>
+                <a:spcPct val="110000"/>
+              </a:lnSpc>
+            </a:pPr>
+            <a:r>
+              <a:rPr lang="en-TW" sz="4800" b="1" dirty="0"/>
+              <a:t>Graph Convolutional Network - GCN</a:t>
+            </a:r>
+          </a:p>
+        </p:txBody>
+      </p:sp>
+      <p:sp>
+        <p:nvSpPr>
+          <p:cNvPr id="4" name="Slide Number Placeholder 3">
+            <a:extLst>
+              <a:ext uri="{FF2B5EF4-FFF2-40B4-BE49-F238E27FC236}">
+                <a16:creationId xmlns:a16="http://schemas.microsoft.com/office/drawing/2014/main" id="{2BC4D631-FD05-0882-9331-7401BF92027E}"/>
+              </a:ext>
+            </a:extLst>
+          </p:cNvPr>
+          <p:cNvSpPr>
+            <a:spLocks noGrp="1"/>
+          </p:cNvSpPr>
+          <p:nvPr>
+            <p:ph type="sldNum" sz="quarter" idx="12"/>
+          </p:nvPr>
+        </p:nvSpPr>
+        <p:spPr/>
+        <p:txBody>
+          <a:bodyPr/>
+          <a:lstStyle/>
+          <a:p>
+            <a:fld id="{DB156E10-B3DB-CB42-894C-E44038C8B0C4}" type="slidenum">
+              <a:rPr lang="en-TW" smtClean="0"/>
+              <a:t>17</a:t>
+            </a:fld>
+            <a:endParaRPr lang="en-TW"/>
+          </a:p>
+        </p:txBody>
+      </p:sp>
+    </p:spTree>
+    <p:extLst>
+      <p:ext uri="{BB962C8B-B14F-4D97-AF65-F5344CB8AC3E}">
+        <p14:creationId xmlns:p14="http://schemas.microsoft.com/office/powerpoint/2010/main" val="1678796027"/>
+      </p:ext>
+    </p:extLst>
+  </p:cSld>
+  <p:clrMapOvr>
+    <a:masterClrMapping/>
+  </p:clrMapOvr>
+  <mc:AlternateContent xmlns:mc="http://schemas.openxmlformats.org/markup-compatibility/2006" xmlns:p159="http://schemas.microsoft.com/office/powerpoint/2015/09/main">
+    <mc:Choice Requires="p159">
+      <p:transition xmlns:p14="http://schemas.microsoft.com/office/powerpoint/2010/main" spd="slow" p14:dur="2000">
+        <p159:morph option="byObject"/>
+      </p:transition>
+    </mc:Choice>
+    <mc:Fallback xmlns="">
+      <p:transition spd="slow">
+        <p:fade/>
+      </p:transition>
+    </mc:Fallback>
+  </mc:AlternateContent>
+</p:sld>
+</file>
+
+<file path=ppt/slides/slide18.xml><?xml version="1.0" encoding="utf-8"?>
+<p:sld xmlns:a="http://schemas.openxmlformats.org/drawingml/2006/main" xmlns:r="http://schemas.openxmlformats.org/officeDocument/2006/relationships" xmlns:p="http://schemas.openxmlformats.org/presentationml/2006/main">
+  <p:cSld>
+    <p:spTree>
+      <p:nvGrpSpPr>
+        <p:cNvPr id="1" name=""/>
+        <p:cNvGrpSpPr/>
+        <p:nvPr/>
+      </p:nvGrpSpPr>
+      <p:grpSpPr>
+        <a:xfrm>
+          <a:off x="0" y="0"/>
+          <a:ext cx="0" cy="0"/>
+          <a:chOff x="0" y="0"/>
+          <a:chExt cx="0" cy="0"/>
+        </a:xfrm>
+      </p:grpSpPr>
+      <p:sp>
+        <p:nvSpPr>
+          <p:cNvPr id="2" name="Title 1">
+            <a:extLst>
+              <a:ext uri="{FF2B5EF4-FFF2-40B4-BE49-F238E27FC236}">
                 <a16:creationId xmlns:a16="http://schemas.microsoft.com/office/drawing/2014/main" id="{2B533BED-E48C-5E7F-2273-C55CCE98516B}"/>
               </a:ext>
             </a:extLst>
@@ -5413,7 +7149,7 @@
           <a:p>
             <a:fld id="{DB156E10-B3DB-CB42-894C-E44038C8B0C4}" type="slidenum">
               <a:rPr lang="en-TW" smtClean="0"/>
-              <a:t>13</a:t>
+              <a:t>18</a:t>
             </a:fld>
             <a:endParaRPr lang="en-TW"/>
           </a:p>
@@ -5841,13 +7577,13 @@
   <p:clrMapOvr>
     <a:masterClrMapping/>
   </p:clrMapOvr>
-  <mc:AlternateContent xmlns:mc="http://schemas.openxmlformats.org/markup-compatibility/2006">
-    <mc:Choice xmlns:p159="http://schemas.microsoft.com/office/powerpoint/2015/09/main" Requires="p159">
+  <mc:AlternateContent xmlns:mc="http://schemas.openxmlformats.org/markup-compatibility/2006" xmlns:p159="http://schemas.microsoft.com/office/powerpoint/2015/09/main">
+    <mc:Choice Requires="p159">
       <p:transition xmlns:p14="http://schemas.microsoft.com/office/powerpoint/2010/main" spd="slow" p14:dur="2000">
         <p159:morph option="byObject"/>
       </p:transition>
     </mc:Choice>
-    <mc:Fallback>
+    <mc:Fallback xmlns="">
       <p:transition spd="slow">
         <p:fade/>
       </p:transition>
@@ -5934,7 +7670,7 @@
 </p:sld>
 </file>
 
-<file path=ppt/slides/slide14.xml><?xml version="1.0" encoding="utf-8"?>
+<file path=ppt/slides/slide19.xml><?xml version="1.0" encoding="utf-8"?>
 <p:sld xmlns:a="http://schemas.openxmlformats.org/drawingml/2006/main" xmlns:r="http://schemas.openxmlformats.org/officeDocument/2006/relationships" xmlns:p="http://schemas.openxmlformats.org/presentationml/2006/main">
   <p:cSld>
     <p:spTree>
@@ -5953,44 +7689,6 @@
       </p:grpSpPr>
       <p:sp>
         <p:nvSpPr>
-          <p:cNvPr id="2" name="Title 1">
-            <a:extLst>
-              <a:ext uri="{FF2B5EF4-FFF2-40B4-BE49-F238E27FC236}">
-                <a16:creationId xmlns:a16="http://schemas.microsoft.com/office/drawing/2014/main" id="{2D1F1D5D-BC21-FE6C-199A-114DD8A93B70}"/>
-              </a:ext>
-            </a:extLst>
-          </p:cNvPr>
-          <p:cNvSpPr>
-            <a:spLocks noGrp="1"/>
-          </p:cNvSpPr>
-          <p:nvPr>
-            <p:ph type="ctrTitle"/>
-          </p:nvPr>
-        </p:nvSpPr>
-        <p:spPr>
-          <a:xfrm>
-            <a:off x="1524000" y="1566037"/>
-            <a:ext cx="9144000" cy="2387600"/>
-          </a:xfrm>
-        </p:spPr>
-        <p:txBody>
-          <a:bodyPr/>
-          <a:lstStyle/>
-          <a:p>
-            <a:pPr>
-              <a:lnSpc>
-                <a:spcPct val="110000"/>
-              </a:lnSpc>
-            </a:pPr>
-            <a:r>
-              <a:rPr lang="en-TW" b="1" dirty="0"/>
-              <a:t>TRAM</a:t>
-            </a:r>
-          </a:p>
-        </p:txBody>
-      </p:sp>
-      <p:sp>
-        <p:nvSpPr>
           <p:cNvPr id="4" name="Slide Number Placeholder 3">
             <a:extLst>
               <a:ext uri="{FF2B5EF4-FFF2-40B4-BE49-F238E27FC236}">
@@ -6012,395 +7710,7 @@
           <a:p>
             <a:fld id="{DB156E10-B3DB-CB42-894C-E44038C8B0C4}" type="slidenum">
               <a:rPr lang="en-TW" smtClean="0"/>
-              <a:t>14</a:t>
-            </a:fld>
-            <a:endParaRPr lang="en-TW"/>
-          </a:p>
-        </p:txBody>
-      </p:sp>
-    </p:spTree>
-    <p:extLst>
-      <p:ext uri="{BB962C8B-B14F-4D97-AF65-F5344CB8AC3E}">
-        <p14:creationId xmlns:p14="http://schemas.microsoft.com/office/powerpoint/2010/main" val="322171594"/>
-      </p:ext>
-    </p:extLst>
-  </p:cSld>
-  <p:clrMapOvr>
-    <a:masterClrMapping/>
-  </p:clrMapOvr>
-  <mc:AlternateContent xmlns:mc="http://schemas.openxmlformats.org/markup-compatibility/2006">
-    <mc:Choice xmlns:p159="http://schemas.microsoft.com/office/powerpoint/2015/09/main" Requires="p159">
-      <p:transition xmlns:p14="http://schemas.microsoft.com/office/powerpoint/2010/main" spd="slow" p14:dur="2000">
-        <p159:morph option="byObject"/>
-      </p:transition>
-    </mc:Choice>
-    <mc:Fallback>
-      <p:transition spd="slow">
-        <p:fade/>
-      </p:transition>
-    </mc:Fallback>
-  </mc:AlternateContent>
-</p:sld>
-</file>
-
-<file path=ppt/slides/slide15.xml><?xml version="1.0" encoding="utf-8"?>
-<p:sld xmlns:a="http://schemas.openxmlformats.org/drawingml/2006/main" xmlns:r="http://schemas.openxmlformats.org/officeDocument/2006/relationships" xmlns:p="http://schemas.openxmlformats.org/presentationml/2006/main">
-  <p:cSld>
-    <p:spTree>
-      <p:nvGrpSpPr>
-        <p:cNvPr id="1" name=""/>
-        <p:cNvGrpSpPr/>
-        <p:nvPr/>
-      </p:nvGrpSpPr>
-      <p:grpSpPr>
-        <a:xfrm>
-          <a:off x="0" y="0"/>
-          <a:ext cx="0" cy="0"/>
-          <a:chOff x="0" y="0"/>
-          <a:chExt cx="0" cy="0"/>
-        </a:xfrm>
-      </p:grpSpPr>
-      <p:sp>
-        <p:nvSpPr>
-          <p:cNvPr id="2" name="Title 1">
-            <a:extLst>
-              <a:ext uri="{FF2B5EF4-FFF2-40B4-BE49-F238E27FC236}">
-                <a16:creationId xmlns:a16="http://schemas.microsoft.com/office/drawing/2014/main" id="{2B533BED-E48C-5E7F-2273-C55CCE98516B}"/>
-              </a:ext>
-            </a:extLst>
-          </p:cNvPr>
-          <p:cNvSpPr>
-            <a:spLocks noGrp="1"/>
-          </p:cNvSpPr>
-          <p:nvPr>
-            <p:ph type="title"/>
-          </p:nvPr>
-        </p:nvSpPr>
-        <p:spPr>
-          <a:xfrm>
-            <a:off x="838200" y="136525"/>
-            <a:ext cx="10515600" cy="1325563"/>
-          </a:xfrm>
-        </p:spPr>
-        <p:txBody>
-          <a:bodyPr/>
-          <a:lstStyle/>
-          <a:p>
-            <a:r>
-              <a:rPr lang="en-TW" b="1" dirty="0"/>
-              <a:t>Automation</a:t>
-            </a:r>
-          </a:p>
-        </p:txBody>
-      </p:sp>
-      <mc:AlternateContent xmlns:mc="http://schemas.openxmlformats.org/markup-compatibility/2006" xmlns:a14="http://schemas.microsoft.com/office/drawing/2010/main">
-        <mc:Choice Requires="a14">
-          <p:sp>
-            <p:nvSpPr>
-              <p:cNvPr id="3" name="Content Placeholder 2">
-                <a:extLst>
-                  <a:ext uri="{FF2B5EF4-FFF2-40B4-BE49-F238E27FC236}">
-                    <a16:creationId xmlns:a16="http://schemas.microsoft.com/office/drawing/2014/main" id="{25B0A74B-6281-327F-44E6-1E41A778AF7E}"/>
-                  </a:ext>
-                </a:extLst>
-              </p:cNvPr>
-              <p:cNvSpPr>
-                <a:spLocks noGrp="1"/>
-              </p:cNvSpPr>
-              <p:nvPr>
-                <p:ph idx="1"/>
-              </p:nvPr>
-            </p:nvSpPr>
-            <p:spPr>
-              <a:xfrm>
-                <a:off x="615302" y="4396671"/>
-                <a:ext cx="10343911" cy="2142241"/>
-              </a:xfrm>
-            </p:spPr>
-            <p:txBody>
-              <a:bodyPr>
-                <a:noAutofit/>
-              </a:bodyPr>
-              <a:lstStyle/>
-              <a:p>
-                <a:pPr lvl="1"/>
-                <a:r>
-                  <a:rPr lang="en-TW" sz="2800" dirty="0"/>
-                  <a:t>Successfully </a:t>
-                </a:r>
-                <a:r>
-                  <a:rPr lang="en-TW" sz="2800" b="1" dirty="0"/>
-                  <a:t>upload</a:t>
-                </a:r>
-                <a:r>
-                  <a:rPr lang="en-TW" sz="2800" dirty="0"/>
-                  <a:t> the pdf files</a:t>
-                </a:r>
-              </a:p>
-              <a:p>
-                <a:pPr lvl="1"/>
-                <a:r>
-                  <a:rPr lang="en-TW" sz="2800" dirty="0"/>
-                  <a:t>Successfully </a:t>
-                </a:r>
-                <a:r>
-                  <a:rPr lang="en-US" sz="2800" b="1" dirty="0"/>
-                  <a:t>export</a:t>
-                </a:r>
-                <a:r>
-                  <a:rPr lang="en-US" sz="2800" dirty="0"/>
-                  <a:t> the pdf files</a:t>
-                </a:r>
-              </a:p>
-              <a:p>
-                <a:pPr lvl="2"/>
-                <a:r>
-                  <a:rPr lang="en-US" dirty="0"/>
-                  <a:t>Click 3 times and then scroll  </a:t>
-                </a:r>
-                <a14:m>
-                  <m:oMath xmlns:m="http://schemas.openxmlformats.org/officeDocument/2006/math">
-                    <m:f>
-                      <m:fPr>
-                        <m:ctrlPr>
-                          <a:rPr lang="en-US" i="1" dirty="0" smtClean="0">
-                            <a:latin typeface="Cambria Math" panose="02040503050406030204" pitchFamily="18" charset="0"/>
-                          </a:rPr>
-                        </m:ctrlPr>
-                      </m:fPr>
-                      <m:num>
-                        <m:r>
-                          <a:rPr lang="en-US" b="0" i="1" dirty="0" smtClean="0">
-                            <a:latin typeface="Cambria Math" panose="02040503050406030204" pitchFamily="18" charset="0"/>
-                          </a:rPr>
-                          <m:t>1</m:t>
-                        </m:r>
-                      </m:num>
-                      <m:den>
-                        <m:r>
-                          <a:rPr lang="en-US" b="0" i="1" dirty="0" smtClean="0">
-                            <a:latin typeface="Cambria Math" panose="02040503050406030204" pitchFamily="18" charset="0"/>
-                          </a:rPr>
-                          <m:t>3</m:t>
-                        </m:r>
-                      </m:den>
-                    </m:f>
-                    <m:r>
-                      <a:rPr lang="en-US" b="0" i="1" dirty="0" smtClean="0">
-                        <a:latin typeface="Cambria Math" panose="02040503050406030204" pitchFamily="18" charset="0"/>
-                      </a:rPr>
-                      <m:t>  </m:t>
-                    </m:r>
-                  </m:oMath>
-                </a14:m>
-                <a:r>
-                  <a:rPr lang="en-US" dirty="0"/>
-                  <a:t>of the window size</a:t>
-                </a:r>
-                <a:endParaRPr lang="en-TW" dirty="0"/>
-              </a:p>
-            </p:txBody>
-          </p:sp>
-        </mc:Choice>
-        <mc:Fallback xmlns="">
-          <p:sp>
-            <p:nvSpPr>
-              <p:cNvPr id="3" name="Content Placeholder 2">
-                <a:extLst>
-                  <a:ext uri="{FF2B5EF4-FFF2-40B4-BE49-F238E27FC236}">
-                    <a16:creationId xmlns:a16="http://schemas.microsoft.com/office/drawing/2014/main" id="{25B0A74B-6281-327F-44E6-1E41A778AF7E}"/>
-                  </a:ext>
-                </a:extLst>
-              </p:cNvPr>
-              <p:cNvSpPr>
-                <a:spLocks noGrp="1" noRot="1" noChangeAspect="1" noMove="1" noResize="1" noEditPoints="1" noAdjustHandles="1" noChangeArrowheads="1" noChangeShapeType="1" noTextEdit="1"/>
-              </p:cNvSpPr>
-              <p:nvPr>
-                <p:ph idx="1"/>
-              </p:nvPr>
-            </p:nvSpPr>
-            <p:spPr>
-              <a:xfrm>
-                <a:off x="615302" y="4396671"/>
-                <a:ext cx="10343911" cy="2142241"/>
-              </a:xfrm>
-              <a:blipFill>
-                <a:blip r:embed="rId3"/>
-                <a:stretch>
-                  <a:fillRect t="-5294"/>
-                </a:stretch>
-              </a:blipFill>
-            </p:spPr>
-            <p:txBody>
-              <a:bodyPr/>
-              <a:lstStyle/>
-              <a:p>
-                <a:r>
-                  <a:rPr lang="en-TW">
-                    <a:noFill/>
-                  </a:rPr>
-                  <a:t> </a:t>
-                </a:r>
-              </a:p>
-            </p:txBody>
-          </p:sp>
-        </mc:Fallback>
-      </mc:AlternateContent>
-      <p:sp>
-        <p:nvSpPr>
-          <p:cNvPr id="4" name="Slide Number Placeholder 3">
-            <a:extLst>
-              <a:ext uri="{FF2B5EF4-FFF2-40B4-BE49-F238E27FC236}">
-                <a16:creationId xmlns:a16="http://schemas.microsoft.com/office/drawing/2014/main" id="{5CD44B9F-7DE8-0932-BD70-B0BA453E653B}"/>
-              </a:ext>
-            </a:extLst>
-          </p:cNvPr>
-          <p:cNvSpPr>
-            <a:spLocks noGrp="1"/>
-          </p:cNvSpPr>
-          <p:nvPr>
-            <p:ph type="sldNum" sz="quarter" idx="12"/>
-          </p:nvPr>
-        </p:nvSpPr>
-        <p:spPr/>
-        <p:txBody>
-          <a:bodyPr/>
-          <a:lstStyle/>
-          <a:p>
-            <a:fld id="{DB156E10-B3DB-CB42-894C-E44038C8B0C4}" type="slidenum">
-              <a:rPr lang="en-TW" smtClean="0"/>
-              <a:t>15</a:t>
-            </a:fld>
-            <a:endParaRPr lang="en-TW"/>
-          </a:p>
-        </p:txBody>
-      </p:sp>
-      <p:pic>
-        <p:nvPicPr>
-          <p:cNvPr id="9" name="Picture 8">
-            <a:extLst>
-              <a:ext uri="{FF2B5EF4-FFF2-40B4-BE49-F238E27FC236}">
-                <a16:creationId xmlns:a16="http://schemas.microsoft.com/office/drawing/2014/main" id="{FC746E4E-632E-7157-26B3-2160A0BCE448}"/>
-              </a:ext>
-            </a:extLst>
-          </p:cNvPr>
-          <p:cNvPicPr>
-            <a:picLocks noChangeAspect="1"/>
-          </p:cNvPicPr>
-          <p:nvPr/>
-        </p:nvPicPr>
-        <p:blipFill>
-          <a:blip r:embed="rId4"/>
-          <a:stretch>
-            <a:fillRect/>
-          </a:stretch>
-        </p:blipFill>
-        <p:spPr>
-          <a:xfrm>
-            <a:off x="838200" y="1255877"/>
-            <a:ext cx="9898117" cy="3025691"/>
-          </a:xfrm>
-          <a:prstGeom prst="rect">
-            <a:avLst/>
-          </a:prstGeom>
-        </p:spPr>
-      </p:pic>
-      <p:pic>
-        <p:nvPicPr>
-          <p:cNvPr id="6" name="Picture 5">
-            <a:extLst>
-              <a:ext uri="{FF2B5EF4-FFF2-40B4-BE49-F238E27FC236}">
-                <a16:creationId xmlns:a16="http://schemas.microsoft.com/office/drawing/2014/main" id="{95BC6975-B6D6-3E69-C959-BBFFABE9B7CE}"/>
-              </a:ext>
-            </a:extLst>
-          </p:cNvPr>
-          <p:cNvPicPr>
-            <a:picLocks noChangeAspect="1"/>
-          </p:cNvPicPr>
-          <p:nvPr/>
-        </p:nvPicPr>
-        <p:blipFill>
-          <a:blip r:embed="rId5"/>
-          <a:stretch>
-            <a:fillRect/>
-          </a:stretch>
-        </p:blipFill>
-        <p:spPr>
-          <a:xfrm>
-            <a:off x="1847463" y="5829222"/>
-            <a:ext cx="6283206" cy="755641"/>
-          </a:xfrm>
-          <a:prstGeom prst="rect">
-            <a:avLst/>
-          </a:prstGeom>
-        </p:spPr>
-      </p:pic>
-    </p:spTree>
-    <p:extLst>
-      <p:ext uri="{BB962C8B-B14F-4D97-AF65-F5344CB8AC3E}">
-        <p14:creationId xmlns:p14="http://schemas.microsoft.com/office/powerpoint/2010/main" val="2591758008"/>
-      </p:ext>
-    </p:extLst>
-  </p:cSld>
-  <p:clrMapOvr>
-    <a:masterClrMapping/>
-  </p:clrMapOvr>
-  <mc:AlternateContent xmlns:mc="http://schemas.openxmlformats.org/markup-compatibility/2006">
-    <mc:Choice xmlns:p159="http://schemas.microsoft.com/office/powerpoint/2015/09/main" Requires="p159">
-      <p:transition xmlns:p14="http://schemas.microsoft.com/office/powerpoint/2010/main" spd="slow" p14:dur="2000">
-        <p159:morph option="byObject"/>
-      </p:transition>
-    </mc:Choice>
-    <mc:Fallback>
-      <p:transition spd="slow">
-        <p:fade/>
-      </p:transition>
-    </mc:Fallback>
-  </mc:AlternateContent>
-</p:sld>
-</file>
-
-<file path=ppt/slides/slide16.xml><?xml version="1.0" encoding="utf-8"?>
-<p:sld xmlns:a="http://schemas.openxmlformats.org/drawingml/2006/main" xmlns:r="http://schemas.openxmlformats.org/officeDocument/2006/relationships" xmlns:p="http://schemas.openxmlformats.org/presentationml/2006/main">
-  <p:cSld>
-    <p:spTree>
-      <p:nvGrpSpPr>
-        <p:cNvPr id="1" name=""/>
-        <p:cNvGrpSpPr/>
-        <p:nvPr/>
-      </p:nvGrpSpPr>
-      <p:grpSpPr>
-        <a:xfrm>
-          <a:off x="0" y="0"/>
-          <a:ext cx="0" cy="0"/>
-          <a:chOff x="0" y="0"/>
-          <a:chExt cx="0" cy="0"/>
-        </a:xfrm>
-      </p:grpSpPr>
-      <p:sp>
-        <p:nvSpPr>
-          <p:cNvPr id="4" name="Slide Number Placeholder 3">
-            <a:extLst>
-              <a:ext uri="{FF2B5EF4-FFF2-40B4-BE49-F238E27FC236}">
-                <a16:creationId xmlns:a16="http://schemas.microsoft.com/office/drawing/2014/main" id="{2BC4D631-FD05-0882-9331-7401BF92027E}"/>
-              </a:ext>
-            </a:extLst>
-          </p:cNvPr>
-          <p:cNvSpPr>
-            <a:spLocks noGrp="1"/>
-          </p:cNvSpPr>
-          <p:nvPr>
-            <p:ph type="sldNum" sz="quarter" idx="12"/>
-          </p:nvPr>
-        </p:nvSpPr>
-        <p:spPr/>
-        <p:txBody>
-          <a:bodyPr/>
-          <a:lstStyle/>
-          <a:p>
-            <a:fld id="{DB156E10-B3DB-CB42-894C-E44038C8B0C4}" type="slidenum">
-              <a:rPr lang="en-TW" smtClean="0"/>
-              <a:t>16</a:t>
+              <a:t>19</a:t>
             </a:fld>
             <a:endParaRPr lang="en-TW"/>
           </a:p>
@@ -6483,13 +7793,13 @@
   <p:clrMapOvr>
     <a:masterClrMapping/>
   </p:clrMapOvr>
-  <mc:AlternateContent xmlns:mc="http://schemas.openxmlformats.org/markup-compatibility/2006">
-    <mc:Choice xmlns:p159="http://schemas.microsoft.com/office/powerpoint/2015/09/main" Requires="p159">
+  <mc:AlternateContent xmlns:mc="http://schemas.openxmlformats.org/markup-compatibility/2006" xmlns:p159="http://schemas.microsoft.com/office/powerpoint/2015/09/main">
+    <mc:Choice Requires="p159">
       <p:transition xmlns:p14="http://schemas.microsoft.com/office/powerpoint/2010/main" spd="slow" p14:dur="2000">
         <p159:morph option="byObject"/>
       </p:transition>
     </mc:Choice>
-    <mc:Fallback>
+    <mc:Fallback xmlns="">
       <p:transition spd="slow">
         <p:fade/>
       </p:transition>
@@ -6605,7 +7915,7 @@
             </a:pPr>
             <a:r>
               <a:rPr lang="en-TW" b="1" dirty="0"/>
-              <a:t>Observation</a:t>
+              <a:t>Experiment</a:t>
             </a:r>
           </a:p>
           <a:p>
@@ -6687,13 +7997,13 @@
   <p:clrMapOvr>
     <a:masterClrMapping/>
   </p:clrMapOvr>
-  <mc:AlternateContent xmlns:mc="http://schemas.openxmlformats.org/markup-compatibility/2006">
-    <mc:Choice xmlns:p159="http://schemas.microsoft.com/office/powerpoint/2015/09/main" Requires="p159">
+  <mc:AlternateContent xmlns:mc="http://schemas.openxmlformats.org/markup-compatibility/2006" xmlns:p159="http://schemas.microsoft.com/office/powerpoint/2015/09/main">
+    <mc:Choice Requires="p159">
       <p:transition xmlns:p14="http://schemas.microsoft.com/office/powerpoint/2010/main" spd="slow" p14:dur="2000">
         <p159:morph option="byObject"/>
       </p:transition>
     </mc:Choice>
-    <mc:Fallback>
+    <mc:Fallback xmlns="">
       <p:transition spd="slow">
         <p:fade/>
       </p:transition>
@@ -6798,13 +8108,13 @@
   <p:clrMapOvr>
     <a:masterClrMapping/>
   </p:clrMapOvr>
-  <mc:AlternateContent xmlns:mc="http://schemas.openxmlformats.org/markup-compatibility/2006">
-    <mc:Choice xmlns:p159="http://schemas.microsoft.com/office/powerpoint/2015/09/main" Requires="p159">
+  <mc:AlternateContent xmlns:mc="http://schemas.openxmlformats.org/markup-compatibility/2006" xmlns:p159="http://schemas.microsoft.com/office/powerpoint/2015/09/main">
+    <mc:Choice Requires="p159">
       <p:transition xmlns:p14="http://schemas.microsoft.com/office/powerpoint/2010/main" spd="slow" p14:dur="2000">
         <p159:morph option="byObject"/>
       </p:transition>
     </mc:Choice>
-    <mc:Fallback>
+    <mc:Fallback xmlns="">
       <p:transition spd="slow">
         <p:fade/>
       </p:transition>
@@ -7013,13 +8323,13 @@
   <p:clrMapOvr>
     <a:masterClrMapping/>
   </p:clrMapOvr>
-  <mc:AlternateContent xmlns:mc="http://schemas.openxmlformats.org/markup-compatibility/2006">
-    <mc:Choice xmlns:p159="http://schemas.microsoft.com/office/powerpoint/2015/09/main" Requires="p159">
+  <mc:AlternateContent xmlns:mc="http://schemas.openxmlformats.org/markup-compatibility/2006" xmlns:p159="http://schemas.microsoft.com/office/powerpoint/2015/09/main">
+    <mc:Choice Requires="p159">
       <p:transition xmlns:p14="http://schemas.microsoft.com/office/powerpoint/2010/main" spd="slow" p14:dur="2000">
         <p159:morph option="byObject"/>
       </p:transition>
     </mc:Choice>
-    <mc:Fallback>
+    <mc:Fallback xmlns="">
       <p:transition spd="slow">
         <p:fade/>
       </p:transition>
@@ -7187,7 +8497,7 @@
         <p:spPr>
           <a:xfrm>
             <a:off x="617084" y="3680258"/>
-            <a:ext cx="10300640" cy="1446550"/>
+            <a:ext cx="10417788" cy="1785104"/>
           </a:xfrm>
           <a:prstGeom prst="rect">
             <a:avLst/>
@@ -7206,7 +8516,7 @@
             </a:pPr>
             <a:r>
               <a:rPr lang="en-US" sz="2200" dirty="0"/>
-              <a:t>Have 165 AP, each AP has 1000 variation </a:t>
+              <a:t>Have 165 APs, each AP has 1000 variation </a:t>
             </a:r>
             <a:r>
               <a:rPr lang="en-US" sz="2000" dirty="0">
@@ -7243,6 +8553,8 @@
               </a:rPr>
               <a:t> 1:1:8</a:t>
             </a:r>
+          </a:p>
+          <a:p>
             <a:endParaRPr lang="en-US" sz="2200" dirty="0"/>
           </a:p>
           <a:p>
@@ -7252,16 +8564,35 @@
             </a:pPr>
             <a:r>
               <a:rPr lang="en-US" sz="2200" dirty="0"/>
-              <a:t>Use </a:t>
+              <a:t>Use transR_50, transE_50, transH_50, </a:t>
             </a:r>
             <a:r>
               <a:rPr lang="en-US" sz="2200" dirty="0" err="1"/>
-              <a:t>transR</a:t>
+              <a:t>secureBERT</a:t>
             </a:r>
             <a:r>
               <a:rPr lang="en-US" sz="2200" dirty="0"/>
-              <a:t> 50-dim vector as embedding</a:t>
-            </a:r>
+              <a:t>… as embedding </a:t>
+            </a:r>
+            <a:r>
+              <a:rPr lang="en-US" sz="2000" dirty="0">
+                <a:sym typeface="Wingdings" pitchFamily="2" charset="2"/>
+              </a:rPr>
+              <a:t></a:t>
+            </a:r>
+            <a:r>
+              <a:rPr lang="en-US" sz="2200" dirty="0">
+                <a:sym typeface="Wingdings" pitchFamily="2" charset="2"/>
+              </a:rPr>
+              <a:t> </a:t>
+            </a:r>
+            <a:r>
+              <a:rPr lang="en-US" sz="2200" b="1" dirty="0">
+                <a:sym typeface="Wingdings" pitchFamily="2" charset="2"/>
+              </a:rPr>
+              <a:t>8 versions</a:t>
+            </a:r>
+            <a:endParaRPr lang="en-US" sz="2200" b="1" dirty="0"/>
           </a:p>
           <a:p>
             <a:pPr marL="285750" indent="-285750">
@@ -7304,13 +8635,13 @@
   <p:clrMapOvr>
     <a:masterClrMapping/>
   </p:clrMapOvr>
-  <mc:AlternateContent xmlns:mc="http://schemas.openxmlformats.org/markup-compatibility/2006">
-    <mc:Choice xmlns:p159="http://schemas.microsoft.com/office/powerpoint/2015/09/main" Requires="p159">
+  <mc:AlternateContent xmlns:mc="http://schemas.openxmlformats.org/markup-compatibility/2006" xmlns:p159="http://schemas.microsoft.com/office/powerpoint/2015/09/main">
+    <mc:Choice Requires="p159">
       <p:transition xmlns:p14="http://schemas.microsoft.com/office/powerpoint/2010/main" spd="slow" p14:dur="2000">
         <p159:morph option="byObject"/>
       </p:transition>
     </mc:Choice>
-    <mc:Fallback>
+    <mc:Fallback xmlns="">
       <p:transition spd="slow">
         <p:fade/>
       </p:transition>
@@ -7354,7 +8685,7 @@
         </p:nvSpPr>
         <p:spPr>
           <a:xfrm>
-            <a:off x="366079" y="273051"/>
+            <a:off x="366079" y="86444"/>
             <a:ext cx="10515600" cy="1325563"/>
           </a:xfrm>
         </p:spPr>
@@ -7364,7 +8695,7 @@
           <a:p>
             <a:r>
               <a:rPr lang="en-TW" b="1" dirty="0"/>
-              <a:t>Observation</a:t>
+              <a:t>Experiment</a:t>
             </a:r>
           </a:p>
         </p:txBody>
@@ -7398,6 +8729,260 @@
           </a:p>
         </p:txBody>
       </p:sp>
+      <p:sp>
+        <p:nvSpPr>
+          <p:cNvPr id="3" name="TextBox 2">
+            <a:extLst>
+              <a:ext uri="{FF2B5EF4-FFF2-40B4-BE49-F238E27FC236}">
+                <a16:creationId xmlns:a16="http://schemas.microsoft.com/office/drawing/2014/main" id="{4BE68797-CB82-0116-07DD-1366D6F7C47E}"/>
+              </a:ext>
+            </a:extLst>
+          </p:cNvPr>
+          <p:cNvSpPr txBox="1"/>
+          <p:nvPr/>
+        </p:nvSpPr>
+        <p:spPr>
+          <a:xfrm>
+            <a:off x="513227" y="1165030"/>
+            <a:ext cx="11312694" cy="5693866"/>
+          </a:xfrm>
+          <a:prstGeom prst="rect">
+            <a:avLst/>
+          </a:prstGeom>
+          <a:noFill/>
+        </p:spPr>
+        <p:txBody>
+          <a:bodyPr wrap="square" rtlCol="0">
+            <a:spAutoFit/>
+          </a:bodyPr>
+          <a:lstStyle/>
+          <a:p>
+            <a:pPr marL="457200" indent="-457200">
+              <a:buFont typeface="Arial" panose="020B0604020202020204" pitchFamily="34" charset="0"/>
+              <a:buChar char="•"/>
+            </a:pPr>
+            <a:r>
+              <a:rPr lang="en-TW" sz="2600" b="1" dirty="0"/>
+              <a:t>Experiment 1: </a:t>
+            </a:r>
+          </a:p>
+          <a:p>
+            <a:pPr marL="914400" lvl="1" indent="-457200">
+              <a:buFont typeface="Arial" panose="020B0604020202020204" pitchFamily="34" charset="0"/>
+              <a:buChar char="•"/>
+            </a:pPr>
+            <a:r>
+              <a:rPr lang="en-TW" sz="2600" dirty="0"/>
+              <a:t>Dataset is 165 A</a:t>
+            </a:r>
+            <a:r>
+              <a:rPr lang="en-US" sz="2600" dirty="0"/>
+              <a:t>Ps with 8 versions of embedding</a:t>
+            </a:r>
+          </a:p>
+          <a:p>
+            <a:pPr marL="914400" lvl="1" indent="-457200">
+              <a:buFont typeface="Arial" panose="020B0604020202020204" pitchFamily="34" charset="0"/>
+              <a:buChar char="•"/>
+            </a:pPr>
+            <a:r>
+              <a:rPr lang="en-US" sz="2600" dirty="0"/>
+              <a:t>Graph classification</a:t>
+            </a:r>
+          </a:p>
+          <a:p>
+            <a:pPr marL="914400" lvl="1" indent="-457200">
+              <a:buFont typeface="Arial" panose="020B0604020202020204" pitchFamily="34" charset="0"/>
+              <a:buChar char="•"/>
+            </a:pPr>
+            <a:endParaRPr lang="en-TW" sz="2600" dirty="0"/>
+          </a:p>
+          <a:p>
+            <a:pPr marL="457200" indent="-457200">
+              <a:buFont typeface="Arial" panose="020B0604020202020204" pitchFamily="34" charset="0"/>
+              <a:buChar char="•"/>
+            </a:pPr>
+            <a:r>
+              <a:rPr lang="en-TW" sz="2600" b="1" dirty="0"/>
+              <a:t>Experiment 2: </a:t>
+            </a:r>
+          </a:p>
+          <a:p>
+            <a:pPr marL="914400" lvl="1" indent="-457200">
+              <a:buFont typeface="Arial" panose="020B0604020202020204" pitchFamily="34" charset="0"/>
+              <a:buChar char="•"/>
+            </a:pPr>
+            <a:r>
+              <a:rPr lang="en-TW" sz="2600" dirty="0"/>
+              <a:t>Experiment 1 + </a:t>
+            </a:r>
+            <a:r>
+              <a:rPr lang="en-TW" sz="2600" b="1" dirty="0"/>
+              <a:t>benign</a:t>
+            </a:r>
+            <a:r>
+              <a:rPr lang="en-TW" sz="2600" dirty="0"/>
+              <a:t> data </a:t>
+            </a:r>
+          </a:p>
+          <a:p>
+            <a:pPr marL="914400" lvl="1" indent="-457200">
+              <a:buFont typeface="Arial" panose="020B0604020202020204" pitchFamily="34" charset="0"/>
+              <a:buChar char="•"/>
+            </a:pPr>
+            <a:r>
+              <a:rPr lang="en-US" sz="2600" dirty="0"/>
+              <a:t>B</a:t>
+            </a:r>
+            <a:r>
+              <a:rPr lang="en-TW" sz="2600" dirty="0"/>
+              <a:t>enign made from benign.txt </a:t>
+            </a:r>
+            <a:r>
+              <a:rPr lang="en-TW" sz="2400" dirty="0">
+                <a:sym typeface="Wingdings" pitchFamily="2" charset="2"/>
+              </a:rPr>
+              <a:t></a:t>
+            </a:r>
+            <a:r>
+              <a:rPr lang="en-TW" sz="2600" dirty="0">
+                <a:sym typeface="Wingdings" pitchFamily="2" charset="2"/>
+              </a:rPr>
+              <a:t> 1000 graphs</a:t>
+            </a:r>
+          </a:p>
+          <a:p>
+            <a:pPr marL="914400" lvl="1" indent="-457200">
+              <a:buFont typeface="Arial" panose="020B0604020202020204" pitchFamily="34" charset="0"/>
+              <a:buChar char="•"/>
+            </a:pPr>
+            <a:r>
+              <a:rPr lang="en-US" sz="2600" dirty="0"/>
+              <a:t>Graph classification</a:t>
+            </a:r>
+          </a:p>
+          <a:p>
+            <a:pPr lvl="1"/>
+            <a:endParaRPr lang="en-TW" sz="2600" dirty="0"/>
+          </a:p>
+          <a:p>
+            <a:pPr marL="457200" indent="-457200">
+              <a:buFont typeface="Arial" panose="020B0604020202020204" pitchFamily="34" charset="0"/>
+              <a:buChar char="•"/>
+            </a:pPr>
+            <a:r>
+              <a:rPr lang="en-TW" sz="2600" b="1" dirty="0"/>
+              <a:t>Experiment 3: </a:t>
+            </a:r>
+          </a:p>
+          <a:p>
+            <a:pPr marL="914400" lvl="1" indent="-457200">
+              <a:buFont typeface="Arial" panose="020B0604020202020204" pitchFamily="34" charset="0"/>
+              <a:buChar char="•"/>
+            </a:pPr>
+            <a:r>
+              <a:rPr lang="en-US" sz="2600" dirty="0"/>
+              <a:t>C</a:t>
+            </a:r>
+            <a:r>
+              <a:rPr lang="en-TW" sz="2600" dirty="0"/>
+              <a:t>onsider the </a:t>
+            </a:r>
+            <a:r>
+              <a:rPr lang="en-TW" sz="2600" b="1" dirty="0"/>
+              <a:t>neighbor</a:t>
+            </a:r>
+            <a:r>
+              <a:rPr lang="en-TW" sz="2600" dirty="0"/>
+              <a:t> benign nodes</a:t>
+            </a:r>
+          </a:p>
+          <a:p>
+            <a:pPr marL="914400" lvl="1" indent="-457200">
+              <a:buFont typeface="Arial" panose="020B0604020202020204" pitchFamily="34" charset="0"/>
+              <a:buChar char="•"/>
+            </a:pPr>
+            <a:r>
+              <a:rPr lang="en-TW" sz="2600" dirty="0"/>
+              <a:t>Edge classification</a:t>
+            </a:r>
+          </a:p>
+          <a:p>
+            <a:pPr marL="914400" lvl="1" indent="-457200">
+              <a:buFont typeface="Arial" panose="020B0604020202020204" pitchFamily="34" charset="0"/>
+              <a:buChar char="•"/>
+            </a:pPr>
+            <a:endParaRPr lang="en-TW" sz="2600" dirty="0"/>
+          </a:p>
+          <a:p>
+            <a:pPr marL="914400" lvl="1" indent="-457200">
+              <a:buFont typeface="Arial" panose="020B0604020202020204" pitchFamily="34" charset="0"/>
+              <a:buChar char="•"/>
+            </a:pPr>
+            <a:endParaRPr lang="en-US" sz="2600" dirty="0"/>
+          </a:p>
+        </p:txBody>
+      </p:sp>
+      <p:pic>
+        <p:nvPicPr>
+          <p:cNvPr id="6" name="Picture 5">
+            <a:extLst>
+              <a:ext uri="{FF2B5EF4-FFF2-40B4-BE49-F238E27FC236}">
+                <a16:creationId xmlns:a16="http://schemas.microsoft.com/office/drawing/2014/main" id="{59815BC5-8938-0C42-0EA5-613D3319E7F1}"/>
+              </a:ext>
+            </a:extLst>
+          </p:cNvPr>
+          <p:cNvPicPr>
+            <a:picLocks noChangeAspect="1"/>
+          </p:cNvPicPr>
+          <p:nvPr/>
+        </p:nvPicPr>
+        <p:blipFill>
+          <a:blip r:embed="rId3"/>
+          <a:stretch>
+            <a:fillRect/>
+          </a:stretch>
+        </p:blipFill>
+        <p:spPr>
+          <a:xfrm>
+            <a:off x="8351297" y="1664137"/>
+            <a:ext cx="2743200" cy="2096553"/>
+          </a:xfrm>
+          <a:prstGeom prst="rect">
+            <a:avLst/>
+          </a:prstGeom>
+        </p:spPr>
+      </p:pic>
+      <p:pic>
+        <p:nvPicPr>
+          <p:cNvPr id="7" name="Picture 6">
+            <a:extLst>
+              <a:ext uri="{FF2B5EF4-FFF2-40B4-BE49-F238E27FC236}">
+                <a16:creationId xmlns:a16="http://schemas.microsoft.com/office/drawing/2014/main" id="{339AB3FA-BB6B-E4C8-8145-FDEBB61DE75B}"/>
+              </a:ext>
+            </a:extLst>
+          </p:cNvPr>
+          <p:cNvPicPr>
+            <a:picLocks noChangeAspect="1"/>
+          </p:cNvPicPr>
+          <p:nvPr/>
+        </p:nvPicPr>
+        <p:blipFill>
+          <a:blip r:embed="rId4"/>
+          <a:stretch>
+            <a:fillRect/>
+          </a:stretch>
+        </p:blipFill>
+        <p:spPr>
+          <a:xfrm>
+            <a:off x="6795844" y="4506774"/>
+            <a:ext cx="2685270" cy="2096553"/>
+          </a:xfrm>
+          <a:prstGeom prst="rect">
+            <a:avLst/>
+          </a:prstGeom>
+        </p:spPr>
+      </p:pic>
     </p:spTree>
     <p:extLst>
       <p:ext uri="{BB962C8B-B14F-4D97-AF65-F5344CB8AC3E}">
@@ -7408,13 +8993,13 @@
   <p:clrMapOvr>
     <a:masterClrMapping/>
   </p:clrMapOvr>
-  <mc:AlternateContent xmlns:mc="http://schemas.openxmlformats.org/markup-compatibility/2006">
-    <mc:Choice xmlns:p159="http://schemas.microsoft.com/office/powerpoint/2015/09/main" Requires="p159">
+  <mc:AlternateContent xmlns:mc="http://schemas.openxmlformats.org/markup-compatibility/2006" xmlns:p159="http://schemas.microsoft.com/office/powerpoint/2015/09/main">
+    <mc:Choice Requires="p159">
       <p:transition xmlns:p14="http://schemas.microsoft.com/office/powerpoint/2010/main" spd="slow" p14:dur="2000">
         <p159:morph option="byObject"/>
       </p:transition>
     </mc:Choice>
-    <mc:Fallback>
+    <mc:Fallback xmlns="">
       <p:transition spd="slow">
         <p:fade/>
       </p:transition>
@@ -7445,38 +9030,32 @@
           <p:cNvPr id="2" name="Title 1">
             <a:extLst>
               <a:ext uri="{FF2B5EF4-FFF2-40B4-BE49-F238E27FC236}">
-                <a16:creationId xmlns:a16="http://schemas.microsoft.com/office/drawing/2014/main" id="{2D1F1D5D-BC21-FE6C-199A-114DD8A93B70}"/>
-              </a:ext>
-            </a:extLst>
-          </p:cNvPr>
-          <p:cNvSpPr>
-            <a:spLocks noGrp="1"/>
-          </p:cNvSpPr>
-          <p:nvPr>
-            <p:ph type="ctrTitle"/>
+                <a16:creationId xmlns:a16="http://schemas.microsoft.com/office/drawing/2014/main" id="{2B533BED-E48C-5E7F-2273-C55CCE98516B}"/>
+              </a:ext>
+            </a:extLst>
+          </p:cNvPr>
+          <p:cNvSpPr>
+            <a:spLocks noGrp="1"/>
+          </p:cNvSpPr>
+          <p:nvPr>
+            <p:ph type="title"/>
           </p:nvPr>
         </p:nvSpPr>
         <p:spPr>
           <a:xfrm>
-            <a:off x="1056289" y="1492465"/>
-            <a:ext cx="10079421" cy="2387600"/>
+            <a:off x="366079" y="273051"/>
+            <a:ext cx="10515600" cy="1325563"/>
           </a:xfrm>
         </p:spPr>
         <p:txBody>
-          <a:bodyPr>
-            <a:normAutofit/>
-          </a:bodyPr>
-          <a:lstStyle/>
-          <a:p>
-            <a:pPr>
-              <a:lnSpc>
-                <a:spcPct val="110000"/>
-              </a:lnSpc>
-            </a:pPr>
-            <a:r>
-              <a:rPr lang="en-TW" sz="4800" b="1" dirty="0"/>
-              <a:t>TRAM</a:t>
-            </a:r>
+          <a:bodyPr/>
+          <a:lstStyle/>
+          <a:p>
+            <a:r>
+              <a:rPr lang="en-US" b="1" dirty="0"/>
+              <a:t>Experiment 1</a:t>
+            </a:r>
+            <a:endParaRPr lang="en-TW" b="1" dirty="0"/>
           </a:p>
         </p:txBody>
       </p:sp>
@@ -7485,7 +9064,7 @@
           <p:cNvPr id="4" name="Slide Number Placeholder 3">
             <a:extLst>
               <a:ext uri="{FF2B5EF4-FFF2-40B4-BE49-F238E27FC236}">
-                <a16:creationId xmlns:a16="http://schemas.microsoft.com/office/drawing/2014/main" id="{2BC4D631-FD05-0882-9331-7401BF92027E}"/>
+                <a16:creationId xmlns:a16="http://schemas.microsoft.com/office/drawing/2014/main" id="{5CD44B9F-7DE8-0932-BD70-B0BA453E653B}"/>
               </a:ext>
             </a:extLst>
           </p:cNvPr>
@@ -7505,27 +9084,237 @@
               <a:rPr lang="en-TW" smtClean="0"/>
               <a:t>7</a:t>
             </a:fld>
-            <a:endParaRPr lang="en-TW"/>
+            <a:endParaRPr lang="en-TW" dirty="0"/>
+          </a:p>
+        </p:txBody>
+      </p:sp>
+      <p:sp>
+        <p:nvSpPr>
+          <p:cNvPr id="3" name="TextBox 2">
+            <a:extLst>
+              <a:ext uri="{FF2B5EF4-FFF2-40B4-BE49-F238E27FC236}">
+                <a16:creationId xmlns:a16="http://schemas.microsoft.com/office/drawing/2014/main" id="{D0F20B32-F160-EF09-F6B3-E796CBC92447}"/>
+              </a:ext>
+            </a:extLst>
+          </p:cNvPr>
+          <p:cNvSpPr txBox="1"/>
+          <p:nvPr/>
+        </p:nvSpPr>
+        <p:spPr>
+          <a:xfrm>
+            <a:off x="567266" y="1722791"/>
+            <a:ext cx="10665178" cy="2369880"/>
+          </a:xfrm>
+          <a:prstGeom prst="rect">
+            <a:avLst/>
+          </a:prstGeom>
+          <a:noFill/>
+        </p:spPr>
+        <p:txBody>
+          <a:bodyPr wrap="square" rtlCol="0">
+            <a:spAutoFit/>
+          </a:bodyPr>
+          <a:lstStyle/>
+          <a:p>
+            <a:pPr marL="285750" indent="-285750">
+              <a:buFont typeface="Arial" panose="020B0604020202020204" pitchFamily="34" charset="0"/>
+              <a:buChar char="•"/>
+            </a:pPr>
+            <a:r>
+              <a:rPr lang="en-US" sz="2600" dirty="0"/>
+              <a:t>T</a:t>
+            </a:r>
+            <a:r>
+              <a:rPr lang="en-TW" sz="2600" dirty="0"/>
+              <a:t>otal: 100 epochs</a:t>
+            </a:r>
+          </a:p>
+          <a:p>
+            <a:pPr marL="285750" indent="-285750">
+              <a:buFont typeface="Arial" panose="020B0604020202020204" pitchFamily="34" charset="0"/>
+              <a:buChar char="•"/>
+            </a:pPr>
+            <a:r>
+              <a:rPr lang="en-TW" sz="2600" dirty="0"/>
+              <a:t>About 30 epochs, they seem to be have the similar performance</a:t>
+            </a:r>
+          </a:p>
+          <a:p>
+            <a:pPr marL="285750" indent="-285750">
+              <a:buFont typeface="Arial" panose="020B0604020202020204" pitchFamily="34" charset="0"/>
+              <a:buChar char="•"/>
+            </a:pPr>
+            <a:r>
+              <a:rPr lang="en-TW" sz="2600" dirty="0"/>
+              <a:t>Except </a:t>
+            </a:r>
+            <a:r>
+              <a:rPr lang="en-TW" sz="2600" b="1" dirty="0"/>
+              <a:t>secureBERT</a:t>
+            </a:r>
+            <a:r>
+              <a:rPr lang="en-TW" sz="2600" dirty="0"/>
+              <a:t>, all about 40% test accuracy</a:t>
+            </a:r>
+          </a:p>
+          <a:p>
+            <a:pPr marL="285750" indent="-285750">
+              <a:buFont typeface="Arial" panose="020B0604020202020204" pitchFamily="34" charset="0"/>
+              <a:buChar char="•"/>
+            </a:pPr>
+            <a:r>
+              <a:rPr lang="en-TW" sz="2600" dirty="0"/>
+              <a:t>secureBERT early stopped at epoch 50 with </a:t>
+            </a:r>
+            <a:r>
+              <a:rPr lang="en-TW" sz="2600" dirty="0">
+                <a:solidFill>
+                  <a:srgbClr val="FF0000"/>
+                </a:solidFill>
+              </a:rPr>
+              <a:t>10% test accuracy </a:t>
+            </a:r>
+          </a:p>
+          <a:p>
+            <a:pPr marL="742950" lvl="1" indent="-285750">
+              <a:buFont typeface="Arial" panose="020B0604020202020204" pitchFamily="34" charset="0"/>
+              <a:buChar char="•"/>
+            </a:pPr>
+            <a:r>
+              <a:rPr lang="en-US" sz="2200" dirty="0"/>
+              <a:t>S</a:t>
+            </a:r>
+            <a:r>
+              <a:rPr lang="en-TW" sz="2200" dirty="0"/>
+              <a:t>ince the dimension of the embedding is way more larger ?!</a:t>
+            </a:r>
+          </a:p>
+          <a:p>
+            <a:pPr marL="742950" lvl="1" indent="-285750">
+              <a:buFont typeface="Arial" panose="020B0604020202020204" pitchFamily="34" charset="0"/>
+              <a:buChar char="•"/>
+            </a:pPr>
+            <a:r>
+              <a:rPr lang="en-US" sz="2200" dirty="0"/>
+              <a:t>D</a:t>
+            </a:r>
+            <a:r>
+              <a:rPr lang="en-TW" sz="2200" dirty="0"/>
+              <a:t>imension of SeureBERT’s node embedding is from 768 </a:t>
+            </a:r>
+            <a:r>
+              <a:rPr lang="en-TW" sz="2000" dirty="0">
+                <a:sym typeface="Wingdings" pitchFamily="2" charset="2"/>
+              </a:rPr>
+              <a:t></a:t>
+            </a:r>
+            <a:r>
+              <a:rPr lang="en-TW" sz="2200" dirty="0">
+                <a:sym typeface="Wingdings" pitchFamily="2" charset="2"/>
+              </a:rPr>
+              <a:t> 250 </a:t>
+            </a:r>
+          </a:p>
+        </p:txBody>
+      </p:sp>
+      <p:sp>
+        <p:nvSpPr>
+          <p:cNvPr id="9" name="TextBox 8">
+            <a:extLst>
+              <a:ext uri="{FF2B5EF4-FFF2-40B4-BE49-F238E27FC236}">
+                <a16:creationId xmlns:a16="http://schemas.microsoft.com/office/drawing/2014/main" id="{F13322F7-86E6-6095-FF03-904AE4D536EB}"/>
+              </a:ext>
+            </a:extLst>
+          </p:cNvPr>
+          <p:cNvSpPr txBox="1"/>
+          <p:nvPr/>
+        </p:nvSpPr>
+        <p:spPr>
+          <a:xfrm>
+            <a:off x="567266" y="4700222"/>
+            <a:ext cx="8537978" cy="892552"/>
+          </a:xfrm>
+          <a:prstGeom prst="rect">
+            <a:avLst/>
+          </a:prstGeom>
+          <a:noFill/>
+        </p:spPr>
+        <p:txBody>
+          <a:bodyPr wrap="none" rtlCol="0">
+            <a:spAutoFit/>
+          </a:bodyPr>
+          <a:lstStyle/>
+          <a:p>
+            <a:pPr marL="457200" indent="-457200">
+              <a:buFont typeface="Arial" panose="020B0604020202020204" pitchFamily="34" charset="0"/>
+              <a:buChar char="•"/>
+            </a:pPr>
+            <a:r>
+              <a:rPr lang="en-US" sz="2600" dirty="0"/>
+              <a:t>R</a:t>
+            </a:r>
+            <a:r>
+              <a:rPr lang="en-TW" sz="2600" dirty="0"/>
+              <a:t>ecord the training in a </a:t>
+            </a:r>
+            <a:r>
+              <a:rPr lang="en-TW" sz="2600" b="1" dirty="0"/>
+              <a:t>log</a:t>
+            </a:r>
+            <a:r>
+              <a:rPr lang="en-TW" sz="2600" dirty="0"/>
+              <a:t> </a:t>
+            </a:r>
+            <a:r>
+              <a:rPr lang="en-TW" sz="2600" b="1" dirty="0"/>
+              <a:t>file</a:t>
+            </a:r>
+          </a:p>
+          <a:p>
+            <a:pPr marL="457200" indent="-457200">
+              <a:buFont typeface="Arial" panose="020B0604020202020204" pitchFamily="34" charset="0"/>
+              <a:buChar char="•"/>
+            </a:pPr>
+            <a:r>
+              <a:rPr lang="en-TW" sz="2600" dirty="0"/>
+              <a:t>Also record the </a:t>
+            </a:r>
+            <a:r>
+              <a:rPr lang="en-TW" sz="2600" b="1" dirty="0"/>
+              <a:t>classification</a:t>
+            </a:r>
+            <a:r>
+              <a:rPr lang="en-TW" sz="2600" dirty="0"/>
+              <a:t> </a:t>
+            </a:r>
+            <a:r>
+              <a:rPr lang="en-TW" sz="2600" b="1" dirty="0"/>
+              <a:t>report</a:t>
+            </a:r>
+            <a:r>
+              <a:rPr lang="en-TW" sz="2600" dirty="0"/>
+              <a:t> supportedd by sklearn</a:t>
+            </a:r>
           </a:p>
         </p:txBody>
       </p:sp>
     </p:spTree>
     <p:extLst>
       <p:ext uri="{BB962C8B-B14F-4D97-AF65-F5344CB8AC3E}">
-        <p14:creationId xmlns:p14="http://schemas.microsoft.com/office/powerpoint/2010/main" val="3852455543"/>
+        <p14:creationId xmlns:p14="http://schemas.microsoft.com/office/powerpoint/2010/main" val="2595922396"/>
       </p:ext>
     </p:extLst>
   </p:cSld>
   <p:clrMapOvr>
     <a:masterClrMapping/>
   </p:clrMapOvr>
-  <mc:AlternateContent xmlns:mc="http://schemas.openxmlformats.org/markup-compatibility/2006">
-    <mc:Choice xmlns:p159="http://schemas.microsoft.com/office/powerpoint/2015/09/main" Requires="p159">
+  <mc:AlternateContent xmlns:mc="http://schemas.openxmlformats.org/markup-compatibility/2006" xmlns:p159="http://schemas.microsoft.com/office/powerpoint/2015/09/main">
+    <mc:Choice Requires="p159">
       <p:transition xmlns:p14="http://schemas.microsoft.com/office/powerpoint/2010/main" spd="slow" p14:dur="2000">
         <p159:morph option="byObject"/>
       </p:transition>
     </mc:Choice>
-    <mc:Fallback>
+    <mc:Fallback xmlns="">
       <p:transition spd="slow">
         <p:fade/>
       </p:transition>
@@ -7569,7 +9358,7 @@
         </p:nvSpPr>
         <p:spPr>
           <a:xfrm>
-            <a:off x="466287" y="373259"/>
+            <a:off x="374904" y="197907"/>
             <a:ext cx="10515600" cy="1325563"/>
           </a:xfrm>
         </p:spPr>
@@ -7578,8 +9367,53 @@
           <a:lstStyle/>
           <a:p>
             <a:r>
-              <a:rPr lang="en-TW" b="1" dirty="0"/>
-              <a:t>Result</a:t>
+              <a:rPr lang="en-US" b="1" dirty="0"/>
+              <a:t>Experiment 1</a:t>
+            </a:r>
+            <a:endParaRPr lang="en-TW" b="1" dirty="0"/>
+          </a:p>
+        </p:txBody>
+      </p:sp>
+      <p:sp>
+        <p:nvSpPr>
+          <p:cNvPr id="3" name="Content Placeholder 2">
+            <a:extLst>
+              <a:ext uri="{FF2B5EF4-FFF2-40B4-BE49-F238E27FC236}">
+                <a16:creationId xmlns:a16="http://schemas.microsoft.com/office/drawing/2014/main" id="{25B0A74B-6281-327F-44E6-1E41A778AF7E}"/>
+              </a:ext>
+            </a:extLst>
+          </p:cNvPr>
+          <p:cNvSpPr>
+            <a:spLocks noGrp="1"/>
+          </p:cNvSpPr>
+          <p:nvPr>
+            <p:ph idx="1"/>
+          </p:nvPr>
+        </p:nvSpPr>
+        <p:spPr>
+          <a:xfrm>
+            <a:off x="691698" y="1480021"/>
+            <a:ext cx="9882011" cy="670836"/>
+          </a:xfrm>
+        </p:spPr>
+        <p:txBody>
+          <a:bodyPr>
+            <a:normAutofit/>
+          </a:bodyPr>
+          <a:lstStyle/>
+          <a:p>
+            <a:pPr>
+              <a:lnSpc>
+                <a:spcPct val="110000"/>
+              </a:lnSpc>
+            </a:pPr>
+            <a:r>
+              <a:rPr lang="en-US" dirty="0"/>
+              <a:t>L</a:t>
+            </a:r>
+            <a:r>
+              <a:rPr lang="en-TW" dirty="0"/>
+              <a:t>og file:</a:t>
             </a:r>
           </a:p>
         </p:txBody>
@@ -7609,27 +9443,344 @@
               <a:rPr lang="en-TW" smtClean="0"/>
               <a:t>8</a:t>
             </a:fld>
-            <a:endParaRPr lang="en-TW" dirty="0"/>
+            <a:endParaRPr lang="en-TW"/>
+          </a:p>
+        </p:txBody>
+      </p:sp>
+      <p:pic>
+        <p:nvPicPr>
+          <p:cNvPr id="9" name="Picture 8">
+            <a:extLst>
+              <a:ext uri="{FF2B5EF4-FFF2-40B4-BE49-F238E27FC236}">
+                <a16:creationId xmlns:a16="http://schemas.microsoft.com/office/drawing/2014/main" id="{460356FE-854E-60A6-BBAC-6134D735B0B4}"/>
+              </a:ext>
+            </a:extLst>
+          </p:cNvPr>
+          <p:cNvPicPr>
+            <a:picLocks noChangeAspect="1"/>
+          </p:cNvPicPr>
+          <p:nvPr/>
+        </p:nvPicPr>
+        <p:blipFill>
+          <a:blip r:embed="rId3"/>
+          <a:stretch>
+            <a:fillRect/>
+          </a:stretch>
+        </p:blipFill>
+        <p:spPr>
+          <a:xfrm>
+            <a:off x="987936" y="4182402"/>
+            <a:ext cx="7772400" cy="1778000"/>
+          </a:xfrm>
+          <a:prstGeom prst="rect">
+            <a:avLst/>
+          </a:prstGeom>
+        </p:spPr>
+      </p:pic>
+      <p:pic>
+        <p:nvPicPr>
+          <p:cNvPr id="11" name="Picture 10">
+            <a:extLst>
+              <a:ext uri="{FF2B5EF4-FFF2-40B4-BE49-F238E27FC236}">
+                <a16:creationId xmlns:a16="http://schemas.microsoft.com/office/drawing/2014/main" id="{0E6C5E16-93A8-341A-F4B1-C7BEDFBF9F29}"/>
+              </a:ext>
+            </a:extLst>
+          </p:cNvPr>
+          <p:cNvPicPr>
+            <a:picLocks noChangeAspect="1"/>
+          </p:cNvPicPr>
+          <p:nvPr/>
+        </p:nvPicPr>
+        <p:blipFill>
+          <a:blip r:embed="rId4"/>
+          <a:stretch>
+            <a:fillRect/>
+          </a:stretch>
+        </p:blipFill>
+        <p:spPr>
+          <a:xfrm>
+            <a:off x="983956" y="2144875"/>
+            <a:ext cx="10665336" cy="1060640"/>
+          </a:xfrm>
+          <a:prstGeom prst="rect">
+            <a:avLst/>
+          </a:prstGeom>
+        </p:spPr>
+      </p:pic>
+      <p:sp>
+        <p:nvSpPr>
+          <p:cNvPr id="12" name="Content Placeholder 2">
+            <a:extLst>
+              <a:ext uri="{FF2B5EF4-FFF2-40B4-BE49-F238E27FC236}">
+                <a16:creationId xmlns:a16="http://schemas.microsoft.com/office/drawing/2014/main" id="{059EB5ED-6953-BF30-951E-799FD1F59C2A}"/>
+              </a:ext>
+            </a:extLst>
+          </p:cNvPr>
+          <p:cNvSpPr txBox="1">
+            <a:spLocks/>
+          </p:cNvSpPr>
+          <p:nvPr/>
+        </p:nvSpPr>
+        <p:spPr>
+          <a:xfrm>
+            <a:off x="691698" y="3569028"/>
+            <a:ext cx="9882011" cy="670836"/>
+          </a:xfrm>
+          <a:prstGeom prst="rect">
+            <a:avLst/>
+          </a:prstGeom>
+        </p:spPr>
+        <p:txBody>
+          <a:bodyPr vert="horz" lIns="91440" tIns="45720" rIns="91440" bIns="45720" rtlCol="0">
+            <a:normAutofit/>
+          </a:bodyPr>
+          <a:lstStyle>
+            <a:lvl1pPr marL="228600" indent="-228600" algn="l" defTabSz="914400" rtl="0" eaLnBrk="1" latinLnBrk="0" hangingPunct="1">
+              <a:lnSpc>
+                <a:spcPct val="90000"/>
+              </a:lnSpc>
+              <a:spcBef>
+                <a:spcPts val="1000"/>
+              </a:spcBef>
+              <a:buFont typeface="Arial" panose="020B0604020202020204" pitchFamily="34" charset="0"/>
+              <a:buChar char="•"/>
+              <a:defRPr sz="2800" kern="1200">
+                <a:solidFill>
+                  <a:schemeClr val="tx1"/>
+                </a:solidFill>
+                <a:latin typeface="+mn-lt"/>
+                <a:ea typeface="+mn-ea"/>
+                <a:cs typeface="+mn-cs"/>
+              </a:defRPr>
+            </a:lvl1pPr>
+            <a:lvl2pPr marL="685800" indent="-228600" algn="l" defTabSz="914400" rtl="0" eaLnBrk="1" latinLnBrk="0" hangingPunct="1">
+              <a:lnSpc>
+                <a:spcPct val="90000"/>
+              </a:lnSpc>
+              <a:spcBef>
+                <a:spcPts val="500"/>
+              </a:spcBef>
+              <a:buFont typeface="Arial" panose="020B0604020202020204" pitchFamily="34" charset="0"/>
+              <a:buChar char="•"/>
+              <a:defRPr sz="2400" kern="1200">
+                <a:solidFill>
+                  <a:schemeClr val="tx1"/>
+                </a:solidFill>
+                <a:latin typeface="+mn-lt"/>
+                <a:ea typeface="+mn-ea"/>
+                <a:cs typeface="+mn-cs"/>
+              </a:defRPr>
+            </a:lvl2pPr>
+            <a:lvl3pPr marL="1143000" indent="-228600" algn="l" defTabSz="914400" rtl="0" eaLnBrk="1" latinLnBrk="0" hangingPunct="1">
+              <a:lnSpc>
+                <a:spcPct val="90000"/>
+              </a:lnSpc>
+              <a:spcBef>
+                <a:spcPts val="500"/>
+              </a:spcBef>
+              <a:buFont typeface="Arial" panose="020B0604020202020204" pitchFamily="34" charset="0"/>
+              <a:buChar char="•"/>
+              <a:defRPr sz="2000" kern="1200">
+                <a:solidFill>
+                  <a:schemeClr val="tx1"/>
+                </a:solidFill>
+                <a:latin typeface="+mn-lt"/>
+                <a:ea typeface="+mn-ea"/>
+                <a:cs typeface="+mn-cs"/>
+              </a:defRPr>
+            </a:lvl3pPr>
+            <a:lvl4pPr marL="1600200" indent="-228600" algn="l" defTabSz="914400" rtl="0" eaLnBrk="1" latinLnBrk="0" hangingPunct="1">
+              <a:lnSpc>
+                <a:spcPct val="90000"/>
+              </a:lnSpc>
+              <a:spcBef>
+                <a:spcPts val="500"/>
+              </a:spcBef>
+              <a:buFont typeface="Arial" panose="020B0604020202020204" pitchFamily="34" charset="0"/>
+              <a:buChar char="•"/>
+              <a:defRPr sz="1800" kern="1200">
+                <a:solidFill>
+                  <a:schemeClr val="tx1"/>
+                </a:solidFill>
+                <a:latin typeface="+mn-lt"/>
+                <a:ea typeface="+mn-ea"/>
+                <a:cs typeface="+mn-cs"/>
+              </a:defRPr>
+            </a:lvl4pPr>
+            <a:lvl5pPr marL="2057400" indent="-228600" algn="l" defTabSz="914400" rtl="0" eaLnBrk="1" latinLnBrk="0" hangingPunct="1">
+              <a:lnSpc>
+                <a:spcPct val="90000"/>
+              </a:lnSpc>
+              <a:spcBef>
+                <a:spcPts val="500"/>
+              </a:spcBef>
+              <a:buFont typeface="Arial" panose="020B0604020202020204" pitchFamily="34" charset="0"/>
+              <a:buChar char="•"/>
+              <a:defRPr sz="1800" kern="1200">
+                <a:solidFill>
+                  <a:schemeClr val="tx1"/>
+                </a:solidFill>
+                <a:latin typeface="+mn-lt"/>
+                <a:ea typeface="+mn-ea"/>
+                <a:cs typeface="+mn-cs"/>
+              </a:defRPr>
+            </a:lvl5pPr>
+            <a:lvl6pPr marL="2514600" indent="-228600" algn="l" defTabSz="914400" rtl="0" eaLnBrk="1" latinLnBrk="0" hangingPunct="1">
+              <a:lnSpc>
+                <a:spcPct val="90000"/>
+              </a:lnSpc>
+              <a:spcBef>
+                <a:spcPts val="500"/>
+              </a:spcBef>
+              <a:buFont typeface="Arial" panose="020B0604020202020204" pitchFamily="34" charset="0"/>
+              <a:buChar char="•"/>
+              <a:defRPr sz="1800" kern="1200">
+                <a:solidFill>
+                  <a:schemeClr val="tx1"/>
+                </a:solidFill>
+                <a:latin typeface="+mn-lt"/>
+                <a:ea typeface="+mn-ea"/>
+                <a:cs typeface="+mn-cs"/>
+              </a:defRPr>
+            </a:lvl6pPr>
+            <a:lvl7pPr marL="2971800" indent="-228600" algn="l" defTabSz="914400" rtl="0" eaLnBrk="1" latinLnBrk="0" hangingPunct="1">
+              <a:lnSpc>
+                <a:spcPct val="90000"/>
+              </a:lnSpc>
+              <a:spcBef>
+                <a:spcPts val="500"/>
+              </a:spcBef>
+              <a:buFont typeface="Arial" panose="020B0604020202020204" pitchFamily="34" charset="0"/>
+              <a:buChar char="•"/>
+              <a:defRPr sz="1800" kern="1200">
+                <a:solidFill>
+                  <a:schemeClr val="tx1"/>
+                </a:solidFill>
+                <a:latin typeface="+mn-lt"/>
+                <a:ea typeface="+mn-ea"/>
+                <a:cs typeface="+mn-cs"/>
+              </a:defRPr>
+            </a:lvl7pPr>
+            <a:lvl8pPr marL="3429000" indent="-228600" algn="l" defTabSz="914400" rtl="0" eaLnBrk="1" latinLnBrk="0" hangingPunct="1">
+              <a:lnSpc>
+                <a:spcPct val="90000"/>
+              </a:lnSpc>
+              <a:spcBef>
+                <a:spcPts val="500"/>
+              </a:spcBef>
+              <a:buFont typeface="Arial" panose="020B0604020202020204" pitchFamily="34" charset="0"/>
+              <a:buChar char="•"/>
+              <a:defRPr sz="1800" kern="1200">
+                <a:solidFill>
+                  <a:schemeClr val="tx1"/>
+                </a:solidFill>
+                <a:latin typeface="+mn-lt"/>
+                <a:ea typeface="+mn-ea"/>
+                <a:cs typeface="+mn-cs"/>
+              </a:defRPr>
+            </a:lvl8pPr>
+            <a:lvl9pPr marL="3886200" indent="-228600" algn="l" defTabSz="914400" rtl="0" eaLnBrk="1" latinLnBrk="0" hangingPunct="1">
+              <a:lnSpc>
+                <a:spcPct val="90000"/>
+              </a:lnSpc>
+              <a:spcBef>
+                <a:spcPts val="500"/>
+              </a:spcBef>
+              <a:buFont typeface="Arial" panose="020B0604020202020204" pitchFamily="34" charset="0"/>
+              <a:buChar char="•"/>
+              <a:defRPr sz="1800" kern="1200">
+                <a:solidFill>
+                  <a:schemeClr val="tx1"/>
+                </a:solidFill>
+                <a:latin typeface="+mn-lt"/>
+                <a:ea typeface="+mn-ea"/>
+                <a:cs typeface="+mn-cs"/>
+              </a:defRPr>
+            </a:lvl9pPr>
+          </a:lstStyle>
+          <a:p>
+            <a:pPr>
+              <a:lnSpc>
+                <a:spcPct val="110000"/>
+              </a:lnSpc>
+            </a:pPr>
+            <a:r>
+              <a:rPr lang="en-US" dirty="0"/>
+              <a:t>C</a:t>
+            </a:r>
+            <a:r>
+              <a:rPr lang="en-TW" dirty="0"/>
+              <a:t>lassification report:</a:t>
+            </a:r>
+          </a:p>
+        </p:txBody>
+      </p:sp>
+      <p:sp>
+        <p:nvSpPr>
+          <p:cNvPr id="13" name="TextBox 12">
+            <a:extLst>
+              <a:ext uri="{FF2B5EF4-FFF2-40B4-BE49-F238E27FC236}">
+                <a16:creationId xmlns:a16="http://schemas.microsoft.com/office/drawing/2014/main" id="{C53F7BB5-EDE3-5690-9E43-0DC20C3EB457}"/>
+              </a:ext>
+            </a:extLst>
+          </p:cNvPr>
+          <p:cNvSpPr txBox="1"/>
+          <p:nvPr/>
+        </p:nvSpPr>
+        <p:spPr>
+          <a:xfrm>
+            <a:off x="8873066" y="5377979"/>
+            <a:ext cx="2878737" cy="646331"/>
+          </a:xfrm>
+          <a:prstGeom prst="rect">
+            <a:avLst/>
+          </a:prstGeom>
+          <a:noFill/>
+        </p:spPr>
+        <p:txBody>
+          <a:bodyPr wrap="none" rtlCol="0">
+            <a:spAutoFit/>
+          </a:bodyPr>
+          <a:lstStyle/>
+          <a:p>
+            <a:r>
+              <a:rPr lang="en-US" dirty="0"/>
+              <a:t>S</a:t>
+            </a:r>
+            <a:r>
+              <a:rPr lang="en-TW" dirty="0"/>
+              <a:t>imilar with the MLP, RNN:</a:t>
+            </a:r>
+          </a:p>
+          <a:p>
+            <a:r>
+              <a:rPr lang="en-US" dirty="0"/>
+              <a:t>M</a:t>
+            </a:r>
+            <a:r>
+              <a:rPr lang="en-TW" dirty="0"/>
+              <a:t>ore triplets, more accurate</a:t>
+            </a:r>
           </a:p>
         </p:txBody>
       </p:sp>
     </p:spTree>
     <p:extLst>
       <p:ext uri="{BB962C8B-B14F-4D97-AF65-F5344CB8AC3E}">
-        <p14:creationId xmlns:p14="http://schemas.microsoft.com/office/powerpoint/2010/main" val="1765857434"/>
+        <p14:creationId xmlns:p14="http://schemas.microsoft.com/office/powerpoint/2010/main" val="1927531807"/>
       </p:ext>
     </p:extLst>
   </p:cSld>
   <p:clrMapOvr>
     <a:masterClrMapping/>
   </p:clrMapOvr>
-  <mc:AlternateContent xmlns:mc="http://schemas.openxmlformats.org/markup-compatibility/2006">
-    <mc:Choice xmlns:p159="http://schemas.microsoft.com/office/powerpoint/2015/09/main" Requires="p159">
+  <mc:AlternateContent xmlns:mc="http://schemas.openxmlformats.org/markup-compatibility/2006" xmlns:p159="http://schemas.microsoft.com/office/powerpoint/2015/09/main">
+    <mc:Choice Requires="p159">
       <p:transition xmlns:p14="http://schemas.microsoft.com/office/powerpoint/2010/main" spd="slow" p14:dur="2000">
         <p159:morph option="byObject"/>
       </p:transition>
     </mc:Choice>
-    <mc:Fallback>
+    <mc:Fallback xmlns="">
       <p:transition spd="slow">
         <p:fade/>
       </p:transition>
@@ -7660,36 +9811,32 @@
           <p:cNvPr id="2" name="Title 1">
             <a:extLst>
               <a:ext uri="{FF2B5EF4-FFF2-40B4-BE49-F238E27FC236}">
-                <a16:creationId xmlns:a16="http://schemas.microsoft.com/office/drawing/2014/main" id="{2D1F1D5D-BC21-FE6C-199A-114DD8A93B70}"/>
-              </a:ext>
-            </a:extLst>
-          </p:cNvPr>
-          <p:cNvSpPr>
-            <a:spLocks noGrp="1"/>
-          </p:cNvSpPr>
-          <p:nvPr>
-            <p:ph type="ctrTitle"/>
+                <a16:creationId xmlns:a16="http://schemas.microsoft.com/office/drawing/2014/main" id="{2B533BED-E48C-5E7F-2273-C55CCE98516B}"/>
+              </a:ext>
+            </a:extLst>
+          </p:cNvPr>
+          <p:cNvSpPr>
+            <a:spLocks noGrp="1"/>
+          </p:cNvSpPr>
+          <p:nvPr>
+            <p:ph type="title"/>
           </p:nvPr>
         </p:nvSpPr>
         <p:spPr>
           <a:xfrm>
-            <a:off x="1524000" y="1566037"/>
-            <a:ext cx="9144000" cy="2387600"/>
+            <a:off x="366079" y="273051"/>
+            <a:ext cx="10515600" cy="1325563"/>
           </a:xfrm>
         </p:spPr>
         <p:txBody>
           <a:bodyPr/>
           <a:lstStyle/>
           <a:p>
-            <a:pPr>
-              <a:lnSpc>
-                <a:spcPct val="110000"/>
-              </a:lnSpc>
-            </a:pPr>
-            <a:r>
-              <a:rPr lang="en-TW" b="1" dirty="0"/>
-              <a:t>Future Work</a:t>
-            </a:r>
+            <a:r>
+              <a:rPr lang="en-US" b="1" dirty="0"/>
+              <a:t>Experiment 2 &amp; 3</a:t>
+            </a:r>
+            <a:endParaRPr lang="en-TW" b="1" dirty="0"/>
           </a:p>
         </p:txBody>
       </p:sp>
@@ -7698,7 +9845,7 @@
           <p:cNvPr id="4" name="Slide Number Placeholder 3">
             <a:extLst>
               <a:ext uri="{FF2B5EF4-FFF2-40B4-BE49-F238E27FC236}">
-                <a16:creationId xmlns:a16="http://schemas.microsoft.com/office/drawing/2014/main" id="{2BC4D631-FD05-0882-9331-7401BF92027E}"/>
+                <a16:creationId xmlns:a16="http://schemas.microsoft.com/office/drawing/2014/main" id="{5CD44B9F-7DE8-0932-BD70-B0BA453E653B}"/>
               </a:ext>
             </a:extLst>
           </p:cNvPr>
@@ -7718,6 +9865,488 @@
               <a:rPr lang="en-TW" smtClean="0"/>
               <a:t>9</a:t>
             </a:fld>
+            <a:endParaRPr lang="en-TW" dirty="0"/>
+          </a:p>
+        </p:txBody>
+      </p:sp>
+      <p:sp>
+        <p:nvSpPr>
+          <p:cNvPr id="3" name="TextBox 2">
+            <a:extLst>
+              <a:ext uri="{FF2B5EF4-FFF2-40B4-BE49-F238E27FC236}">
+                <a16:creationId xmlns:a16="http://schemas.microsoft.com/office/drawing/2014/main" id="{D0F20B32-F160-EF09-F6B3-E796CBC92447}"/>
+              </a:ext>
+            </a:extLst>
+          </p:cNvPr>
+          <p:cNvSpPr txBox="1"/>
+          <p:nvPr/>
+        </p:nvSpPr>
+        <p:spPr>
+          <a:xfrm>
+            <a:off x="575493" y="1598614"/>
+            <a:ext cx="10665178" cy="2708434"/>
+          </a:xfrm>
+          <a:prstGeom prst="rect">
+            <a:avLst/>
+          </a:prstGeom>
+          <a:noFill/>
+        </p:spPr>
+        <p:txBody>
+          <a:bodyPr wrap="square" rtlCol="0">
+            <a:spAutoFit/>
+          </a:bodyPr>
+          <a:lstStyle/>
+          <a:p>
+            <a:pPr marL="285750" indent="-285750">
+              <a:buFont typeface="Arial" panose="020B0604020202020204" pitchFamily="34" charset="0"/>
+              <a:buChar char="•"/>
+            </a:pPr>
+            <a:r>
+              <a:rPr lang="en-US" sz="3000" dirty="0">
+                <a:sym typeface="Wingdings" pitchFamily="2" charset="2"/>
+              </a:rPr>
+              <a:t>Experiment 2:</a:t>
+            </a:r>
+          </a:p>
+          <a:p>
+            <a:pPr marL="742950" lvl="1" indent="-285750">
+              <a:buFont typeface="Arial" panose="020B0604020202020204" pitchFamily="34" charset="0"/>
+              <a:buChar char="•"/>
+            </a:pPr>
+            <a:r>
+              <a:rPr lang="en-US" sz="2600" dirty="0">
+                <a:sym typeface="Wingdings" pitchFamily="2" charset="2"/>
+              </a:rPr>
+              <a:t>Haven’t made the dataset of benign yet</a:t>
+            </a:r>
+          </a:p>
+          <a:p>
+            <a:pPr marL="742950" lvl="1" indent="-285750">
+              <a:buFont typeface="Arial" panose="020B0604020202020204" pitchFamily="34" charset="0"/>
+              <a:buChar char="•"/>
+            </a:pPr>
+            <a:r>
+              <a:rPr lang="en-US" sz="2600" dirty="0">
+                <a:sym typeface="Wingdings" pitchFamily="2" charset="2"/>
+              </a:rPr>
+              <a:t>Dataset would be </a:t>
+            </a:r>
+          </a:p>
+          <a:p>
+            <a:pPr marL="1200150" lvl="2" indent="-285750">
+              <a:buFont typeface="Arial" panose="020B0604020202020204" pitchFamily="34" charset="0"/>
+              <a:buChar char="•"/>
+            </a:pPr>
+            <a:r>
+              <a:rPr lang="en-US" sz="2200" dirty="0">
+                <a:sym typeface="Wingdings" pitchFamily="2" charset="2"/>
+              </a:rPr>
+              <a:t>400: Leaf nodes + their source nodes</a:t>
+            </a:r>
+          </a:p>
+          <a:p>
+            <a:pPr marL="1200150" lvl="2" indent="-285750">
+              <a:buFont typeface="Arial" panose="020B0604020202020204" pitchFamily="34" charset="0"/>
+              <a:buChar char="•"/>
+            </a:pPr>
+            <a:r>
+              <a:rPr lang="en-US" sz="2200" dirty="0">
+                <a:sym typeface="Wingdings" pitchFamily="2" charset="2"/>
+              </a:rPr>
+              <a:t>300: Leaf nodes + their source nodes with source nodes’ neighbor nodes</a:t>
+            </a:r>
+          </a:p>
+          <a:p>
+            <a:pPr marL="1200150" lvl="2" indent="-285750">
+              <a:buFont typeface="Arial" panose="020B0604020202020204" pitchFamily="34" charset="0"/>
+              <a:buChar char="•"/>
+            </a:pPr>
+            <a:r>
+              <a:rPr lang="en-US" sz="2200" dirty="0">
+                <a:sym typeface="Wingdings" pitchFamily="2" charset="2"/>
+              </a:rPr>
+              <a:t>200: Leaf nodes + their 2 layer source nodes</a:t>
+            </a:r>
+          </a:p>
+          <a:p>
+            <a:pPr marL="1200150" lvl="2" indent="-285750">
+              <a:buFont typeface="Arial" panose="020B0604020202020204" pitchFamily="34" charset="0"/>
+              <a:buChar char="•"/>
+            </a:pPr>
+            <a:r>
+              <a:rPr lang="en-US" sz="2200" dirty="0">
+                <a:sym typeface="Wingdings" pitchFamily="2" charset="2"/>
+              </a:rPr>
+              <a:t>100: Leaf nodes + their 2 layer source nodes with source nodes’ neighbor nodes</a:t>
+            </a:r>
+            <a:endParaRPr lang="en-TW" sz="2200" dirty="0">
+              <a:sym typeface="Wingdings" pitchFamily="2" charset="2"/>
+            </a:endParaRPr>
+          </a:p>
+        </p:txBody>
+      </p:sp>
+      <p:sp>
+        <p:nvSpPr>
+          <p:cNvPr id="5" name="TextBox 4">
+            <a:extLst>
+              <a:ext uri="{FF2B5EF4-FFF2-40B4-BE49-F238E27FC236}">
+                <a16:creationId xmlns:a16="http://schemas.microsoft.com/office/drawing/2014/main" id="{7C9CCFA8-0236-1D45-D633-53363CDFD6BE}"/>
+              </a:ext>
+            </a:extLst>
+          </p:cNvPr>
+          <p:cNvSpPr txBox="1"/>
+          <p:nvPr/>
+        </p:nvSpPr>
+        <p:spPr>
+          <a:xfrm>
+            <a:off x="575493" y="4782332"/>
+            <a:ext cx="10665178" cy="954107"/>
+          </a:xfrm>
+          <a:prstGeom prst="rect">
+            <a:avLst/>
+          </a:prstGeom>
+          <a:noFill/>
+        </p:spPr>
+        <p:txBody>
+          <a:bodyPr wrap="square" rtlCol="0">
+            <a:spAutoFit/>
+          </a:bodyPr>
+          <a:lstStyle/>
+          <a:p>
+            <a:pPr marL="285750" indent="-285750">
+              <a:buFont typeface="Arial" panose="020B0604020202020204" pitchFamily="34" charset="0"/>
+              <a:buChar char="•"/>
+            </a:pPr>
+            <a:r>
+              <a:rPr lang="en-US" sz="3000" dirty="0">
+                <a:sym typeface="Wingdings" pitchFamily="2" charset="2"/>
+              </a:rPr>
+              <a:t>Experiment 3:</a:t>
+            </a:r>
+          </a:p>
+          <a:p>
+            <a:pPr marL="742950" lvl="1" indent="-285750">
+              <a:buFont typeface="Arial" panose="020B0604020202020204" pitchFamily="34" charset="0"/>
+              <a:buChar char="•"/>
+            </a:pPr>
+            <a:r>
+              <a:rPr lang="en-US" sz="2600" dirty="0">
+                <a:sym typeface="Wingdings" pitchFamily="2" charset="2"/>
+              </a:rPr>
+              <a:t>After finishing the experiment 2, discuss with </a:t>
+            </a:r>
+            <a:r>
+              <a:rPr lang="en-US" sz="2600" dirty="0" err="1">
+                <a:sym typeface="Wingdings" pitchFamily="2" charset="2"/>
+              </a:rPr>
+              <a:t>Euni</a:t>
+            </a:r>
+            <a:endParaRPr lang="en-US" sz="2600" dirty="0">
+              <a:sym typeface="Wingdings" pitchFamily="2" charset="2"/>
+            </a:endParaRPr>
+          </a:p>
+        </p:txBody>
+      </p:sp>
+      <p:pic>
+        <p:nvPicPr>
+          <p:cNvPr id="7" name="Picture 6">
+            <a:extLst>
+              <a:ext uri="{FF2B5EF4-FFF2-40B4-BE49-F238E27FC236}">
+                <a16:creationId xmlns:a16="http://schemas.microsoft.com/office/drawing/2014/main" id="{95D83D09-4B57-7659-0B2E-929525C3BAE2}"/>
+              </a:ext>
+            </a:extLst>
+          </p:cNvPr>
+          <p:cNvPicPr>
+            <a:picLocks noChangeAspect="1"/>
+          </p:cNvPicPr>
+          <p:nvPr/>
+        </p:nvPicPr>
+        <p:blipFill>
+          <a:blip r:embed="rId3"/>
+          <a:stretch>
+            <a:fillRect/>
+          </a:stretch>
+        </p:blipFill>
+        <p:spPr>
+          <a:xfrm>
+            <a:off x="6096000" y="2705079"/>
+            <a:ext cx="977900" cy="538843"/>
+          </a:xfrm>
+          <a:prstGeom prst="rect">
+            <a:avLst/>
+          </a:prstGeom>
+        </p:spPr>
+      </p:pic>
+      <p:pic>
+        <p:nvPicPr>
+          <p:cNvPr id="10" name="Picture 9">
+            <a:extLst>
+              <a:ext uri="{FF2B5EF4-FFF2-40B4-BE49-F238E27FC236}">
+                <a16:creationId xmlns:a16="http://schemas.microsoft.com/office/drawing/2014/main" id="{D9F5AFA5-33D0-ED91-27E6-47BA4AC721D2}"/>
+              </a:ext>
+            </a:extLst>
+          </p:cNvPr>
+          <p:cNvPicPr>
+            <a:picLocks noChangeAspect="1"/>
+          </p:cNvPicPr>
+          <p:nvPr/>
+        </p:nvPicPr>
+        <p:blipFill>
+          <a:blip r:embed="rId4"/>
+          <a:stretch>
+            <a:fillRect/>
+          </a:stretch>
+        </p:blipFill>
+        <p:spPr>
+          <a:xfrm>
+            <a:off x="6892167" y="3504192"/>
+            <a:ext cx="1206500" cy="452438"/>
+          </a:xfrm>
+          <a:prstGeom prst="rect">
+            <a:avLst/>
+          </a:prstGeom>
+        </p:spPr>
+      </p:pic>
+      <p:pic>
+        <p:nvPicPr>
+          <p:cNvPr id="12" name="Picture 11">
+            <a:extLst>
+              <a:ext uri="{FF2B5EF4-FFF2-40B4-BE49-F238E27FC236}">
+                <a16:creationId xmlns:a16="http://schemas.microsoft.com/office/drawing/2014/main" id="{467EACA9-BBD5-EC68-7FA6-F67D46ED6164}"/>
+              </a:ext>
+            </a:extLst>
+          </p:cNvPr>
+          <p:cNvPicPr>
+            <a:picLocks noChangeAspect="1"/>
+          </p:cNvPicPr>
+          <p:nvPr/>
+        </p:nvPicPr>
+        <p:blipFill>
+          <a:blip r:embed="rId5"/>
+          <a:stretch>
+            <a:fillRect/>
+          </a:stretch>
+        </p:blipFill>
+        <p:spPr>
+          <a:xfrm>
+            <a:off x="10158205" y="2705079"/>
+            <a:ext cx="910737" cy="827943"/>
+          </a:xfrm>
+          <a:prstGeom prst="rect">
+            <a:avLst/>
+          </a:prstGeom>
+        </p:spPr>
+      </p:pic>
+      <p:pic>
+        <p:nvPicPr>
+          <p:cNvPr id="14" name="Picture 13">
+            <a:extLst>
+              <a:ext uri="{FF2B5EF4-FFF2-40B4-BE49-F238E27FC236}">
+                <a16:creationId xmlns:a16="http://schemas.microsoft.com/office/drawing/2014/main" id="{D1BDCADF-C08B-81FA-9B21-61B000B4343C}"/>
+              </a:ext>
+            </a:extLst>
+          </p:cNvPr>
+          <p:cNvPicPr>
+            <a:picLocks noChangeAspect="1"/>
+          </p:cNvPicPr>
+          <p:nvPr/>
+        </p:nvPicPr>
+        <p:blipFill>
+          <a:blip r:embed="rId6"/>
+          <a:stretch>
+            <a:fillRect/>
+          </a:stretch>
+        </p:blipFill>
+        <p:spPr>
+          <a:xfrm>
+            <a:off x="10924498" y="3975531"/>
+            <a:ext cx="1051174" cy="951428"/>
+          </a:xfrm>
+          <a:prstGeom prst="rect">
+            <a:avLst/>
+          </a:prstGeom>
+        </p:spPr>
+      </p:pic>
+      <p:sp>
+        <p:nvSpPr>
+          <p:cNvPr id="17" name="Oval 16">
+            <a:extLst>
+              <a:ext uri="{FF2B5EF4-FFF2-40B4-BE49-F238E27FC236}">
+                <a16:creationId xmlns:a16="http://schemas.microsoft.com/office/drawing/2014/main" id="{A6DA30A3-800A-4837-65FA-A0D5F4391761}"/>
+              </a:ext>
+            </a:extLst>
+          </p:cNvPr>
+          <p:cNvSpPr/>
+          <p:nvPr/>
+        </p:nvSpPr>
+        <p:spPr>
+          <a:xfrm>
+            <a:off x="10260677" y="3309319"/>
+            <a:ext cx="194119" cy="194873"/>
+          </a:xfrm>
+          <a:prstGeom prst="ellipse">
+            <a:avLst/>
+          </a:prstGeom>
+        </p:spPr>
+        <p:style>
+          <a:lnRef idx="2">
+            <a:schemeClr val="accent1">
+              <a:shade val="15000"/>
+            </a:schemeClr>
+          </a:lnRef>
+          <a:fillRef idx="1">
+            <a:schemeClr val="accent1"/>
+          </a:fillRef>
+          <a:effectRef idx="0">
+            <a:schemeClr val="accent1"/>
+          </a:effectRef>
+          <a:fontRef idx="minor">
+            <a:schemeClr val="lt1"/>
+          </a:fontRef>
+        </p:style>
+        <p:txBody>
+          <a:bodyPr rtlCol="0" anchor="ctr"/>
+          <a:lstStyle/>
+          <a:p>
+            <a:pPr algn="ctr"/>
+            <a:endParaRPr lang="en-TW"/>
+          </a:p>
+        </p:txBody>
+      </p:sp>
+      <p:sp>
+        <p:nvSpPr>
+          <p:cNvPr id="18" name="Oval 17">
+            <a:extLst>
+              <a:ext uri="{FF2B5EF4-FFF2-40B4-BE49-F238E27FC236}">
+                <a16:creationId xmlns:a16="http://schemas.microsoft.com/office/drawing/2014/main" id="{24B288B5-1670-6BF1-6D2D-31B51A5D0098}"/>
+              </a:ext>
+            </a:extLst>
+          </p:cNvPr>
+          <p:cNvSpPr/>
+          <p:nvPr/>
+        </p:nvSpPr>
+        <p:spPr>
+          <a:xfrm>
+            <a:off x="11191035" y="4725512"/>
+            <a:ext cx="122191" cy="123579"/>
+          </a:xfrm>
+          <a:prstGeom prst="ellipse">
+            <a:avLst/>
+          </a:prstGeom>
+        </p:spPr>
+        <p:style>
+          <a:lnRef idx="2">
+            <a:schemeClr val="accent1">
+              <a:shade val="15000"/>
+            </a:schemeClr>
+          </a:lnRef>
+          <a:fillRef idx="1">
+            <a:schemeClr val="accent1"/>
+          </a:fillRef>
+          <a:effectRef idx="0">
+            <a:schemeClr val="accent1"/>
+          </a:effectRef>
+          <a:fontRef idx="minor">
+            <a:schemeClr val="lt1"/>
+          </a:fontRef>
+        </p:style>
+        <p:txBody>
+          <a:bodyPr rtlCol="0" anchor="ctr"/>
+          <a:lstStyle/>
+          <a:p>
+            <a:pPr algn="ctr"/>
+            <a:endParaRPr lang="en-TW"/>
+          </a:p>
+        </p:txBody>
+      </p:sp>
+      <p:sp>
+        <p:nvSpPr>
+          <p:cNvPr id="19" name="Rectangle 18">
+            <a:extLst>
+              <a:ext uri="{FF2B5EF4-FFF2-40B4-BE49-F238E27FC236}">
+                <a16:creationId xmlns:a16="http://schemas.microsoft.com/office/drawing/2014/main" id="{098362F0-36D6-098E-57F6-28B19C5EEF4E}"/>
+              </a:ext>
+            </a:extLst>
+          </p:cNvPr>
+          <p:cNvSpPr/>
+          <p:nvPr/>
+        </p:nvSpPr>
+        <p:spPr>
+          <a:xfrm>
+            <a:off x="6710363" y="2924175"/>
+            <a:ext cx="211872" cy="193098"/>
+          </a:xfrm>
+          <a:prstGeom prst="rect">
+            <a:avLst/>
+          </a:prstGeom>
+        </p:spPr>
+        <p:style>
+          <a:lnRef idx="2">
+            <a:schemeClr val="accent1">
+              <a:shade val="15000"/>
+            </a:schemeClr>
+          </a:lnRef>
+          <a:fillRef idx="1">
+            <a:schemeClr val="accent1"/>
+          </a:fillRef>
+          <a:effectRef idx="0">
+            <a:schemeClr val="accent1"/>
+          </a:effectRef>
+          <a:fontRef idx="minor">
+            <a:schemeClr val="lt1"/>
+          </a:fontRef>
+        </p:style>
+        <p:txBody>
+          <a:bodyPr rtlCol="0" anchor="ctr"/>
+          <a:lstStyle/>
+          <a:p>
+            <a:pPr algn="ctr"/>
+            <a:endParaRPr lang="en-TW"/>
+          </a:p>
+        </p:txBody>
+      </p:sp>
+      <p:sp>
+        <p:nvSpPr>
+          <p:cNvPr id="20" name="Rectangle 19">
+            <a:extLst>
+              <a:ext uri="{FF2B5EF4-FFF2-40B4-BE49-F238E27FC236}">
+                <a16:creationId xmlns:a16="http://schemas.microsoft.com/office/drawing/2014/main" id="{0431608E-A5AC-9B55-AE60-AB6FE8850DCE}"/>
+              </a:ext>
+            </a:extLst>
+          </p:cNvPr>
+          <p:cNvSpPr/>
+          <p:nvPr/>
+        </p:nvSpPr>
+        <p:spPr>
+          <a:xfrm>
+            <a:off x="7771413" y="3686175"/>
+            <a:ext cx="211872" cy="193098"/>
+          </a:xfrm>
+          <a:prstGeom prst="rect">
+            <a:avLst/>
+          </a:prstGeom>
+        </p:spPr>
+        <p:style>
+          <a:lnRef idx="2">
+            <a:schemeClr val="accent1">
+              <a:shade val="15000"/>
+            </a:schemeClr>
+          </a:lnRef>
+          <a:fillRef idx="1">
+            <a:schemeClr val="accent1"/>
+          </a:fillRef>
+          <a:effectRef idx="0">
+            <a:schemeClr val="accent1"/>
+          </a:effectRef>
+          <a:fontRef idx="minor">
+            <a:schemeClr val="lt1"/>
+          </a:fontRef>
+        </p:style>
+        <p:txBody>
+          <a:bodyPr rtlCol="0" anchor="ctr"/>
+          <a:lstStyle/>
+          <a:p>
+            <a:pPr algn="ctr"/>
             <a:endParaRPr lang="en-TW"/>
           </a:p>
         </p:txBody>
@@ -7725,20 +10354,20 @@
     </p:spTree>
     <p:extLst>
       <p:ext uri="{BB962C8B-B14F-4D97-AF65-F5344CB8AC3E}">
-        <p14:creationId xmlns:p14="http://schemas.microsoft.com/office/powerpoint/2010/main" val="2403544732"/>
+        <p14:creationId xmlns:p14="http://schemas.microsoft.com/office/powerpoint/2010/main" val="3785417511"/>
       </p:ext>
     </p:extLst>
   </p:cSld>
   <p:clrMapOvr>
     <a:masterClrMapping/>
   </p:clrMapOvr>
-  <mc:AlternateContent xmlns:mc="http://schemas.openxmlformats.org/markup-compatibility/2006">
-    <mc:Choice xmlns:p159="http://schemas.microsoft.com/office/powerpoint/2015/09/main" Requires="p159">
+  <mc:AlternateContent xmlns:mc="http://schemas.openxmlformats.org/markup-compatibility/2006" xmlns:p159="http://schemas.microsoft.com/office/powerpoint/2015/09/main">
+    <mc:Choice Requires="p159">
       <p:transition xmlns:p14="http://schemas.microsoft.com/office/powerpoint/2010/main" spd="slow" p14:dur="2000">
         <p159:morph option="byObject"/>
       </p:transition>
     </mc:Choice>
-    <mc:Fallback>
+    <mc:Fallback xmlns="">
       <p:transition spd="slow">
         <p:fade/>
       </p:transition>
